--- a/חומר עזר לפרויקט/הגשה סופית/Project_A - Poster.pptx
+++ b/חומר עזר לפרויקט/הגשה סופית/Project_A - Poster.pptx
@@ -161,7 +161,7 @@
 
 <file path=ppt/commentAuthors.xml><?xml version="1.0" encoding="utf-8"?>
 <p:cmAuthorLst xmlns:a="http://schemas.openxmlformats.org/drawingml/2006/main" xmlns:r="http://schemas.openxmlformats.org/officeDocument/2006/relationships" xmlns:p="http://schemas.openxmlformats.org/presentationml/2006/main">
-  <p:cmAuthor id="4" name="Author" initials="A" lastIdx="0" clrIdx="3"/>
+  <p:cmAuthor id="5" name="מחבר" initials="א" lastIdx="0" clrIdx="4"/>
 </p:cmAuthorLst>
 </file>
 
@@ -4322,8 +4322,8 @@
         </p:nvSpPr>
         <p:spPr>
           <a:xfrm>
-            <a:off x="613412" y="32697852"/>
-            <a:ext cx="9360000" cy="1208903"/>
+            <a:off x="614198" y="32656046"/>
+            <a:ext cx="9360000" cy="1014035"/>
           </a:xfrm>
           <a:prstGeom prst="roundRect">
             <a:avLst>
@@ -4569,23 +4569,7 @@
                   <a:srgbClr val="002060"/>
                 </a:solidFill>
               </a:rPr>
-              <a:t>An </a:t>
-            </a:r>
-            <a:r>
-              <a:rPr lang="en-US" sz="3000" b="0" dirty="0" smtClean="0">
-                <a:solidFill>
-                  <a:srgbClr val="002060"/>
-                </a:solidFill>
-              </a:rPr>
-              <a:t>airport </a:t>
-            </a:r>
-            <a:r>
-              <a:rPr lang="en-US" sz="3000" b="0" dirty="0">
-                <a:solidFill>
-                  <a:srgbClr val="002060"/>
-                </a:solidFill>
-              </a:rPr>
-              <a:t>has a lot of operations everyday. </a:t>
+              <a:t>An airport has a lot of operations everyday. </a:t>
             </a:r>
           </a:p>
           <a:p>
@@ -4619,23 +4603,7 @@
                   <a:srgbClr val="002060"/>
                 </a:solidFill>
               </a:rPr>
-              <a:t>Operations that </a:t>
-            </a:r>
-            <a:r>
-              <a:rPr lang="en-US" sz="3000" b="0" dirty="0" smtClean="0">
-                <a:solidFill>
-                  <a:srgbClr val="002060"/>
-                </a:solidFill>
-              </a:rPr>
-              <a:t>depend </a:t>
-            </a:r>
-            <a:r>
-              <a:rPr lang="en-US" sz="3000" b="0" dirty="0">
-                <a:solidFill>
-                  <a:srgbClr val="002060"/>
-                </a:solidFill>
-              </a:rPr>
-              <a:t>on other operations.</a:t>
+              <a:t>Operations that depend on other operations.</a:t>
             </a:r>
           </a:p>
           <a:p>
@@ -4675,15 +4643,7 @@
                   <a:srgbClr val="002060"/>
                 </a:solidFill>
               </a:rPr>
-              <a:t>Airport management is done with a day plan </a:t>
-            </a:r>
-            <a:r>
-              <a:rPr lang="en-US" sz="3000" b="0" dirty="0" smtClean="0">
-                <a:solidFill>
-                  <a:srgbClr val="002060"/>
-                </a:solidFill>
-              </a:rPr>
-              <a:t>which is executed in </a:t>
+              <a:t>Airport management is done with a day plan which is executed in </a:t>
             </a:r>
             <a:r>
               <a:rPr lang="en-US" sz="3000" dirty="0">
@@ -4858,7 +4818,7 @@
         </p:nvSpPr>
         <p:spPr bwMode="auto">
           <a:xfrm>
-            <a:off x="936000" y="32794595"/>
+            <a:off x="754151" y="32713251"/>
             <a:ext cx="8755594" cy="1208903"/>
           </a:xfrm>
           <a:prstGeom prst="rect">
@@ -4959,7 +4919,7 @@
                 <a:latin typeface="Arial" panose="020B0604020202020204" pitchFamily="34" charset="0"/>
                 <a:cs typeface="Arial" panose="020B0604020202020204" pitchFamily="34" charset="0"/>
               </a:rPr>
-              <a:t>Results</a:t>
+              <a:t>Block Diagram</a:t>
             </a:r>
           </a:p>
         </p:txBody>
@@ -5075,7 +5035,7 @@
                 <a:latin typeface="Arial" panose="020B0604020202020204" pitchFamily="34" charset="0"/>
                 <a:cs typeface="Arial" panose="020B0604020202020204" pitchFamily="34" charset="0"/>
               </a:rPr>
-              <a:t>Block Diagram</a:t>
+              <a:t>Planner</a:t>
             </a:r>
           </a:p>
         </p:txBody>
@@ -5156,17 +5116,7 @@
                 <a:latin typeface="Arial" panose="020B0604020202020204" pitchFamily="34" charset="0"/>
                 <a:cs typeface="Arial" panose="020B0604020202020204" pitchFamily="34" charset="0"/>
               </a:rPr>
-              <a:t>Online Algorithm for </a:t>
-            </a:r>
-            <a:r>
-              <a:rPr lang="en-US" sz="12000" dirty="0" smtClean="0">
-                <a:solidFill>
-                  <a:srgbClr val="124872"/>
-                </a:solidFill>
-                <a:latin typeface="Arial" panose="020B0604020202020204" pitchFamily="34" charset="0"/>
-                <a:cs typeface="Arial" panose="020B0604020202020204" pitchFamily="34" charset="0"/>
-              </a:rPr>
-              <a:t>Takeoff and Landing Management</a:t>
+              <a:t>Online Algorithm for Takeoff and Landing Management</a:t>
             </a:r>
             <a:endParaRPr lang="en-US" sz="12000" kern="0" baseline="30000" dirty="0">
               <a:solidFill>
@@ -5432,8 +5382,8 @@
         </p:nvSpPr>
         <p:spPr>
           <a:xfrm>
-            <a:off x="10458000" y="8623032"/>
-            <a:ext cx="9360000" cy="33160467"/>
+            <a:off x="10458000" y="8623033"/>
+            <a:ext cx="9360000" cy="16055448"/>
           </a:xfrm>
           <a:prstGeom prst="roundRect">
             <a:avLst>
@@ -5576,8 +5526,8 @@
         </p:nvSpPr>
         <p:spPr>
           <a:xfrm>
-            <a:off x="20286000" y="8682990"/>
-            <a:ext cx="9360000" cy="26766101"/>
+            <a:off x="20286000" y="8682991"/>
+            <a:ext cx="9360000" cy="9405775"/>
           </a:xfrm>
           <a:prstGeom prst="roundRect">
             <a:avLst>
@@ -5621,7 +5571,7 @@
           <p:cNvPr id="4" name="תמונה 3">
             <a:extLst>
               <a:ext uri="{FF2B5EF4-FFF2-40B4-BE49-F238E27FC236}">
-                <a16:creationId xmlns:a16="http://schemas.microsoft.com/office/drawing/2014/main" xmlns="" id="{E55B8FF5-8C18-4736-BA9C-E834CBC81472}"/>
+                <a16:creationId xmlns:a16="http://schemas.microsoft.com/office/drawing/2014/main" id="{E55B8FF5-8C18-4736-BA9C-E834CBC81472}"/>
               </a:ext>
             </a:extLst>
           </p:cNvPr>
@@ -5657,7 +5607,7 @@
           <p:cNvPr id="10" name="תמונה 9">
             <a:extLst>
               <a:ext uri="{FF2B5EF4-FFF2-40B4-BE49-F238E27FC236}">
-                <a16:creationId xmlns:a16="http://schemas.microsoft.com/office/drawing/2014/main" xmlns="" id="{AE8E910E-0E16-4DE4-A829-4A92CC20EBDF}"/>
+                <a16:creationId xmlns:a16="http://schemas.microsoft.com/office/drawing/2014/main" id="{AE8E910E-0E16-4DE4-A829-4A92CC20EBDF}"/>
               </a:ext>
             </a:extLst>
           </p:cNvPr>
@@ -5693,7 +5643,7 @@
           <p:cNvPr id="3" name="תמונה 2" descr="תמונה שמכילה דשא, תובלה, כלי שיט, גדה&#10;&#10;התיאור נוצר באופן אוטומטי">
             <a:extLst>
               <a:ext uri="{FF2B5EF4-FFF2-40B4-BE49-F238E27FC236}">
-                <a16:creationId xmlns:a16="http://schemas.microsoft.com/office/drawing/2014/main" xmlns="" id="{FCFD5DF4-2CAA-4D39-8CC0-107AD13C3B39}"/>
+                <a16:creationId xmlns:a16="http://schemas.microsoft.com/office/drawing/2014/main" id="{FCFD5DF4-2CAA-4D39-8CC0-107AD13C3B39}"/>
               </a:ext>
             </a:extLst>
           </p:cNvPr>
@@ -5729,7 +5679,7 @@
           <p:cNvPr id="5" name="תיבת טקסט 4">
             <a:extLst>
               <a:ext uri="{FF2B5EF4-FFF2-40B4-BE49-F238E27FC236}">
-                <a16:creationId xmlns:a16="http://schemas.microsoft.com/office/drawing/2014/main" xmlns="" id="{EADF59D7-199B-4E9E-B5BA-26167C68AB29}"/>
+                <a16:creationId xmlns:a16="http://schemas.microsoft.com/office/drawing/2014/main" id="{EADF59D7-199B-4E9E-B5BA-26167C68AB29}"/>
               </a:ext>
             </a:extLst>
           </p:cNvPr>
@@ -5764,25 +5714,7 @@
                 </a:solidFill>
                 <a:cs typeface="Arial" panose="020B0604020202020204" pitchFamily="34" charset="0"/>
               </a:rPr>
-              <a:t>Creating an online </a:t>
-            </a:r>
-            <a:r>
-              <a:rPr lang="en-US" sz="3100" dirty="0" smtClean="0">
-                <a:solidFill>
-                  <a:srgbClr val="002060"/>
-                </a:solidFill>
-                <a:cs typeface="Arial" panose="020B0604020202020204" pitchFamily="34" charset="0"/>
-              </a:rPr>
-              <a:t>algorithm for </a:t>
-            </a:r>
-            <a:r>
-              <a:rPr lang="en-US" sz="3100" dirty="0">
-                <a:solidFill>
-                  <a:srgbClr val="002060"/>
-                </a:solidFill>
-                <a:cs typeface="Arial" panose="020B0604020202020204" pitchFamily="34" charset="0"/>
-              </a:rPr>
-              <a:t>managing takeoffs and landings</a:t>
+              <a:t>Creating an online algorithm for managing takeoffs and landings</a:t>
             </a:r>
           </a:p>
           <a:p>
@@ -5830,27 +5762,7 @@
                 <a:effectLst/>
                 <a:cs typeface="Assistant" pitchFamily="2" charset="-79"/>
               </a:rPr>
-              <a:t>dealing with real-time </a:t>
-            </a:r>
-            <a:r>
-              <a:rPr lang="en-US" sz="3000" b="0" i="0" dirty="0" smtClean="0">
-                <a:solidFill>
-                  <a:srgbClr val="002060"/>
-                </a:solidFill>
-                <a:effectLst/>
-                <a:cs typeface="Assistant" pitchFamily="2" charset="-79"/>
-              </a:rPr>
-              <a:t>malfunctions </a:t>
-            </a:r>
-            <a:r>
-              <a:rPr lang="en-US" sz="3000" b="0" i="0" dirty="0">
-                <a:solidFill>
-                  <a:srgbClr val="002060"/>
-                </a:solidFill>
-                <a:effectLst/>
-                <a:cs typeface="Assistant" pitchFamily="2" charset="-79"/>
-              </a:rPr>
-              <a:t>and changes.</a:t>
+              <a:t>dealing with real-time malfunctions and changes.</a:t>
             </a:r>
           </a:p>
           <a:p>
@@ -5885,10 +5797,10 @@
       </p:sp>
       <p:pic>
         <p:nvPicPr>
-          <p:cNvPr id="6" name="תמונה 5">
+          <p:cNvPr id="12" name="תמונה 11">
             <a:extLst>
               <a:ext uri="{FF2B5EF4-FFF2-40B4-BE49-F238E27FC236}">
-                <a16:creationId xmlns:a16="http://schemas.microsoft.com/office/drawing/2014/main" xmlns="" id="{C271EFAD-1C2A-4370-9C55-3F406CE6191A}"/>
+                <a16:creationId xmlns:a16="http://schemas.microsoft.com/office/drawing/2014/main" id="{3B4DEDE6-6F07-4A7A-9AA0-E99344606F52}"/>
               </a:ext>
             </a:extLst>
           </p:cNvPr>
@@ -5905,36 +5817,6 @@
         </p:blipFill>
         <p:spPr>
           <a:xfrm>
-            <a:off x="10655562" y="10056738"/>
-            <a:ext cx="8918173" cy="4211359"/>
-          </a:xfrm>
-          <a:prstGeom prst="rect">
-            <a:avLst/>
-          </a:prstGeom>
-        </p:spPr>
-      </p:pic>
-      <p:pic>
-        <p:nvPicPr>
-          <p:cNvPr id="12" name="תמונה 11">
-            <a:extLst>
-              <a:ext uri="{FF2B5EF4-FFF2-40B4-BE49-F238E27FC236}">
-                <a16:creationId xmlns:a16="http://schemas.microsoft.com/office/drawing/2014/main" xmlns="" id="{3B4DEDE6-6F07-4A7A-9AA0-E99344606F52}"/>
-              </a:ext>
-            </a:extLst>
-          </p:cNvPr>
-          <p:cNvPicPr>
-            <a:picLocks noChangeAspect="1"/>
-          </p:cNvPicPr>
-          <p:nvPr/>
-        </p:nvPicPr>
-        <p:blipFill>
-          <a:blip r:embed="rId7"/>
-          <a:stretch>
-            <a:fillRect/>
-          </a:stretch>
-        </p:blipFill>
-        <p:spPr>
-          <a:xfrm>
             <a:off x="3010482" y="34050359"/>
             <a:ext cx="4242932" cy="4721973"/>
           </a:xfrm>
@@ -5948,7 +5830,7 @@
           <p:cNvPr id="112" name="תיבת טקסט 111">
             <a:extLst>
               <a:ext uri="{FF2B5EF4-FFF2-40B4-BE49-F238E27FC236}">
-                <a16:creationId xmlns:a16="http://schemas.microsoft.com/office/drawing/2014/main" xmlns="" id="{ACBB6CE5-CC91-4166-9F27-408FDAC16789}"/>
+                <a16:creationId xmlns:a16="http://schemas.microsoft.com/office/drawing/2014/main" id="{ACBB6CE5-CC91-4166-9F27-408FDAC16789}"/>
               </a:ext>
             </a:extLst>
           </p:cNvPr>
@@ -5958,7 +5840,7 @@
         <p:spPr>
           <a:xfrm>
             <a:off x="833361" y="38850296"/>
-            <a:ext cx="9156638" cy="3469219"/>
+            <a:ext cx="9156638" cy="2776722"/>
           </a:xfrm>
           <a:prstGeom prst="rect">
             <a:avLst/>
@@ -6022,17 +5904,131 @@
                 </a:solidFill>
                 <a:cs typeface="Arial" panose="020B0604020202020204" pitchFamily="34" charset="0"/>
               </a:rPr>
-              <a:t>The Environment is the testing environment that simulates an airport with interrupts in real-time.</a:t>
-            </a:r>
-            <a:r>
-              <a:rPr lang="en-US" sz="3000" b="0" i="0" dirty="0">
+              <a:t>The Environment is the testing module that simulates an airport with interrupts in real-time.</a:t>
+            </a:r>
+            <a:endParaRPr lang="en-US" sz="3000" b="0" i="0" dirty="0">
+              <a:solidFill>
+                <a:srgbClr val="002060"/>
+              </a:solidFill>
+              <a:effectLst/>
+              <a:cs typeface="Assistant" pitchFamily="2" charset="-79"/>
+            </a:endParaRPr>
+          </a:p>
+        </p:txBody>
+      </p:sp>
+      <p:sp>
+        <p:nvSpPr>
+          <p:cNvPr id="113" name="תיבת טקסט 112">
+            <a:extLst>
+              <a:ext uri="{FF2B5EF4-FFF2-40B4-BE49-F238E27FC236}">
+                <a16:creationId xmlns:a16="http://schemas.microsoft.com/office/drawing/2014/main" id="{BB7250E8-0459-4B73-BC05-37042B8BE517}"/>
+              </a:ext>
+            </a:extLst>
+          </p:cNvPr>
+          <p:cNvSpPr txBox="1"/>
+          <p:nvPr/>
+        </p:nvSpPr>
+        <p:spPr>
+          <a:xfrm>
+            <a:off x="20413861" y="37429622"/>
+            <a:ext cx="9156638" cy="4623382"/>
+          </a:xfrm>
+          <a:prstGeom prst="rect">
+            <a:avLst/>
+          </a:prstGeom>
+          <a:noFill/>
+        </p:spPr>
+        <p:txBody>
+          <a:bodyPr wrap="square" rtlCol="1">
+            <a:spAutoFit/>
+          </a:bodyPr>
+          <a:lstStyle/>
+          <a:p>
+            <a:pPr marL="457200" indent="-457200" algn="l" rtl="0">
+              <a:lnSpc>
+                <a:spcPct val="150000"/>
+              </a:lnSpc>
+              <a:buFont typeface="Wingdings" panose="05000000000000000000" pitchFamily="2" charset="2"/>
+              <a:buChar char="§"/>
+            </a:pPr>
+            <a:r>
+              <a:rPr lang="en-US" sz="3000" b="0" dirty="0">
+                <a:solidFill>
+                  <a:srgbClr val="000060"/>
+                </a:solidFill>
+                <a:latin typeface="Arial" panose="020B0604020202020204" pitchFamily="34" charset="0"/>
+                <a:cs typeface="Arial" panose="020B0604020202020204" pitchFamily="34" charset="0"/>
+              </a:rPr>
+              <a:t>Add more types of </a:t>
+            </a:r>
+            <a:r>
+              <a:rPr lang="en-US" sz="3000" b="0" dirty="0">
                 <a:solidFill>
                   <a:srgbClr val="002060"/>
                 </a:solidFill>
-                <a:effectLst/>
-                <a:cs typeface="Assistant" pitchFamily="2" charset="-79"/>
+                <a:cs typeface="Arial" panose="020B0604020202020204" pitchFamily="34" charset="0"/>
               </a:rPr>
-              <a:t/>
+              <a:t>interrupts</a:t>
+            </a:r>
+            <a:r>
+              <a:rPr lang="en-US" sz="3000" b="0" dirty="0">
+                <a:solidFill>
+                  <a:srgbClr val="000060"/>
+                </a:solidFill>
+                <a:latin typeface="Arial" panose="020B0604020202020204" pitchFamily="34" charset="0"/>
+                <a:cs typeface="Arial" panose="020B0604020202020204" pitchFamily="34" charset="0"/>
+              </a:rPr>
+              <a:t> to simulate a more realistic world in a simulation.</a:t>
+            </a:r>
+          </a:p>
+          <a:p>
+            <a:pPr algn="l" rtl="0">
+              <a:lnSpc>
+                <a:spcPct val="150000"/>
+              </a:lnSpc>
+            </a:pPr>
+            <a:endParaRPr lang="en-US" sz="1400" b="0" dirty="0">
+              <a:solidFill>
+                <a:srgbClr val="000060"/>
+              </a:solidFill>
+              <a:latin typeface="Arial" panose="020B0604020202020204" pitchFamily="34" charset="0"/>
+              <a:cs typeface="Arial" panose="020B0604020202020204" pitchFamily="34" charset="0"/>
+            </a:endParaRPr>
+          </a:p>
+          <a:p>
+            <a:pPr marL="457200" indent="-457200" algn="l" rtl="0">
+              <a:lnSpc>
+                <a:spcPct val="150000"/>
+              </a:lnSpc>
+              <a:buFont typeface="Wingdings" panose="05000000000000000000" pitchFamily="2" charset="2"/>
+              <a:buChar char="§"/>
+            </a:pPr>
+            <a:r>
+              <a:rPr lang="en-US" sz="3000" b="0" dirty="0">
+                <a:solidFill>
+                  <a:srgbClr val="002060"/>
+                </a:solidFill>
+                <a:cs typeface="Arial" panose="020B0604020202020204" pitchFamily="34" charset="0"/>
+              </a:rPr>
+              <a:t>Add a GUI </a:t>
+            </a:r>
+            <a:r>
+              <a:rPr lang="en-US" sz="3000" b="0">
+                <a:solidFill>
+                  <a:srgbClr val="002060"/>
+                </a:solidFill>
+                <a:cs typeface="Arial" panose="020B0604020202020204" pitchFamily="34" charset="0"/>
+              </a:rPr>
+              <a:t>- make </a:t>
+            </a:r>
+            <a:r>
+              <a:rPr lang="en-US" sz="3000" b="0" dirty="0">
+                <a:solidFill>
+                  <a:srgbClr val="002060"/>
+                </a:solidFill>
+                <a:cs typeface="Arial" panose="020B0604020202020204" pitchFamily="34" charset="0"/>
+              </a:rPr>
+              <a:t>the system inactive to the user with which he will be able to track the planes and lanes in real-time.</a:t>
             </a:r>
             <a:br>
               <a:rPr lang="en-US" sz="3000" b="0" i="0" dirty="0">
@@ -6055,162 +6051,10 @@
       </p:sp>
       <p:sp>
         <p:nvSpPr>
-          <p:cNvPr id="113" name="תיבת טקסט 112">
-            <a:extLst>
-              <a:ext uri="{FF2B5EF4-FFF2-40B4-BE49-F238E27FC236}">
-                <a16:creationId xmlns:a16="http://schemas.microsoft.com/office/drawing/2014/main" xmlns="" id="{BB7250E8-0459-4B73-BC05-37042B8BE517}"/>
-              </a:ext>
-            </a:extLst>
-          </p:cNvPr>
-          <p:cNvSpPr txBox="1"/>
-          <p:nvPr/>
-        </p:nvSpPr>
-        <p:spPr>
-          <a:xfrm>
-            <a:off x="20413861" y="37429622"/>
-            <a:ext cx="9156638" cy="4623382"/>
-          </a:xfrm>
-          <a:prstGeom prst="rect">
-            <a:avLst/>
-          </a:prstGeom>
-          <a:noFill/>
-        </p:spPr>
-        <p:txBody>
-          <a:bodyPr wrap="square" rtlCol="1">
-            <a:spAutoFit/>
-          </a:bodyPr>
-          <a:lstStyle/>
-          <a:p>
-            <a:pPr marL="457200" indent="-457200" algn="l" rtl="0">
-              <a:lnSpc>
-                <a:spcPct val="150000"/>
-              </a:lnSpc>
-              <a:buFont typeface="Wingdings" panose="05000000000000000000" pitchFamily="2" charset="2"/>
-              <a:buChar char="§"/>
-            </a:pPr>
-            <a:r>
-              <a:rPr lang="en-US" sz="3000" b="0" dirty="0">
-                <a:solidFill>
-                  <a:srgbClr val="000060"/>
-                </a:solidFill>
-                <a:latin typeface="Arial" panose="020B0604020202020204" pitchFamily="34" charset="0"/>
-                <a:cs typeface="Arial" panose="020B0604020202020204" pitchFamily="34" charset="0"/>
-              </a:rPr>
-              <a:t>Add more types of </a:t>
-            </a:r>
-            <a:r>
-              <a:rPr lang="en-US" sz="3000" b="0" dirty="0">
-                <a:solidFill>
-                  <a:srgbClr val="002060"/>
-                </a:solidFill>
-                <a:cs typeface="Arial" panose="020B0604020202020204" pitchFamily="34" charset="0"/>
-              </a:rPr>
-              <a:t>interrupts</a:t>
-            </a:r>
-            <a:r>
-              <a:rPr lang="en-US" sz="3000" b="0" dirty="0">
-                <a:solidFill>
-                  <a:srgbClr val="000060"/>
-                </a:solidFill>
-                <a:latin typeface="Arial" panose="020B0604020202020204" pitchFamily="34" charset="0"/>
-                <a:cs typeface="Arial" panose="020B0604020202020204" pitchFamily="34" charset="0"/>
-              </a:rPr>
-              <a:t> to simulate a more realistic world in a simulation.</a:t>
-            </a:r>
-          </a:p>
-          <a:p>
-            <a:pPr algn="l" rtl="0">
-              <a:lnSpc>
-                <a:spcPct val="150000"/>
-              </a:lnSpc>
-            </a:pPr>
-            <a:endParaRPr lang="en-US" sz="1400" b="0" dirty="0">
-              <a:solidFill>
-                <a:srgbClr val="000060"/>
-              </a:solidFill>
-              <a:latin typeface="Arial" panose="020B0604020202020204" pitchFamily="34" charset="0"/>
-              <a:cs typeface="Arial" panose="020B0604020202020204" pitchFamily="34" charset="0"/>
-            </a:endParaRPr>
-          </a:p>
-          <a:p>
-            <a:pPr marL="457200" indent="-457200" algn="l" rtl="0">
-              <a:lnSpc>
-                <a:spcPct val="150000"/>
-              </a:lnSpc>
-              <a:buFont typeface="Wingdings" panose="05000000000000000000" pitchFamily="2" charset="2"/>
-              <a:buChar char="§"/>
-            </a:pPr>
-            <a:r>
-              <a:rPr lang="en-US" sz="3000" b="0" dirty="0">
-                <a:solidFill>
-                  <a:srgbClr val="002060"/>
-                </a:solidFill>
-                <a:cs typeface="Arial" panose="020B0604020202020204" pitchFamily="34" charset="0"/>
-              </a:rPr>
-              <a:t>Add a GUI </a:t>
-            </a:r>
-            <a:r>
-              <a:rPr lang="en-US" sz="3000" b="0">
-                <a:solidFill>
-                  <a:srgbClr val="002060"/>
-                </a:solidFill>
-                <a:cs typeface="Arial" panose="020B0604020202020204" pitchFamily="34" charset="0"/>
-              </a:rPr>
-              <a:t>- </a:t>
-            </a:r>
-            <a:r>
-              <a:rPr lang="en-US" sz="3000" b="0" smtClean="0">
-                <a:solidFill>
-                  <a:srgbClr val="002060"/>
-                </a:solidFill>
-                <a:cs typeface="Arial" panose="020B0604020202020204" pitchFamily="34" charset="0"/>
-              </a:rPr>
-              <a:t>make </a:t>
-            </a:r>
-            <a:r>
-              <a:rPr lang="en-US" sz="3000" b="0" dirty="0">
-                <a:solidFill>
-                  <a:srgbClr val="002060"/>
-                </a:solidFill>
-                <a:cs typeface="Arial" panose="020B0604020202020204" pitchFamily="34" charset="0"/>
-              </a:rPr>
-              <a:t>the system inactive to the user with which he will be able to track the planes and lanes in real-time.</a:t>
-            </a:r>
-            <a:r>
-              <a:rPr lang="en-US" sz="3000" b="0" i="0" dirty="0">
-                <a:solidFill>
-                  <a:srgbClr val="002060"/>
-                </a:solidFill>
-                <a:effectLst/>
-                <a:cs typeface="Assistant" pitchFamily="2" charset="-79"/>
-              </a:rPr>
-              <a:t/>
-            </a:r>
-            <a:br>
-              <a:rPr lang="en-US" sz="3000" b="0" i="0" dirty="0">
-                <a:solidFill>
-                  <a:srgbClr val="002060"/>
-                </a:solidFill>
-                <a:effectLst/>
-                <a:cs typeface="Assistant" pitchFamily="2" charset="-79"/>
-              </a:rPr>
-            </a:br>
-            <a:endParaRPr lang="en-US" sz="3000" b="0" i="0" dirty="0">
-              <a:solidFill>
-                <a:srgbClr val="002060"/>
-              </a:solidFill>
-              <a:effectLst/>
-              <a:cs typeface="Assistant" pitchFamily="2" charset="-79"/>
-            </a:endParaRPr>
-          </a:p>
-        </p:txBody>
-      </p:sp>
-      <p:sp>
-        <p:nvSpPr>
           <p:cNvPr id="56" name="תיבת טקסט 55">
             <a:extLst>
               <a:ext uri="{FF2B5EF4-FFF2-40B4-BE49-F238E27FC236}">
-                <a16:creationId xmlns:a16="http://schemas.microsoft.com/office/drawing/2014/main" xmlns="" id="{812B2DA3-62F9-47B6-8241-D33A29C59357}"/>
+                <a16:creationId xmlns:a16="http://schemas.microsoft.com/office/drawing/2014/main" id="{812B2DA3-62F9-47B6-8241-D33A29C59357}"/>
               </a:ext>
             </a:extLst>
           </p:cNvPr>
@@ -6246,23 +6090,7 @@
                   <a:srgbClr val="002060"/>
                 </a:solidFill>
               </a:rPr>
-              <a:t>Planning with times and </a:t>
-            </a:r>
-            <a:r>
-              <a:rPr lang="en-US" sz="3000" b="0" dirty="0" smtClean="0">
-                <a:solidFill>
-                  <a:srgbClr val="002060"/>
-                </a:solidFill>
-              </a:rPr>
-              <a:t>constraints </a:t>
-            </a:r>
-            <a:r>
-              <a:rPr lang="en-US" sz="3000" b="0" dirty="0">
-                <a:solidFill>
-                  <a:srgbClr val="002060"/>
-                </a:solidFill>
-              </a:rPr>
-              <a:t>in real time.</a:t>
+              <a:t>Planning with times and constraints in real time.</a:t>
             </a:r>
             <a:endParaRPr lang="he-IL" sz="3000" b="0" dirty="0">
               <a:solidFill>
@@ -6291,13 +6119,296 @@
       </p:sp>
       <p:sp>
         <p:nvSpPr>
-          <p:cNvPr id="57" name="Rectangle 4">
+          <p:cNvPr id="53" name="תיבת טקסט 52">
             <a:extLst>
               <a:ext uri="{FF2B5EF4-FFF2-40B4-BE49-F238E27FC236}">
-                <a16:creationId xmlns:a16="http://schemas.microsoft.com/office/drawing/2014/main" xmlns="" id="{A41E4C47-AF34-48BA-BCC9-DE06FEC7484D}"/>
+                <a16:creationId xmlns:a16="http://schemas.microsoft.com/office/drawing/2014/main" id="{3EEFA102-BDD9-4EF2-96A8-F92F17B7D0A5}"/>
               </a:ext>
             </a:extLst>
           </p:cNvPr>
+          <p:cNvSpPr txBox="1"/>
+          <p:nvPr/>
+        </p:nvSpPr>
+        <p:spPr>
+          <a:xfrm>
+            <a:off x="20552622" y="22223998"/>
+            <a:ext cx="8858357" cy="699230"/>
+          </a:xfrm>
+          <a:prstGeom prst="rect">
+            <a:avLst/>
+          </a:prstGeom>
+          <a:noFill/>
+        </p:spPr>
+        <p:txBody>
+          <a:bodyPr wrap="square" rtlCol="1">
+            <a:spAutoFit/>
+          </a:bodyPr>
+          <a:lstStyle/>
+          <a:p>
+            <a:pPr marL="457200" indent="-457200" algn="l" rtl="0">
+              <a:lnSpc>
+                <a:spcPct val="150000"/>
+              </a:lnSpc>
+              <a:buFont typeface="Wingdings" panose="05000000000000000000" pitchFamily="2" charset="2"/>
+              <a:buChar char="§"/>
+            </a:pPr>
+            <a:r>
+              <a:rPr lang="en-US" sz="3000" dirty="0">
+                <a:solidFill>
+                  <a:srgbClr val="002060"/>
+                </a:solidFill>
+              </a:rPr>
+              <a:t>Online output with interrupts: </a:t>
+            </a:r>
+            <a:endParaRPr lang="he-IL" sz="3000" dirty="0">
+              <a:solidFill>
+                <a:srgbClr val="002060"/>
+              </a:solidFill>
+            </a:endParaRPr>
+          </a:p>
+        </p:txBody>
+      </p:sp>
+      <p:sp>
+        <p:nvSpPr>
+          <p:cNvPr id="54" name="תיבת טקסט 53">
+            <a:extLst>
+              <a:ext uri="{FF2B5EF4-FFF2-40B4-BE49-F238E27FC236}">
+                <a16:creationId xmlns:a16="http://schemas.microsoft.com/office/drawing/2014/main" id="{7E83D72A-B817-459B-A633-5D51237A073E}"/>
+              </a:ext>
+            </a:extLst>
+          </p:cNvPr>
+          <p:cNvSpPr txBox="1"/>
+          <p:nvPr/>
+        </p:nvSpPr>
+        <p:spPr>
+          <a:xfrm>
+            <a:off x="20456920" y="27754798"/>
+            <a:ext cx="8858357" cy="699230"/>
+          </a:xfrm>
+          <a:prstGeom prst="rect">
+            <a:avLst/>
+          </a:prstGeom>
+          <a:noFill/>
+        </p:spPr>
+        <p:txBody>
+          <a:bodyPr wrap="square" rtlCol="1">
+            <a:spAutoFit/>
+          </a:bodyPr>
+          <a:lstStyle/>
+          <a:p>
+            <a:pPr marL="457200" indent="-457200" algn="l" rtl="0">
+              <a:lnSpc>
+                <a:spcPct val="150000"/>
+              </a:lnSpc>
+              <a:buFont typeface="Wingdings" panose="05000000000000000000" pitchFamily="2" charset="2"/>
+              <a:buChar char="§"/>
+            </a:pPr>
+            <a:r>
+              <a:rPr lang="en-US" sz="3000" dirty="0">
+                <a:solidFill>
+                  <a:srgbClr val="002060"/>
+                </a:solidFill>
+              </a:rPr>
+              <a:t>Online output with replanning: </a:t>
+            </a:r>
+            <a:endParaRPr lang="he-IL" sz="3000" dirty="0">
+              <a:solidFill>
+                <a:srgbClr val="002060"/>
+              </a:solidFill>
+            </a:endParaRPr>
+          </a:p>
+        </p:txBody>
+      </p:sp>
+      <p:sp>
+        <p:nvSpPr>
+          <p:cNvPr id="55" name="תיבת טקסט 54">
+            <a:extLst>
+              <a:ext uri="{FF2B5EF4-FFF2-40B4-BE49-F238E27FC236}">
+                <a16:creationId xmlns:a16="http://schemas.microsoft.com/office/drawing/2014/main" id="{C17D7253-823A-4754-BD83-10121D390721}"/>
+              </a:ext>
+            </a:extLst>
+          </p:cNvPr>
+          <p:cNvSpPr txBox="1"/>
+          <p:nvPr/>
+        </p:nvSpPr>
+        <p:spPr>
+          <a:xfrm>
+            <a:off x="20607801" y="28488481"/>
+            <a:ext cx="3143146" cy="577850"/>
+          </a:xfrm>
+          <a:prstGeom prst="rect">
+            <a:avLst/>
+          </a:prstGeom>
+          <a:noFill/>
+        </p:spPr>
+        <p:txBody>
+          <a:bodyPr wrap="square" rtlCol="1">
+            <a:spAutoFit/>
+          </a:bodyPr>
+          <a:lstStyle/>
+          <a:p>
+            <a:pPr algn="l" rtl="0">
+              <a:lnSpc>
+                <a:spcPct val="150000"/>
+              </a:lnSpc>
+            </a:pPr>
+            <a:r>
+              <a:rPr lang="en-US" sz="2400" b="0" dirty="0">
+                <a:solidFill>
+                  <a:srgbClr val="002060"/>
+                </a:solidFill>
+              </a:rPr>
+              <a:t>New config file</a:t>
+            </a:r>
+            <a:endParaRPr lang="he-IL" sz="2400" b="0" dirty="0">
+              <a:solidFill>
+                <a:srgbClr val="002060"/>
+              </a:solidFill>
+            </a:endParaRPr>
+          </a:p>
+        </p:txBody>
+      </p:sp>
+      <p:sp>
+        <p:nvSpPr>
+          <p:cNvPr id="58" name="תיבת טקסט 57">
+            <a:extLst>
+              <a:ext uri="{FF2B5EF4-FFF2-40B4-BE49-F238E27FC236}">
+                <a16:creationId xmlns:a16="http://schemas.microsoft.com/office/drawing/2014/main" id="{091F8A5C-445B-4467-843A-8BA4C93C9068}"/>
+              </a:ext>
+            </a:extLst>
+          </p:cNvPr>
+          <p:cNvSpPr txBox="1"/>
+          <p:nvPr/>
+        </p:nvSpPr>
+        <p:spPr>
+          <a:xfrm>
+            <a:off x="24147525" y="28500385"/>
+            <a:ext cx="3143146" cy="577850"/>
+          </a:xfrm>
+          <a:prstGeom prst="rect">
+            <a:avLst/>
+          </a:prstGeom>
+          <a:noFill/>
+        </p:spPr>
+        <p:txBody>
+          <a:bodyPr wrap="square" rtlCol="1">
+            <a:spAutoFit/>
+          </a:bodyPr>
+          <a:lstStyle/>
+          <a:p>
+            <a:pPr algn="l" rtl="0">
+              <a:lnSpc>
+                <a:spcPct val="150000"/>
+              </a:lnSpc>
+            </a:pPr>
+            <a:r>
+              <a:rPr lang="en-US" sz="2400" b="0" dirty="0">
+                <a:solidFill>
+                  <a:srgbClr val="002060"/>
+                </a:solidFill>
+              </a:rPr>
+              <a:t>New offline log file</a:t>
+            </a:r>
+            <a:endParaRPr lang="he-IL" sz="2400" b="0" dirty="0">
+              <a:solidFill>
+                <a:srgbClr val="002060"/>
+              </a:solidFill>
+            </a:endParaRPr>
+          </a:p>
+        </p:txBody>
+      </p:sp>
+      <p:sp>
+        <p:nvSpPr>
+          <p:cNvPr id="59" name="תיבת טקסט 58">
+            <a:extLst>
+              <a:ext uri="{FF2B5EF4-FFF2-40B4-BE49-F238E27FC236}">
+                <a16:creationId xmlns:a16="http://schemas.microsoft.com/office/drawing/2014/main" id="{E7EB19CF-05E1-4964-A326-1808C077D34F}"/>
+              </a:ext>
+            </a:extLst>
+          </p:cNvPr>
+          <p:cNvSpPr txBox="1"/>
+          <p:nvPr/>
+        </p:nvSpPr>
+        <p:spPr>
+          <a:xfrm>
+            <a:off x="22925988" y="30758017"/>
+            <a:ext cx="3143146" cy="577850"/>
+          </a:xfrm>
+          <a:prstGeom prst="rect">
+            <a:avLst/>
+          </a:prstGeom>
+          <a:noFill/>
+        </p:spPr>
+        <p:txBody>
+          <a:bodyPr wrap="square" rtlCol="1">
+            <a:spAutoFit/>
+          </a:bodyPr>
+          <a:lstStyle/>
+          <a:p>
+            <a:pPr algn="l" rtl="0">
+              <a:lnSpc>
+                <a:spcPct val="150000"/>
+              </a:lnSpc>
+            </a:pPr>
+            <a:r>
+              <a:rPr lang="en-US" sz="2400" b="0" dirty="0">
+                <a:solidFill>
+                  <a:srgbClr val="002060"/>
+                </a:solidFill>
+              </a:rPr>
+              <a:t>New online log file</a:t>
+            </a:r>
+            <a:endParaRPr lang="he-IL" sz="2400" b="0" dirty="0">
+              <a:solidFill>
+                <a:srgbClr val="002060"/>
+              </a:solidFill>
+            </a:endParaRPr>
+          </a:p>
+        </p:txBody>
+      </p:sp>
+      <p:pic>
+        <p:nvPicPr>
+          <p:cNvPr id="63" name="תמונה 62">
+            <a:extLst>
+              <a:ext uri="{FF2B5EF4-FFF2-40B4-BE49-F238E27FC236}">
+                <a16:creationId xmlns:a16="http://schemas.microsoft.com/office/drawing/2014/main" id="{1420617B-C4A0-47C4-A07D-4DAE225C42C1}"/>
+              </a:ext>
+            </a:extLst>
+          </p:cNvPr>
+          <p:cNvPicPr/>
+          <p:nvPr/>
+        </p:nvPicPr>
+        <p:blipFill>
+          <a:blip r:embed="rId7" cstate="print">
+            <a:extLst>
+              <a:ext uri="{28A0092B-C50C-407E-A947-70E740481C1C}">
+                <a14:useLocalDpi xmlns:a14="http://schemas.microsoft.com/office/drawing/2010/main" val="0"/>
+              </a:ext>
+            </a:extLst>
+          </a:blip>
+          <a:stretch>
+            <a:fillRect/>
+          </a:stretch>
+        </p:blipFill>
+        <p:spPr>
+          <a:xfrm>
+            <a:off x="11175206" y="10098539"/>
+            <a:ext cx="7696199" cy="4361557"/>
+          </a:xfrm>
+          <a:prstGeom prst="rect">
+            <a:avLst/>
+          </a:prstGeom>
+        </p:spPr>
+      </p:pic>
+      <p:sp>
+        <p:nvSpPr>
+          <p:cNvPr id="64" name="Rectangle 4">
+            <a:extLst>
+              <a:ext uri="{FF2B5EF4-FFF2-40B4-BE49-F238E27FC236}">
+                <a16:creationId xmlns:a16="http://schemas.microsoft.com/office/drawing/2014/main" id="{EC8470A8-B65C-4E21-AF69-75AA62FC728B}"/>
+              </a:ext>
+            </a:extLst>
+          </p:cNvPr>
           <p:cNvSpPr>
             <a:spLocks noChangeArrowheads="1"/>
           </p:cNvSpPr>
@@ -6305,8 +6416,8 @@
         </p:nvSpPr>
         <p:spPr bwMode="auto">
           <a:xfrm>
-            <a:off x="10727606" y="14577330"/>
-            <a:ext cx="8820000" cy="9186751"/>
+            <a:off x="10550101" y="14381454"/>
+            <a:ext cx="9119291" cy="425186"/>
           </a:xfrm>
           <a:prstGeom prst="rect">
             <a:avLst/>
@@ -6339,275 +6450,47 @@
           <a:bodyPr/>
           <a:lstStyle/>
           <a:p>
-            <a:pPr marL="457200" indent="-457200" algn="l" rtl="0">
-              <a:lnSpc>
-                <a:spcPct val="150000"/>
-              </a:lnSpc>
-              <a:buFont typeface="Wingdings" panose="05000000000000000000" pitchFamily="2" charset="2"/>
-              <a:buChar char="§"/>
-            </a:pPr>
-            <a:r>
-              <a:rPr lang="en-US" sz="3000" dirty="0">
-                <a:solidFill>
-                  <a:srgbClr val="002060"/>
-                </a:solidFill>
-              </a:rPr>
-              <a:t>Offline Planner </a:t>
-            </a:r>
-            <a:r>
-              <a:rPr lang="en-US" sz="3000" b="0" dirty="0">
-                <a:solidFill>
-                  <a:srgbClr val="002060"/>
-                </a:solidFill>
-              </a:rPr>
-              <a:t>– is the Offline Algorithm.</a:t>
-            </a:r>
-          </a:p>
-          <a:p>
-            <a:pPr marL="457200" indent="-457200" algn="l" rtl="0">
-              <a:lnSpc>
-                <a:spcPct val="150000"/>
-              </a:lnSpc>
-              <a:buFont typeface="Wingdings" panose="05000000000000000000" pitchFamily="2" charset="2"/>
-              <a:buChar char="§"/>
-            </a:pPr>
-            <a:r>
-              <a:rPr lang="en-US" sz="3000" dirty="0">
-                <a:solidFill>
-                  <a:srgbClr val="002060"/>
-                </a:solidFill>
-              </a:rPr>
-              <a:t>Program manager </a:t>
-            </a:r>
-            <a:r>
-              <a:rPr lang="en-US" sz="3000" b="0" dirty="0">
-                <a:solidFill>
-                  <a:srgbClr val="002060"/>
-                </a:solidFill>
-              </a:rPr>
-              <a:t>– is the linking chain between the offline algorithm and the online algorithm. Responsible for creating the different modules and their connections.</a:t>
-            </a:r>
-          </a:p>
-          <a:p>
-            <a:pPr marL="457200" indent="-457200" algn="l" rtl="0">
-              <a:lnSpc>
-                <a:spcPct val="150000"/>
-              </a:lnSpc>
-              <a:buFont typeface="Wingdings" panose="05000000000000000000" pitchFamily="2" charset="2"/>
-              <a:buChar char="§"/>
-            </a:pPr>
-            <a:r>
-              <a:rPr lang="en-US" sz="3000" dirty="0">
-                <a:solidFill>
-                  <a:srgbClr val="002060"/>
-                </a:solidFill>
-              </a:rPr>
-              <a:t>Controller</a:t>
-            </a:r>
-            <a:r>
-              <a:rPr lang="en-US" sz="3000" b="0" dirty="0">
-                <a:solidFill>
-                  <a:srgbClr val="002060"/>
-                </a:solidFill>
-              </a:rPr>
-              <a:t> – is the control tower. The controller </a:t>
-            </a:r>
-            <a:r>
-              <a:rPr lang="en-US" sz="3000" b="0" i="0" dirty="0">
-                <a:solidFill>
-                  <a:srgbClr val="002060"/>
-                </a:solidFill>
-                <a:effectLst/>
+            <a:pPr algn="ctr" rtl="0">
+              <a:spcBef>
+                <a:spcPts val="1682"/>
+              </a:spcBef>
+            </a:pPr>
+            <a:r>
+              <a:rPr lang="en-US" sz="2200" b="0" dirty="0">
+                <a:solidFill>
+                  <a:schemeClr val="dk1"/>
+                </a:solidFill>
                 <a:latin typeface="Arial" panose="020B0604020202020204" pitchFamily="34" charset="0"/>
                 <a:cs typeface="Arial" panose="020B0604020202020204" pitchFamily="34" charset="0"/>
               </a:rPr>
-              <a:t>decides on the </a:t>
-            </a:r>
-            <a:r>
-              <a:rPr lang="en-US" sz="3000" b="0" i="0" dirty="0" smtClean="0">
-                <a:solidFill>
-                  <a:srgbClr val="002060"/>
-                </a:solidFill>
-                <a:effectLst/>
+              <a:t>Planner – Block </a:t>
+            </a:r>
+            <a:r>
+              <a:rPr lang="en-US" sz="2200" b="0" dirty="0" err="1">
+                <a:solidFill>
+                  <a:schemeClr val="dk1"/>
+                </a:solidFill>
                 <a:latin typeface="Arial" panose="020B0604020202020204" pitchFamily="34" charset="0"/>
                 <a:cs typeface="Arial" panose="020B0604020202020204" pitchFamily="34" charset="0"/>
               </a:rPr>
-              <a:t>next actions </a:t>
-            </a:r>
-            <a:r>
-              <a:rPr lang="en-US" sz="3000" b="0" i="0" dirty="0">
-                <a:solidFill>
-                  <a:srgbClr val="002060"/>
-                </a:solidFill>
-                <a:effectLst/>
-                <a:latin typeface="Arial" panose="020B0604020202020204" pitchFamily="34" charset="0"/>
-                <a:cs typeface="Arial" panose="020B0604020202020204" pitchFamily="34" charset="0"/>
-              </a:rPr>
-              <a:t>that will be sent to the environment for </a:t>
-            </a:r>
-            <a:r>
-              <a:rPr lang="en-US" sz="3000" b="0" dirty="0">
-                <a:solidFill>
-                  <a:srgbClr val="002060"/>
-                </a:solidFill>
-                <a:latin typeface="Arial" panose="020B0604020202020204" pitchFamily="34" charset="0"/>
-                <a:cs typeface="Arial" panose="020B0604020202020204" pitchFamily="34" charset="0"/>
-              </a:rPr>
-              <a:t>execution. The main data structure that it uses </a:t>
-            </a:r>
-            <a:r>
-              <a:rPr lang="en-US" sz="3000" b="0" dirty="0" smtClean="0">
-                <a:solidFill>
-                  <a:srgbClr val="002060"/>
-                </a:solidFill>
-                <a:latin typeface="Arial" panose="020B0604020202020204" pitchFamily="34" charset="0"/>
-                <a:cs typeface="Arial" panose="020B0604020202020204" pitchFamily="34" charset="0"/>
-              </a:rPr>
-              <a:t>is a STN </a:t>
-            </a:r>
-            <a:r>
-              <a:rPr lang="en-US" sz="3000" b="0" dirty="0">
-                <a:solidFill>
-                  <a:srgbClr val="002060"/>
-                </a:solidFill>
-                <a:latin typeface="Arial" panose="020B0604020202020204" pitchFamily="34" charset="0"/>
-                <a:cs typeface="Arial" panose="020B0604020202020204" pitchFamily="34" charset="0"/>
-              </a:rPr>
-              <a:t>graph:</a:t>
-            </a:r>
-          </a:p>
-          <a:p>
-            <a:pPr lvl="1" algn="l" rtl="0">
-              <a:lnSpc>
-                <a:spcPct val="150000"/>
-              </a:lnSpc>
-            </a:pPr>
-            <a:r>
-              <a:rPr lang="en-US" sz="3000" b="0" dirty="0">
-                <a:solidFill>
-                  <a:srgbClr val="002060"/>
-                </a:solidFill>
-                <a:latin typeface="Arial" panose="020B0604020202020204" pitchFamily="34" charset="0"/>
-                <a:cs typeface="Arial" panose="020B0604020202020204" pitchFamily="34" charset="0"/>
-              </a:rPr>
-              <a:t>The </a:t>
-            </a:r>
-            <a:r>
-              <a:rPr lang="en-US" sz="3000" b="0" dirty="0" smtClean="0">
-                <a:solidFill>
-                  <a:srgbClr val="002060"/>
-                </a:solidFill>
-                <a:latin typeface="Arial" panose="020B0604020202020204" pitchFamily="34" charset="0"/>
-                <a:cs typeface="Arial" panose="020B0604020202020204" pitchFamily="34" charset="0"/>
-              </a:rPr>
-              <a:t>offline </a:t>
-            </a:r>
-            <a:r>
-              <a:rPr lang="en-US" sz="3000" b="0" dirty="0">
-                <a:solidFill>
-                  <a:srgbClr val="002060"/>
-                </a:solidFill>
-                <a:latin typeface="Arial" panose="020B0604020202020204" pitchFamily="34" charset="0"/>
-                <a:cs typeface="Arial" panose="020B0604020202020204" pitchFamily="34" charset="0"/>
-              </a:rPr>
-              <a:t>output is a STN graph in a table </a:t>
-            </a:r>
-            <a:r>
-              <a:rPr lang="en-US" sz="3000" b="0" dirty="0" smtClean="0">
-                <a:solidFill>
-                  <a:srgbClr val="002060"/>
-                </a:solidFill>
-                <a:latin typeface="Arial" panose="020B0604020202020204" pitchFamily="34" charset="0"/>
-                <a:cs typeface="Arial" panose="020B0604020202020204" pitchFamily="34" charset="0"/>
-              </a:rPr>
-              <a:t>configuration. </a:t>
-            </a:r>
-            <a:r>
-              <a:rPr lang="en-US" sz="3000" b="0" dirty="0">
-                <a:solidFill>
-                  <a:srgbClr val="002060"/>
-                </a:solidFill>
-              </a:rPr>
-              <a:t>The controller transforms the table to an a-cyclic directed </a:t>
-            </a:r>
-            <a:r>
-              <a:rPr lang="en-US" sz="3000" b="0" dirty="0" smtClean="0">
-                <a:solidFill>
-                  <a:srgbClr val="002060"/>
-                </a:solidFill>
-              </a:rPr>
-              <a:t>graph.</a:t>
-            </a:r>
-            <a:endParaRPr lang="en-US" sz="3000" b="0" dirty="0">
+              <a:t>Diagran</a:t>
+            </a:r>
+            <a:endParaRPr lang="en-US" sz="2200" b="0" dirty="0">
               <a:solidFill>
-                <a:srgbClr val="002060"/>
-              </a:solidFill>
-            </a:endParaRPr>
-          </a:p>
-          <a:p>
-            <a:pPr lvl="1" algn="l" rtl="0">
-              <a:lnSpc>
-                <a:spcPct val="150000"/>
-              </a:lnSpc>
-            </a:pPr>
-            <a:endParaRPr lang="en-US" sz="3000" b="0" dirty="0">
-              <a:solidFill>
-                <a:srgbClr val="002060"/>
+                <a:schemeClr val="dk1"/>
               </a:solidFill>
               <a:latin typeface="Arial" panose="020B0604020202020204" pitchFamily="34" charset="0"/>
               <a:cs typeface="Arial" panose="020B0604020202020204" pitchFamily="34" charset="0"/>
             </a:endParaRPr>
           </a:p>
-          <a:p>
-            <a:pPr marL="457200" indent="-457200" algn="l" rtl="0">
-              <a:lnSpc>
-                <a:spcPct val="150000"/>
-              </a:lnSpc>
-              <a:buFont typeface="Wingdings" panose="05000000000000000000" pitchFamily="2" charset="2"/>
-              <a:buChar char="§"/>
-            </a:pPr>
-            <a:endParaRPr lang="en-US" sz="3000" b="0" dirty="0">
-              <a:solidFill>
-                <a:srgbClr val="002060"/>
-              </a:solidFill>
-            </a:endParaRPr>
-          </a:p>
-          <a:p>
-            <a:pPr algn="l" rtl="0">
-              <a:lnSpc>
-                <a:spcPct val="150000"/>
-              </a:lnSpc>
-            </a:pPr>
-            <a:endParaRPr lang="en-US" sz="1800" dirty="0">
-              <a:solidFill>
-                <a:srgbClr val="002060"/>
-              </a:solidFill>
-            </a:endParaRPr>
-          </a:p>
-          <a:p>
-            <a:pPr marL="457200" indent="-457200" algn="l" rtl="0">
-              <a:lnSpc>
-                <a:spcPct val="150000"/>
-              </a:lnSpc>
-              <a:buFont typeface="Wingdings" panose="05000000000000000000" pitchFamily="2" charset="2"/>
-              <a:buChar char="§"/>
-            </a:pPr>
-            <a:endParaRPr lang="en-US" sz="2990" b="0" dirty="0">
-              <a:solidFill>
-                <a:srgbClr val="000060"/>
-              </a:solidFill>
-              <a:latin typeface="Arial" panose="020B0604020202020204" pitchFamily="34" charset="0"/>
-              <a:cs typeface="Arial" panose="020B0604020202020204" pitchFamily="34" charset="0"/>
-            </a:endParaRPr>
-          </a:p>
-        </p:txBody>
-      </p:sp>
-      <p:sp>
-        <p:nvSpPr>
-          <p:cNvPr id="60" name="Rectangle 4">
+        </p:txBody>
+      </p:sp>
+      <p:sp>
+        <p:nvSpPr>
+          <p:cNvPr id="66" name="Rectangle 4">
             <a:extLst>
               <a:ext uri="{FF2B5EF4-FFF2-40B4-BE49-F238E27FC236}">
-                <a16:creationId xmlns:a16="http://schemas.microsoft.com/office/drawing/2014/main" xmlns="" id="{ED32E835-2B9D-43E3-86A9-B063266FB61C}"/>
+                <a16:creationId xmlns:a16="http://schemas.microsoft.com/office/drawing/2014/main" id="{60156327-DA24-410B-8752-3AC0A16D8E0F}"/>
               </a:ext>
             </a:extLst>
           </p:cNvPr>
@@ -6618,8 +6501,8 @@
         </p:nvSpPr>
         <p:spPr bwMode="auto">
           <a:xfrm>
-            <a:off x="10585860" y="30953445"/>
-            <a:ext cx="8820000" cy="10466626"/>
+            <a:off x="10773460" y="15145542"/>
+            <a:ext cx="8820000" cy="1550150"/>
           </a:xfrm>
           <a:prstGeom prst="rect">
             <a:avLst/>
@@ -6660,275 +6543,98 @@
               <a:buChar char="§"/>
             </a:pPr>
             <a:r>
-              <a:rPr lang="en-US" sz="3000" dirty="0">
-                <a:solidFill>
-                  <a:srgbClr val="000060"/>
-                </a:solidFill>
-                <a:latin typeface="Arial" panose="020B0604020202020204" pitchFamily="34" charset="0"/>
-                <a:cs typeface="Arial" panose="020B0604020202020204" pitchFamily="34" charset="0"/>
+              <a:rPr lang="en-US" sz="3000" b="0" dirty="0">
+                <a:solidFill>
+                  <a:srgbClr val="002060"/>
+                </a:solidFill>
               </a:rPr>
-              <a:t>Simulator </a:t>
-            </a:r>
-            <a:r>
-              <a:rPr lang="en-US" sz="3000" b="0" dirty="0" smtClean="0">
-                <a:solidFill>
-                  <a:srgbClr val="000060"/>
-                </a:solidFill>
-                <a:latin typeface="Arial" panose="020B0604020202020204" pitchFamily="34" charset="0"/>
-                <a:cs typeface="Arial" panose="020B0604020202020204" pitchFamily="34" charset="0"/>
-              </a:rPr>
-              <a:t>–</a:t>
-            </a:r>
-            <a:r>
-              <a:rPr lang="en-US" sz="3000" b="0" dirty="0" smtClean="0">
-                <a:solidFill>
-                  <a:srgbClr val="002060"/>
-                </a:solidFill>
-              </a:rPr>
-              <a:t>simulates </a:t>
-            </a:r>
-            <a:r>
-              <a:rPr lang="en-US" sz="3000" b="0" dirty="0">
-                <a:solidFill>
-                  <a:srgbClr val="002060"/>
-                </a:solidFill>
-              </a:rPr>
-              <a:t>the world. The simulator is the executing factor. It takes actions and orders and executes them.</a:t>
-            </a:r>
-          </a:p>
-          <a:p>
-            <a:pPr marL="457200" indent="-457200" algn="l" rtl="0">
+              <a:t>The Offline Planner input is a config file and the output is a STN graph.</a:t>
+            </a:r>
+          </a:p>
+          <a:p>
+            <a:pPr algn="l" rtl="0">
               <a:lnSpc>
                 <a:spcPct val="150000"/>
               </a:lnSpc>
-              <a:buFont typeface="Wingdings" panose="05000000000000000000" pitchFamily="2" charset="2"/>
-              <a:buChar char="§"/>
-            </a:pPr>
-            <a:r>
-              <a:rPr lang="en-US" sz="3000" dirty="0">
-                <a:solidFill>
-                  <a:srgbClr val="002060"/>
-                </a:solidFill>
-              </a:rPr>
-              <a:t>State</a:t>
-            </a:r>
-            <a:r>
-              <a:rPr lang="en-US" sz="3000" b="0" dirty="0">
-                <a:solidFill>
-                  <a:srgbClr val="002060"/>
-                </a:solidFill>
-              </a:rPr>
-              <a:t> - </a:t>
-            </a:r>
-            <a:r>
-              <a:rPr lang="en-US" sz="3000" b="0" dirty="0" smtClean="0">
-                <a:solidFill>
-                  <a:srgbClr val="002060"/>
-                </a:solidFill>
-              </a:rPr>
-              <a:t>represents </a:t>
-            </a:r>
-            <a:r>
-              <a:rPr lang="en-US" sz="3000" b="0" dirty="0">
-                <a:solidFill>
-                  <a:srgbClr val="002060"/>
-                </a:solidFill>
-              </a:rPr>
-              <a:t>the state of the world at any given moment.</a:t>
-            </a:r>
-          </a:p>
-          <a:p>
-            <a:pPr marL="457200" indent="-457200" algn="l" rtl="0">
-              <a:lnSpc>
-                <a:spcPct val="150000"/>
-              </a:lnSpc>
-              <a:buFont typeface="Wingdings" panose="05000000000000000000" pitchFamily="2" charset="2"/>
-              <a:buChar char="§"/>
-            </a:pPr>
-            <a:r>
-              <a:rPr lang="en-US" sz="3000" dirty="0">
-                <a:solidFill>
-                  <a:srgbClr val="002060"/>
-                </a:solidFill>
-              </a:rPr>
-              <a:t>Clock</a:t>
-            </a:r>
-            <a:r>
-              <a:rPr lang="en-US" sz="3000" b="0" dirty="0">
-                <a:solidFill>
-                  <a:srgbClr val="002060"/>
-                </a:solidFill>
-              </a:rPr>
-              <a:t> - </a:t>
-            </a:r>
-            <a:r>
-              <a:rPr lang="en-US" sz="3000" b="0" dirty="0" smtClean="0">
-                <a:solidFill>
-                  <a:srgbClr val="002060"/>
-                </a:solidFill>
-              </a:rPr>
-              <a:t>represents </a:t>
-            </a:r>
-            <a:r>
-              <a:rPr lang="en-US" sz="3000" b="0" dirty="0">
-                <a:solidFill>
-                  <a:srgbClr val="002060"/>
-                </a:solidFill>
-              </a:rPr>
-              <a:t>the timeline that is discreetly represented. Is a global module.</a:t>
-            </a:r>
-          </a:p>
-          <a:p>
-            <a:pPr marL="457200" indent="-457200" algn="l" rtl="0">
-              <a:lnSpc>
-                <a:spcPct val="150000"/>
-              </a:lnSpc>
-              <a:buFont typeface="Wingdings" panose="05000000000000000000" pitchFamily="2" charset="2"/>
-              <a:buChar char="§"/>
-            </a:pPr>
-            <a:r>
-              <a:rPr lang="en-US" sz="3000" dirty="0">
-                <a:solidFill>
-                  <a:srgbClr val="002060"/>
-                </a:solidFill>
-              </a:rPr>
-              <a:t>Events</a:t>
-            </a:r>
-            <a:r>
-              <a:rPr lang="en-US" sz="3000" b="0" dirty="0">
-                <a:solidFill>
-                  <a:srgbClr val="002060"/>
-                </a:solidFill>
-              </a:rPr>
-              <a:t> - </a:t>
-            </a:r>
-            <a:r>
-              <a:rPr lang="en-US" sz="3000" b="0" dirty="0" smtClean="0">
-                <a:solidFill>
-                  <a:srgbClr val="002060"/>
-                </a:solidFill>
-              </a:rPr>
-              <a:t>a </a:t>
-            </a:r>
-            <a:r>
-              <a:rPr lang="en-US" sz="3000" b="0" dirty="0">
-                <a:solidFill>
-                  <a:srgbClr val="002060"/>
-                </a:solidFill>
-              </a:rPr>
-              <a:t>list of signals through which all modules communicate. This is a communication protocol that we've created. Is a global module.</a:t>
-            </a:r>
-          </a:p>
-          <a:p>
-            <a:pPr marL="457200" indent="-457200" algn="l" rtl="0">
-              <a:lnSpc>
-                <a:spcPct val="150000"/>
-              </a:lnSpc>
-              <a:buFont typeface="Wingdings" panose="05000000000000000000" pitchFamily="2" charset="2"/>
-              <a:buChar char="§"/>
-            </a:pPr>
-            <a:r>
-              <a:rPr lang="en-US" sz="3000" dirty="0">
-                <a:solidFill>
-                  <a:srgbClr val="002060"/>
-                </a:solidFill>
-              </a:rPr>
-              <a:t>Interrupt</a:t>
-            </a:r>
-            <a:r>
-              <a:rPr lang="en-US" sz="3000" b="0" dirty="0">
-                <a:solidFill>
-                  <a:srgbClr val="002060"/>
-                </a:solidFill>
-              </a:rPr>
-              <a:t> - </a:t>
-            </a:r>
-            <a:r>
-              <a:rPr lang="en-US" sz="3000" b="0" dirty="0" smtClean="0">
-                <a:solidFill>
-                  <a:srgbClr val="002060"/>
-                </a:solidFill>
-              </a:rPr>
-              <a:t>produces </a:t>
-            </a:r>
-            <a:r>
-              <a:rPr lang="en-US" sz="3000" b="0" dirty="0">
-                <a:solidFill>
-                  <a:srgbClr val="002060"/>
-                </a:solidFill>
-              </a:rPr>
-              <a:t>Interrupts that are sent to the simulator. The module is random in two ways:</a:t>
-            </a:r>
-          </a:p>
-          <a:p>
-            <a:pPr marL="899084" lvl="1" indent="-457200" algn="l" rtl="0">
-              <a:lnSpc>
-                <a:spcPct val="150000"/>
-              </a:lnSpc>
-              <a:buFont typeface="Courier New" panose="02070309020205020404" pitchFamily="49" charset="0"/>
-              <a:buChar char="o"/>
-            </a:pPr>
-            <a:r>
-              <a:rPr lang="en-US" sz="3000" b="0" dirty="0">
-                <a:solidFill>
-                  <a:srgbClr val="002060"/>
-                </a:solidFill>
-              </a:rPr>
-              <a:t>Frequency of </a:t>
-            </a:r>
-            <a:r>
-              <a:rPr lang="en-US" sz="3000" b="0" dirty="0" smtClean="0">
-                <a:solidFill>
-                  <a:srgbClr val="002060"/>
-                </a:solidFill>
-              </a:rPr>
-              <a:t>Interrupt</a:t>
-            </a:r>
-          </a:p>
-          <a:p>
-            <a:pPr marL="899084" lvl="1" indent="-457200" algn="l" rtl="0">
-              <a:lnSpc>
-                <a:spcPct val="150000"/>
-              </a:lnSpc>
-              <a:buFont typeface="Courier New" panose="02070309020205020404" pitchFamily="49" charset="0"/>
-              <a:buChar char="o"/>
-            </a:pPr>
-            <a:r>
-              <a:rPr lang="en-US" sz="3000" b="0" dirty="0" smtClean="0">
-                <a:solidFill>
-                  <a:srgbClr val="002060"/>
-                </a:solidFill>
-              </a:rPr>
-              <a:t>Interrupt duration</a:t>
-            </a:r>
-            <a:endParaRPr lang="en-US" sz="3000" b="0" dirty="0">
+            </a:pPr>
+            <a:endParaRPr lang="en-US" sz="1800" dirty="0">
               <a:solidFill>
                 <a:srgbClr val="002060"/>
               </a:solidFill>
             </a:endParaRPr>
           </a:p>
-          <a:p>
-            <a:pPr algn="l" rtl="0">
-              <a:lnSpc>
-                <a:spcPct val="150000"/>
-              </a:lnSpc>
-            </a:pPr>
-            <a:endParaRPr lang="en-US" sz="2990" b="0" dirty="0">
-              <a:solidFill>
-                <a:srgbClr val="000060"/>
-              </a:solidFill>
-              <a:latin typeface="Arial" panose="020B0604020202020204" pitchFamily="34" charset="0"/>
-              <a:cs typeface="Arial" panose="020B0604020202020204" pitchFamily="34" charset="0"/>
-            </a:endParaRPr>
+        </p:txBody>
+      </p:sp>
+      <p:sp>
+        <p:nvSpPr>
+          <p:cNvPr id="67" name="Rectangle 3">
+            <a:extLst>
+              <a:ext uri="{FF2B5EF4-FFF2-40B4-BE49-F238E27FC236}">
+                <a16:creationId xmlns:a16="http://schemas.microsoft.com/office/drawing/2014/main" id="{60BE6085-775E-4AC5-A5EA-EED44D0BF024}"/>
+              </a:ext>
+            </a:extLst>
+          </p:cNvPr>
+          <p:cNvSpPr>
+            <a:spLocks noChangeArrowheads="1"/>
+          </p:cNvSpPr>
+          <p:nvPr/>
+        </p:nvSpPr>
+        <p:spPr bwMode="auto">
+          <a:xfrm>
+            <a:off x="10773460" y="17079718"/>
+            <a:ext cx="5523461" cy="1009048"/>
+          </a:xfrm>
+          <a:prstGeom prst="rect">
+            <a:avLst/>
+          </a:prstGeom>
+          <a:noFill/>
+          <a:ln>
+            <a:noFill/>
+          </a:ln>
+          <a:extLst>
+            <a:ext uri="{909E8E84-426E-40DD-AFC4-6F175D3DCCD1}">
+              <a14:hiddenFill xmlns:a14="http://schemas.microsoft.com/office/drawing/2010/main">
+                <a:solidFill>
+                  <a:srgbClr val="FFFFFF"/>
+                </a:solidFill>
+              </a14:hiddenFill>
+            </a:ext>
+            <a:ext uri="{91240B29-F687-4F45-9708-019B960494DF}">
+              <a14:hiddenLine xmlns:a14="http://schemas.microsoft.com/office/drawing/2010/main" w="9525">
+                <a:solidFill>
+                  <a:srgbClr val="000000"/>
+                </a:solidFill>
+                <a:miter lim="800000"/>
+                <a:headEnd/>
+                <a:tailEnd/>
+              </a14:hiddenLine>
+            </a:ext>
+          </a:extLst>
+        </p:spPr>
+        <p:txBody>
+          <a:bodyPr anchor="ctr"/>
+          <a:lstStyle/>
+          <a:p>
+            <a:pPr algn="l" defTabSz="3900819" rtl="0"/>
+            <a:r>
+              <a:rPr lang="en-US" sz="5400" dirty="0">
+                <a:solidFill>
+                  <a:srgbClr val="124872"/>
+                </a:solidFill>
+                <a:latin typeface="Arial" panose="020B0604020202020204" pitchFamily="34" charset="0"/>
+                <a:cs typeface="Arial" panose="020B0604020202020204" pitchFamily="34" charset="0"/>
+              </a:rPr>
+              <a:t>STN GRAPH</a:t>
+            </a:r>
           </a:p>
         </p:txBody>
       </p:sp>
       <p:pic>
         <p:nvPicPr>
-          <p:cNvPr id="61" name="תמונה 60">
+          <p:cNvPr id="68" name="תמונה 67">
             <a:extLst>
               <a:ext uri="{FF2B5EF4-FFF2-40B4-BE49-F238E27FC236}">
-                <a16:creationId xmlns:a16="http://schemas.microsoft.com/office/drawing/2014/main" xmlns="" id="{0AE98BBF-7FBC-45C7-91BA-1FEBEEDE20D5}"/>
+                <a16:creationId xmlns:a16="http://schemas.microsoft.com/office/drawing/2014/main" id="{C8DBCDF2-B79D-4B8D-ADEE-D570CC84BA87}"/>
               </a:ext>
             </a:extLst>
           </p:cNvPr>
@@ -6945,8 +6651,8 @@
         </p:blipFill>
         <p:spPr>
           <a:xfrm>
-            <a:off x="13078021" y="24125076"/>
-            <a:ext cx="4063451" cy="5720621"/>
+            <a:off x="10663889" y="21970879"/>
+            <a:ext cx="9061090" cy="1812218"/>
           </a:xfrm>
           <a:prstGeom prst="rect">
             <a:avLst/>
@@ -6955,10 +6661,10 @@
       </p:pic>
       <p:sp>
         <p:nvSpPr>
-          <p:cNvPr id="62" name="Rectangle 4">
+          <p:cNvPr id="69" name="Rectangle 4">
             <a:extLst>
               <a:ext uri="{FF2B5EF4-FFF2-40B4-BE49-F238E27FC236}">
-                <a16:creationId xmlns:a16="http://schemas.microsoft.com/office/drawing/2014/main" xmlns="" id="{8ADB7D53-9713-4D78-B769-91D58C2C9BDF}"/>
+                <a16:creationId xmlns:a16="http://schemas.microsoft.com/office/drawing/2014/main" id="{0C7794D3-5112-414A-9D66-B6B5E59399DB}"/>
               </a:ext>
             </a:extLst>
           </p:cNvPr>
@@ -6969,7 +6675,118 @@
         </p:nvSpPr>
         <p:spPr bwMode="auto">
           <a:xfrm>
-            <a:off x="10230844" y="30210089"/>
+            <a:off x="10638388" y="18088766"/>
+            <a:ext cx="8820000" cy="3064474"/>
+          </a:xfrm>
+          <a:prstGeom prst="rect">
+            <a:avLst/>
+          </a:prstGeom>
+          <a:noFill/>
+          <a:ln>
+            <a:noFill/>
+          </a:ln>
+          <a:extLst>
+            <a:ext uri="{909E8E84-426E-40DD-AFC4-6F175D3DCCD1}">
+              <a14:hiddenFill xmlns:a14="http://schemas.microsoft.com/office/drawing/2010/main">
+                <a:solidFill>
+                  <a:srgbClr val="FFFFFF"/>
+                </a:solidFill>
+              </a14:hiddenFill>
+            </a:ext>
+            <a:ext uri="{91240B29-F687-4F45-9708-019B960494DF}">
+              <a14:hiddenLine xmlns:a14="http://schemas.microsoft.com/office/drawing/2010/main" w="9525">
+                <a:solidFill>
+                  <a:srgbClr val="000000"/>
+                </a:solidFill>
+                <a:miter lim="800000"/>
+                <a:headEnd/>
+                <a:tailEnd/>
+              </a14:hiddenLine>
+            </a:ext>
+          </a:extLst>
+        </p:spPr>
+        <p:txBody>
+          <a:bodyPr/>
+          <a:lstStyle/>
+          <a:p>
+            <a:pPr marL="457200" indent="-457200" algn="l" rtl="0">
+              <a:lnSpc>
+                <a:spcPct val="150000"/>
+              </a:lnSpc>
+              <a:buFont typeface="Wingdings" panose="05000000000000000000" pitchFamily="2" charset="2"/>
+              <a:buChar char="§"/>
+            </a:pPr>
+            <a:r>
+              <a:rPr lang="en-US" sz="3000" b="0" dirty="0">
+                <a:solidFill>
+                  <a:srgbClr val="002060"/>
+                </a:solidFill>
+              </a:rPr>
+              <a:t>The planning problem under time constrains is an optimization problem that finds the optimal solution.</a:t>
+            </a:r>
+          </a:p>
+          <a:p>
+            <a:pPr marL="457200" indent="-457200" algn="l" rtl="0">
+              <a:lnSpc>
+                <a:spcPct val="150000"/>
+              </a:lnSpc>
+              <a:buFont typeface="Wingdings" panose="05000000000000000000" pitchFamily="2" charset="2"/>
+              <a:buChar char="§"/>
+            </a:pPr>
+            <a:r>
+              <a:rPr lang="en-US" sz="3000" b="0" dirty="0">
+                <a:solidFill>
+                  <a:srgbClr val="002060"/>
+                </a:solidFill>
+              </a:rPr>
+              <a:t>The constrains are represented in data structure called STN graph.</a:t>
+            </a:r>
+          </a:p>
+          <a:p>
+            <a:pPr marL="457200" indent="-457200" algn="l" rtl="0">
+              <a:lnSpc>
+                <a:spcPct val="150000"/>
+              </a:lnSpc>
+              <a:buFont typeface="Wingdings" panose="05000000000000000000" pitchFamily="2" charset="2"/>
+              <a:buChar char="§"/>
+            </a:pPr>
+            <a:endParaRPr lang="en-US" sz="3000" b="0" dirty="0">
+              <a:solidFill>
+                <a:srgbClr val="002060"/>
+              </a:solidFill>
+            </a:endParaRPr>
+          </a:p>
+          <a:p>
+            <a:pPr algn="l" rtl="0">
+              <a:lnSpc>
+                <a:spcPct val="150000"/>
+              </a:lnSpc>
+            </a:pPr>
+            <a:endParaRPr lang="en-US" sz="1800" dirty="0">
+              <a:solidFill>
+                <a:srgbClr val="002060"/>
+              </a:solidFill>
+            </a:endParaRPr>
+          </a:p>
+        </p:txBody>
+      </p:sp>
+      <p:sp>
+        <p:nvSpPr>
+          <p:cNvPr id="71" name="Rectangle 4">
+            <a:extLst>
+              <a:ext uri="{FF2B5EF4-FFF2-40B4-BE49-F238E27FC236}">
+                <a16:creationId xmlns:a16="http://schemas.microsoft.com/office/drawing/2014/main" id="{7D285C3B-091C-4B95-B039-1E567C7FEF56}"/>
+              </a:ext>
+            </a:extLst>
+          </p:cNvPr>
+          <p:cNvSpPr>
+            <a:spLocks noChangeArrowheads="1"/>
+          </p:cNvSpPr>
+          <p:nvPr/>
+        </p:nvSpPr>
+        <p:spPr bwMode="auto">
+          <a:xfrm>
+            <a:off x="10550100" y="24018196"/>
             <a:ext cx="9119291" cy="425186"/>
           </a:xfrm>
           <a:prstGeom prst="rect">
@@ -7016,17 +6833,621 @@
                 <a:latin typeface="Arial" panose="020B0604020202020204" pitchFamily="34" charset="0"/>
                 <a:cs typeface="Arial" panose="020B0604020202020204" pitchFamily="34" charset="0"/>
               </a:rPr>
-              <a:t>STN Graph</a:t>
+              <a:t>STN example</a:t>
+            </a:r>
+          </a:p>
+        </p:txBody>
+      </p:sp>
+      <p:sp>
+        <p:nvSpPr>
+          <p:cNvPr id="72" name="Rounded Rectangle 18">
+            <a:extLst>
+              <a:ext uri="{FF2B5EF4-FFF2-40B4-BE49-F238E27FC236}">
+                <a16:creationId xmlns:a16="http://schemas.microsoft.com/office/drawing/2014/main" id="{E6095333-C459-4C1A-B051-1164E8126492}"/>
+              </a:ext>
+            </a:extLst>
+          </p:cNvPr>
+          <p:cNvSpPr/>
+          <p:nvPr/>
+        </p:nvSpPr>
+        <p:spPr>
+          <a:xfrm>
+            <a:off x="10490982" y="25083077"/>
+            <a:ext cx="9360000" cy="1208903"/>
+          </a:xfrm>
+          <a:prstGeom prst="roundRect">
+            <a:avLst>
+              <a:gd name="adj" fmla="val 3718"/>
+            </a:avLst>
+          </a:prstGeom>
+          <a:solidFill>
+            <a:srgbClr val="124872"/>
+          </a:solidFill>
+          <a:ln w="76200" cap="flat" cmpd="sng" algn="ctr">
+            <a:solidFill>
+              <a:srgbClr val="124872"/>
+            </a:solidFill>
+            <a:prstDash val="solid"/>
+          </a:ln>
+          <a:effectLst/>
+        </p:spPr>
+        <p:txBody>
+          <a:bodyPr rtlCol="1" anchor="ctr"/>
+          <a:lstStyle/>
+          <a:p>
+            <a:pPr algn="ctr" defTabSz="854324" fontAlgn="auto">
+              <a:spcBef>
+                <a:spcPts val="0"/>
+              </a:spcBef>
+              <a:spcAft>
+                <a:spcPts val="0"/>
+              </a:spcAft>
+              <a:defRPr/>
+            </a:pPr>
+            <a:endParaRPr lang="he-IL" sz="7661" b="0" kern="0" dirty="0">
+              <a:solidFill>
+                <a:srgbClr val="FFFFFF"/>
+              </a:solidFill>
+              <a:latin typeface="Arial" panose="020B0604020202020204" pitchFamily="34" charset="0"/>
+              <a:cs typeface="Arial" panose="020B0604020202020204" pitchFamily="34" charset="0"/>
+            </a:endParaRPr>
+          </a:p>
+        </p:txBody>
+      </p:sp>
+      <p:sp>
+        <p:nvSpPr>
+          <p:cNvPr id="73" name="Rounded Rectangle 145">
+            <a:extLst>
+              <a:ext uri="{FF2B5EF4-FFF2-40B4-BE49-F238E27FC236}">
+                <a16:creationId xmlns:a16="http://schemas.microsoft.com/office/drawing/2014/main" id="{FCF7BDAB-6689-4DED-814F-836F2619AAE6}"/>
+              </a:ext>
+            </a:extLst>
+          </p:cNvPr>
+          <p:cNvSpPr/>
+          <p:nvPr/>
+        </p:nvSpPr>
+        <p:spPr>
+          <a:xfrm>
+            <a:off x="10507569" y="25083076"/>
+            <a:ext cx="9360000" cy="8628811"/>
+          </a:xfrm>
+          <a:prstGeom prst="roundRect">
+            <a:avLst>
+              <a:gd name="adj" fmla="val 3718"/>
+            </a:avLst>
+          </a:prstGeom>
+          <a:noFill/>
+          <a:ln w="76200" cap="flat" cmpd="sng" algn="ctr">
+            <a:solidFill>
+              <a:srgbClr val="124872"/>
+            </a:solidFill>
+            <a:prstDash val="solid"/>
+          </a:ln>
+          <a:effectLst/>
+        </p:spPr>
+        <p:txBody>
+          <a:bodyPr rtlCol="1" anchor="ctr"/>
+          <a:lstStyle/>
+          <a:p>
+            <a:pPr algn="ctr" defTabSz="854324" fontAlgn="auto">
+              <a:spcBef>
+                <a:spcPts val="0"/>
+              </a:spcBef>
+              <a:spcAft>
+                <a:spcPts val="0"/>
+              </a:spcAft>
+              <a:defRPr/>
+            </a:pPr>
+            <a:endParaRPr lang="he-IL" sz="7661" b="0" kern="0">
+              <a:solidFill>
+                <a:srgbClr val="FFFFFF"/>
+              </a:solidFill>
+              <a:latin typeface="Arial" panose="020B0604020202020204" pitchFamily="34" charset="0"/>
+              <a:cs typeface="Arial" panose="020B0604020202020204" pitchFamily="34" charset="0"/>
+            </a:endParaRPr>
+          </a:p>
+        </p:txBody>
+      </p:sp>
+      <p:sp>
+        <p:nvSpPr>
+          <p:cNvPr id="74" name="Rectangle 2">
+            <a:extLst>
+              <a:ext uri="{FF2B5EF4-FFF2-40B4-BE49-F238E27FC236}">
+                <a16:creationId xmlns:a16="http://schemas.microsoft.com/office/drawing/2014/main" id="{04A8F28B-218B-44CF-AC0D-3208BCFAAF50}"/>
+              </a:ext>
+            </a:extLst>
+          </p:cNvPr>
+          <p:cNvSpPr>
+            <a:spLocks noChangeArrowheads="1"/>
+          </p:cNvSpPr>
+          <p:nvPr/>
+        </p:nvSpPr>
+        <p:spPr bwMode="auto">
+          <a:xfrm>
+            <a:off x="10601114" y="25110640"/>
+            <a:ext cx="8755594" cy="1208903"/>
+          </a:xfrm>
+          <a:prstGeom prst="rect">
+            <a:avLst/>
+          </a:prstGeom>
+          <a:noFill/>
+          <a:ln>
+            <a:noFill/>
+          </a:ln>
+          <a:extLst>
+            <a:ext uri="{909E8E84-426E-40DD-AFC4-6F175D3DCCD1}">
+              <a14:hiddenFill xmlns:a14="http://schemas.microsoft.com/office/drawing/2010/main">
+                <a:solidFill>
+                  <a:srgbClr val="FFFFFF"/>
+                </a:solidFill>
+              </a14:hiddenFill>
+            </a:ext>
+            <a:ext uri="{91240B29-F687-4F45-9708-019B960494DF}">
+              <a14:hiddenLine xmlns:a14="http://schemas.microsoft.com/office/drawing/2010/main" w="9525">
+                <a:solidFill>
+                  <a:srgbClr val="000000"/>
+                </a:solidFill>
+                <a:miter lim="800000"/>
+                <a:headEnd/>
+                <a:tailEnd/>
+              </a14:hiddenLine>
+            </a:ext>
+          </a:extLst>
+        </p:spPr>
+        <p:txBody>
+          <a:bodyPr anchor="ctr"/>
+          <a:lstStyle/>
+          <a:p>
+            <a:pPr algn="l" defTabSz="3900819" rtl="0"/>
+            <a:r>
+              <a:rPr lang="en-US" sz="5400" dirty="0">
+                <a:solidFill>
+                  <a:schemeClr val="bg1"/>
+                </a:solidFill>
+                <a:latin typeface="Arial" panose="020B0604020202020204" pitchFamily="34" charset="0"/>
+                <a:cs typeface="Arial" panose="020B0604020202020204" pitchFamily="34" charset="0"/>
+              </a:rPr>
+              <a:t>Real-Time Interrupts</a:t>
+            </a:r>
+          </a:p>
+        </p:txBody>
+      </p:sp>
+      <p:sp>
+        <p:nvSpPr>
+          <p:cNvPr id="75" name="תיבת טקסט 74">
+            <a:extLst>
+              <a:ext uri="{FF2B5EF4-FFF2-40B4-BE49-F238E27FC236}">
+                <a16:creationId xmlns:a16="http://schemas.microsoft.com/office/drawing/2014/main" id="{2C2D4546-1CF0-480F-BD20-C88E64BE936D}"/>
+              </a:ext>
+            </a:extLst>
+          </p:cNvPr>
+          <p:cNvSpPr txBox="1"/>
+          <p:nvPr/>
+        </p:nvSpPr>
+        <p:spPr>
+          <a:xfrm>
+            <a:off x="10574166" y="26473614"/>
+            <a:ext cx="8858357" cy="6931706"/>
+          </a:xfrm>
+          <a:prstGeom prst="rect">
+            <a:avLst/>
+          </a:prstGeom>
+          <a:noFill/>
+        </p:spPr>
+        <p:txBody>
+          <a:bodyPr wrap="square" rtlCol="1">
+            <a:spAutoFit/>
+          </a:bodyPr>
+          <a:lstStyle/>
+          <a:p>
+            <a:pPr marL="457200" indent="-457200" algn="l" rtl="0">
+              <a:lnSpc>
+                <a:spcPct val="150000"/>
+              </a:lnSpc>
+              <a:buFont typeface="Wingdings" panose="05000000000000000000" pitchFamily="2" charset="2"/>
+              <a:buChar char="§"/>
+            </a:pPr>
+            <a:r>
+              <a:rPr lang="en-US" sz="3000" b="0" dirty="0">
+                <a:solidFill>
+                  <a:srgbClr val="002060"/>
+                </a:solidFill>
+              </a:rPr>
+              <a:t>The interrupts module create random disorders which delay actions in real-time. This module is part of the Environment block.</a:t>
+            </a:r>
+          </a:p>
+          <a:p>
+            <a:pPr marL="457200" indent="-457200" algn="l" rtl="0">
+              <a:lnSpc>
+                <a:spcPct val="150000"/>
+              </a:lnSpc>
+              <a:buFont typeface="Wingdings" panose="05000000000000000000" pitchFamily="2" charset="2"/>
+              <a:buChar char="§"/>
+            </a:pPr>
+            <a:r>
+              <a:rPr lang="en-US" sz="3000" b="0" dirty="0">
+                <a:solidFill>
+                  <a:srgbClr val="002060"/>
+                </a:solidFill>
+              </a:rPr>
+              <a:t>The delays can be resolved in one of two ways:</a:t>
+            </a:r>
+          </a:p>
+          <a:p>
+            <a:pPr marL="514350" indent="-514350" algn="l" rtl="0">
+              <a:lnSpc>
+                <a:spcPct val="150000"/>
+              </a:lnSpc>
+              <a:buAutoNum type="arabicPeriod"/>
+            </a:pPr>
+            <a:r>
+              <a:rPr lang="en-US" sz="3000" dirty="0">
+                <a:solidFill>
+                  <a:srgbClr val="002060"/>
+                </a:solidFill>
+              </a:rPr>
+              <a:t>Stretching the STN graph </a:t>
+            </a:r>
+            <a:r>
+              <a:rPr lang="en-US" sz="3000" b="0" dirty="0">
+                <a:solidFill>
+                  <a:srgbClr val="002060"/>
+                </a:solidFill>
+              </a:rPr>
+              <a:t>- meaning that the delay causes a time shifting for all the graph, but the problem is still feasible.</a:t>
+            </a:r>
+          </a:p>
+          <a:p>
+            <a:pPr marL="514350" indent="-514350" algn="l" rtl="0">
+              <a:lnSpc>
+                <a:spcPct val="150000"/>
+              </a:lnSpc>
+              <a:buAutoNum type="arabicPeriod"/>
+            </a:pPr>
+            <a:r>
+              <a:rPr lang="en-US" sz="3000" dirty="0">
+                <a:solidFill>
+                  <a:srgbClr val="002060"/>
+                </a:solidFill>
+              </a:rPr>
+              <a:t>Replanning of the problem </a:t>
+            </a:r>
+            <a:r>
+              <a:rPr lang="en-US" sz="3000" b="0" dirty="0">
+                <a:solidFill>
+                  <a:srgbClr val="002060"/>
+                </a:solidFill>
+              </a:rPr>
+              <a:t>– the problem isn’t feasible, and we need to plan a new STN graph with the new delay.</a:t>
+            </a:r>
+          </a:p>
+        </p:txBody>
+      </p:sp>
+      <p:sp>
+        <p:nvSpPr>
+          <p:cNvPr id="76" name="Rounded Rectangle 18">
+            <a:extLst>
+              <a:ext uri="{FF2B5EF4-FFF2-40B4-BE49-F238E27FC236}">
+                <a16:creationId xmlns:a16="http://schemas.microsoft.com/office/drawing/2014/main" id="{46FE5675-BA5F-4978-BCEC-2CC868C32F65}"/>
+              </a:ext>
+            </a:extLst>
+          </p:cNvPr>
+          <p:cNvSpPr/>
+          <p:nvPr/>
+        </p:nvSpPr>
+        <p:spPr>
+          <a:xfrm>
+            <a:off x="10497163" y="34180730"/>
+            <a:ext cx="9320837" cy="1094694"/>
+          </a:xfrm>
+          <a:prstGeom prst="roundRect">
+            <a:avLst>
+              <a:gd name="adj" fmla="val 3718"/>
+            </a:avLst>
+          </a:prstGeom>
+          <a:solidFill>
+            <a:srgbClr val="124872"/>
+          </a:solidFill>
+          <a:ln w="76200" cap="flat" cmpd="sng" algn="ctr">
+            <a:solidFill>
+              <a:srgbClr val="124872"/>
+            </a:solidFill>
+            <a:prstDash val="solid"/>
+          </a:ln>
+          <a:effectLst/>
+        </p:spPr>
+        <p:txBody>
+          <a:bodyPr rtlCol="1" anchor="ctr"/>
+          <a:lstStyle/>
+          <a:p>
+            <a:pPr algn="ctr" defTabSz="854324" fontAlgn="auto">
+              <a:spcBef>
+                <a:spcPts val="0"/>
+              </a:spcBef>
+              <a:spcAft>
+                <a:spcPts val="0"/>
+              </a:spcAft>
+              <a:defRPr/>
+            </a:pPr>
+            <a:endParaRPr lang="he-IL" sz="7661" b="0" kern="0" dirty="0">
+              <a:solidFill>
+                <a:srgbClr val="FFFFFF"/>
+              </a:solidFill>
+              <a:latin typeface="Arial" panose="020B0604020202020204" pitchFamily="34" charset="0"/>
+              <a:cs typeface="Arial" panose="020B0604020202020204" pitchFamily="34" charset="0"/>
+            </a:endParaRPr>
+          </a:p>
+        </p:txBody>
+      </p:sp>
+      <p:sp>
+        <p:nvSpPr>
+          <p:cNvPr id="77" name="Rounded Rectangle 145">
+            <a:extLst>
+              <a:ext uri="{FF2B5EF4-FFF2-40B4-BE49-F238E27FC236}">
+                <a16:creationId xmlns:a16="http://schemas.microsoft.com/office/drawing/2014/main" id="{34C431F3-6F3B-4166-A677-E717216FFD30}"/>
+              </a:ext>
+            </a:extLst>
+          </p:cNvPr>
+          <p:cNvSpPr/>
+          <p:nvPr/>
+        </p:nvSpPr>
+        <p:spPr>
+          <a:xfrm>
+            <a:off x="10495036" y="34180730"/>
+            <a:ext cx="9360000" cy="7588628"/>
+          </a:xfrm>
+          <a:prstGeom prst="roundRect">
+            <a:avLst>
+              <a:gd name="adj" fmla="val 3718"/>
+            </a:avLst>
+          </a:prstGeom>
+          <a:noFill/>
+          <a:ln w="76200" cap="flat" cmpd="sng" algn="ctr">
+            <a:solidFill>
+              <a:srgbClr val="124872"/>
+            </a:solidFill>
+            <a:prstDash val="solid"/>
+          </a:ln>
+          <a:effectLst/>
+        </p:spPr>
+        <p:txBody>
+          <a:bodyPr rtlCol="1" anchor="ctr"/>
+          <a:lstStyle/>
+          <a:p>
+            <a:pPr algn="ctr" defTabSz="854324" fontAlgn="auto">
+              <a:spcBef>
+                <a:spcPts val="0"/>
+              </a:spcBef>
+              <a:spcAft>
+                <a:spcPts val="0"/>
+              </a:spcAft>
+              <a:defRPr/>
+            </a:pPr>
+            <a:endParaRPr lang="he-IL" sz="7661" b="0" kern="0">
+              <a:solidFill>
+                <a:srgbClr val="FFFFFF"/>
+              </a:solidFill>
+              <a:latin typeface="Arial" panose="020B0604020202020204" pitchFamily="34" charset="0"/>
+              <a:cs typeface="Arial" panose="020B0604020202020204" pitchFamily="34" charset="0"/>
+            </a:endParaRPr>
+          </a:p>
+        </p:txBody>
+      </p:sp>
+      <p:sp>
+        <p:nvSpPr>
+          <p:cNvPr id="79" name="Rectangle 2">
+            <a:extLst>
+              <a:ext uri="{FF2B5EF4-FFF2-40B4-BE49-F238E27FC236}">
+                <a16:creationId xmlns:a16="http://schemas.microsoft.com/office/drawing/2014/main" id="{10C2173C-B314-4021-8A40-894E771A19DB}"/>
+              </a:ext>
+            </a:extLst>
+          </p:cNvPr>
+          <p:cNvSpPr>
+            <a:spLocks noChangeArrowheads="1"/>
+          </p:cNvSpPr>
+          <p:nvPr/>
+        </p:nvSpPr>
+        <p:spPr bwMode="auto">
+          <a:xfrm>
+            <a:off x="10593243" y="34210538"/>
+            <a:ext cx="8755594" cy="1208903"/>
+          </a:xfrm>
+          <a:prstGeom prst="rect">
+            <a:avLst/>
+          </a:prstGeom>
+          <a:noFill/>
+          <a:ln>
+            <a:noFill/>
+          </a:ln>
+          <a:extLst>
+            <a:ext uri="{909E8E84-426E-40DD-AFC4-6F175D3DCCD1}">
+              <a14:hiddenFill xmlns:a14="http://schemas.microsoft.com/office/drawing/2010/main">
+                <a:solidFill>
+                  <a:srgbClr val="FFFFFF"/>
+                </a:solidFill>
+              </a14:hiddenFill>
+            </a:ext>
+            <a:ext uri="{91240B29-F687-4F45-9708-019B960494DF}">
+              <a14:hiddenLine xmlns:a14="http://schemas.microsoft.com/office/drawing/2010/main" w="9525">
+                <a:solidFill>
+                  <a:srgbClr val="000000"/>
+                </a:solidFill>
+                <a:miter lim="800000"/>
+                <a:headEnd/>
+                <a:tailEnd/>
+              </a14:hiddenLine>
+            </a:ext>
+          </a:extLst>
+        </p:spPr>
+        <p:txBody>
+          <a:bodyPr anchor="ctr"/>
+          <a:lstStyle/>
+          <a:p>
+            <a:pPr algn="l" defTabSz="3900819" rtl="0"/>
+            <a:r>
+              <a:rPr lang="en-US" sz="5400" dirty="0">
+                <a:solidFill>
+                  <a:schemeClr val="bg1"/>
+                </a:solidFill>
+                <a:latin typeface="Arial" panose="020B0604020202020204" pitchFamily="34" charset="0"/>
+                <a:cs typeface="Arial" panose="020B0604020202020204" pitchFamily="34" charset="0"/>
+              </a:rPr>
+              <a:t>Our Algorithm</a:t>
+            </a:r>
+          </a:p>
+        </p:txBody>
+      </p:sp>
+      <p:sp>
+        <p:nvSpPr>
+          <p:cNvPr id="80" name="תיבת טקסט 79">
+            <a:extLst>
+              <a:ext uri="{FF2B5EF4-FFF2-40B4-BE49-F238E27FC236}">
+                <a16:creationId xmlns:a16="http://schemas.microsoft.com/office/drawing/2014/main" id="{0906A5F5-36AA-4A9C-AA1D-A8C6D746EDD7}"/>
+              </a:ext>
+            </a:extLst>
+          </p:cNvPr>
+          <p:cNvSpPr txBox="1"/>
+          <p:nvPr/>
+        </p:nvSpPr>
+        <p:spPr>
+          <a:xfrm>
+            <a:off x="10616115" y="35570493"/>
+            <a:ext cx="9156638" cy="5546711"/>
+          </a:xfrm>
+          <a:prstGeom prst="rect">
+            <a:avLst/>
+          </a:prstGeom>
+          <a:noFill/>
+        </p:spPr>
+        <p:txBody>
+          <a:bodyPr wrap="square" rtlCol="1">
+            <a:spAutoFit/>
+          </a:bodyPr>
+          <a:lstStyle/>
+          <a:p>
+            <a:pPr marL="457200" indent="-457200" algn="l" rtl="0">
+              <a:lnSpc>
+                <a:spcPct val="150000"/>
+              </a:lnSpc>
+              <a:buFont typeface="Wingdings" panose="05000000000000000000" pitchFamily="2" charset="2"/>
+              <a:buChar char="§"/>
+            </a:pPr>
+            <a:r>
+              <a:rPr lang="en-US" sz="3000" b="0" dirty="0">
+                <a:solidFill>
+                  <a:srgbClr val="002060"/>
+                </a:solidFill>
+                <a:cs typeface="Arial" panose="020B0604020202020204" pitchFamily="34" charset="0"/>
+              </a:rPr>
+              <a:t>The Executor dispatches actions to the Environment.</a:t>
+            </a:r>
+          </a:p>
+          <a:p>
+            <a:pPr marL="457200" indent="-457200" algn="l" rtl="0">
+              <a:lnSpc>
+                <a:spcPct val="150000"/>
+              </a:lnSpc>
+              <a:buFont typeface="Wingdings" panose="05000000000000000000" pitchFamily="2" charset="2"/>
+              <a:buChar char="§"/>
+            </a:pPr>
+            <a:r>
+              <a:rPr lang="en-US" sz="3000" b="0" dirty="0">
+                <a:solidFill>
+                  <a:srgbClr val="002060"/>
+                </a:solidFill>
+                <a:cs typeface="Arial" panose="020B0604020202020204" pitchFamily="34" charset="0"/>
+              </a:rPr>
+              <a:t>For each action we verify:</a:t>
+            </a:r>
+          </a:p>
+          <a:p>
+            <a:pPr marL="899084" lvl="1" indent="-457200" algn="l" rtl="0">
+              <a:lnSpc>
+                <a:spcPct val="150000"/>
+              </a:lnSpc>
+              <a:buFont typeface="Courier New" panose="02070309020205020404" pitchFamily="49" charset="0"/>
+              <a:buChar char="o"/>
+            </a:pPr>
+            <a:r>
+              <a:rPr lang="en-US" sz="3000" b="0" dirty="0">
+                <a:solidFill>
+                  <a:srgbClr val="002060"/>
+                </a:solidFill>
+                <a:cs typeface="Arial" panose="020B0604020202020204" pitchFamily="34" charset="0"/>
+              </a:rPr>
+              <a:t>All ancestors are done.</a:t>
+            </a:r>
+          </a:p>
+          <a:p>
+            <a:pPr marL="899084" lvl="1" indent="-457200" algn="l" rtl="0">
+              <a:lnSpc>
+                <a:spcPct val="150000"/>
+              </a:lnSpc>
+              <a:buFont typeface="Courier New" panose="02070309020205020404" pitchFamily="49" charset="0"/>
+              <a:buChar char="o"/>
+            </a:pPr>
+            <a:r>
+              <a:rPr lang="en-US" sz="3000" b="0" dirty="0">
+                <a:solidFill>
+                  <a:srgbClr val="002060"/>
+                </a:solidFill>
+                <a:cs typeface="Arial" panose="020B0604020202020204" pitchFamily="34" charset="0"/>
+              </a:rPr>
+              <a:t>The next sate of the environment is </a:t>
+            </a:r>
+            <a:r>
+              <a:rPr lang="en-US" sz="3000" b="0" dirty="0">
+                <a:solidFill>
+                  <a:srgbClr val="002060"/>
+                </a:solidFill>
+              </a:rPr>
+              <a:t>feasible.</a:t>
+            </a:r>
+          </a:p>
+          <a:p>
+            <a:pPr marL="899084" lvl="1" indent="-457200" algn="l" rtl="0">
+              <a:lnSpc>
+                <a:spcPct val="150000"/>
+              </a:lnSpc>
+              <a:buFont typeface="Courier New" panose="02070309020205020404" pitchFamily="49" charset="0"/>
+              <a:buChar char="o"/>
+            </a:pPr>
+            <a:r>
+              <a:rPr lang="en-US" sz="3000" b="0" dirty="0">
+                <a:solidFill>
+                  <a:srgbClr val="002060"/>
+                </a:solidFill>
+                <a:cs typeface="Arial" panose="020B0604020202020204" pitchFamily="34" charset="0"/>
+              </a:rPr>
+              <a:t>The action is ready.</a:t>
+            </a:r>
+          </a:p>
+          <a:p>
+            <a:pPr marL="457200" indent="-457200" algn="l" rtl="0">
+              <a:lnSpc>
+                <a:spcPct val="150000"/>
+              </a:lnSpc>
+              <a:buFont typeface="Wingdings" panose="05000000000000000000" pitchFamily="2" charset="2"/>
+              <a:buChar char="§"/>
+            </a:pPr>
+            <a:r>
+              <a:rPr lang="en-US" sz="3000" b="0" dirty="0">
+                <a:solidFill>
+                  <a:srgbClr val="002060"/>
+                </a:solidFill>
+                <a:cs typeface="Arial" panose="020B0604020202020204" pitchFamily="34" charset="0"/>
+              </a:rPr>
+              <a:t>If one of the verifications failed the algorithm will start replanning the problem.</a:t>
             </a:r>
           </a:p>
         </p:txBody>
       </p:sp>
       <p:pic>
         <p:nvPicPr>
-          <p:cNvPr id="39" name="תמונה 38">
+          <p:cNvPr id="81" name="תמונה 80">
             <a:extLst>
               <a:ext uri="{FF2B5EF4-FFF2-40B4-BE49-F238E27FC236}">
-                <a16:creationId xmlns:a16="http://schemas.microsoft.com/office/drawing/2014/main" xmlns="" id="{F37D9133-F340-4B4A-BF4E-9B1644FBF8D0}"/>
+                <a16:creationId xmlns:a16="http://schemas.microsoft.com/office/drawing/2014/main" id="{A90E4952-E3FC-43ED-967A-FAC8F899CD84}"/>
               </a:ext>
             </a:extLst>
           </p:cNvPr>
@@ -7043,100 +7464,126 @@
         </p:blipFill>
         <p:spPr>
           <a:xfrm>
-            <a:off x="20822924" y="10904945"/>
-            <a:ext cx="8338511" cy="5542967"/>
+            <a:off x="20592000" y="10287427"/>
+            <a:ext cx="8536243" cy="4172669"/>
           </a:xfrm>
           <a:prstGeom prst="rect">
             <a:avLst/>
           </a:prstGeom>
         </p:spPr>
       </p:pic>
-      <p:pic>
-        <p:nvPicPr>
-          <p:cNvPr id="40" name="תמונה 39">
+      <p:sp>
+        <p:nvSpPr>
+          <p:cNvPr id="83" name="Rectangle 4">
             <a:extLst>
               <a:ext uri="{FF2B5EF4-FFF2-40B4-BE49-F238E27FC236}">
-                <a16:creationId xmlns:a16="http://schemas.microsoft.com/office/drawing/2014/main" xmlns="" id="{973FBD27-5ECD-4115-B35A-4035B0553BA9}"/>
+                <a16:creationId xmlns:a16="http://schemas.microsoft.com/office/drawing/2014/main" id="{1A431C15-4268-4D4D-B729-23A2D92FB755}"/>
               </a:ext>
             </a:extLst>
           </p:cNvPr>
-          <p:cNvPicPr>
-            <a:picLocks noChangeAspect="1"/>
-          </p:cNvPicPr>
+          <p:cNvSpPr>
+            <a:spLocks noChangeArrowheads="1"/>
+          </p:cNvSpPr>
           <p:nvPr/>
-        </p:nvPicPr>
-        <p:blipFill>
-          <a:blip r:embed="rId10"/>
-          <a:stretch>
-            <a:fillRect/>
-          </a:stretch>
-        </p:blipFill>
-        <p:spPr>
+        </p:nvSpPr>
+        <p:spPr bwMode="auto">
           <a:xfrm>
-            <a:off x="21534000" y="17547322"/>
-            <a:ext cx="6622643" cy="4540359"/>
-          </a:xfrm>
-          <a:prstGeom prst="rect">
-            <a:avLst/>
-          </a:prstGeom>
-        </p:spPr>
-      </p:pic>
-      <p:pic>
-        <p:nvPicPr>
-          <p:cNvPr id="43" name="תמונה 42">
-            <a:extLst>
-              <a:ext uri="{FF2B5EF4-FFF2-40B4-BE49-F238E27FC236}">
-                <a16:creationId xmlns:a16="http://schemas.microsoft.com/office/drawing/2014/main" xmlns="" id="{F4A579EA-3E2B-4103-BD9A-FDD9ED48FABB}"/>
-              </a:ext>
-            </a:extLst>
-          </p:cNvPr>
-          <p:cNvPicPr>
-            <a:picLocks noChangeAspect="1"/>
-          </p:cNvPicPr>
-          <p:nvPr/>
-        </p:nvPicPr>
-        <p:blipFill rotWithShape="1">
-          <a:blip r:embed="rId11"/>
-          <a:srcRect t="7915"/>
-          <a:stretch/>
-        </p:blipFill>
-        <p:spPr>
-          <a:xfrm>
-            <a:off x="20959890" y="23158248"/>
-            <a:ext cx="7967158" cy="4400279"/>
-          </a:xfrm>
-          <a:prstGeom prst="rect">
-            <a:avLst/>
-          </a:prstGeom>
-        </p:spPr>
-      </p:pic>
-      <p:sp>
-        <p:nvSpPr>
-          <p:cNvPr id="44" name="תיבת טקסט 43">
-            <a:extLst>
-              <a:ext uri="{FF2B5EF4-FFF2-40B4-BE49-F238E27FC236}">
-                <a16:creationId xmlns:a16="http://schemas.microsoft.com/office/drawing/2014/main" xmlns="" id="{39C0F5B6-F685-4966-8722-1CB1BBF21D37}"/>
-              </a:ext>
-            </a:extLst>
-          </p:cNvPr>
-          <p:cNvSpPr txBox="1"/>
-          <p:nvPr/>
-        </p:nvSpPr>
-        <p:spPr>
-          <a:xfrm>
-            <a:off x="20536820" y="10096158"/>
-            <a:ext cx="8858357" cy="699230"/>
+            <a:off x="20560893" y="14237281"/>
+            <a:ext cx="8820000" cy="5833067"/>
           </a:xfrm>
           <a:prstGeom prst="rect">
             <a:avLst/>
           </a:prstGeom>
           <a:noFill/>
-        </p:spPr>
-        <p:txBody>
-          <a:bodyPr wrap="square" rtlCol="1">
-            <a:spAutoFit/>
-          </a:bodyPr>
+          <a:ln>
+            <a:noFill/>
+          </a:ln>
+          <a:extLst>
+            <a:ext uri="{909E8E84-426E-40DD-AFC4-6F175D3DCCD1}">
+              <a14:hiddenFill xmlns:a14="http://schemas.microsoft.com/office/drawing/2010/main">
+                <a:solidFill>
+                  <a:srgbClr val="FFFFFF"/>
+                </a:solidFill>
+              </a14:hiddenFill>
+            </a:ext>
+            <a:ext uri="{91240B29-F687-4F45-9708-019B960494DF}">
+              <a14:hiddenLine xmlns:a14="http://schemas.microsoft.com/office/drawing/2010/main" w="9525">
+                <a:solidFill>
+                  <a:srgbClr val="000000"/>
+                </a:solidFill>
+                <a:miter lim="800000"/>
+                <a:headEnd/>
+                <a:tailEnd/>
+              </a14:hiddenLine>
+            </a:ext>
+          </a:extLst>
+        </p:spPr>
+        <p:txBody>
+          <a:bodyPr/>
           <a:lstStyle/>
+          <a:p>
+            <a:pPr algn="l" rtl="0">
+              <a:lnSpc>
+                <a:spcPct val="150000"/>
+              </a:lnSpc>
+            </a:pPr>
+            <a:r>
+              <a:rPr lang="en-US" sz="3000" b="0" dirty="0">
+                <a:solidFill>
+                  <a:srgbClr val="002060"/>
+                </a:solidFill>
+              </a:rPr>
+              <a:t>Offline Planner – is the Offline </a:t>
+            </a:r>
+            <a:r>
+              <a:rPr lang="en-US" sz="3000" b="0" dirty="0" err="1">
+                <a:solidFill>
+                  <a:srgbClr val="002060"/>
+                </a:solidFill>
+              </a:rPr>
+              <a:t>Algorithm.Program</a:t>
+            </a:r>
+            <a:r>
+              <a:rPr lang="en-US" sz="3000" b="0" dirty="0">
+                <a:solidFill>
+                  <a:srgbClr val="002060"/>
+                </a:solidFill>
+              </a:rPr>
+              <a:t> manager – is the linking chain between the offline algorithm and the online algorithm. Responsible for creating the different modules and their </a:t>
+            </a:r>
+            <a:r>
+              <a:rPr lang="en-US" sz="3000" b="0" dirty="0" err="1">
+                <a:solidFill>
+                  <a:srgbClr val="002060"/>
+                </a:solidFill>
+              </a:rPr>
+              <a:t>connections.Controller</a:t>
+            </a:r>
+            <a:r>
+              <a:rPr lang="en-US" sz="3000" b="0" dirty="0">
+                <a:solidFill>
+                  <a:srgbClr val="002060"/>
+                </a:solidFill>
+              </a:rPr>
+              <a:t> – is the control tower. The controller decides on the next actions that will be sent to the environment for execution. The main data structure that it uses is a STN </a:t>
+            </a:r>
+            <a:r>
+              <a:rPr lang="en-US" sz="3000" b="0" dirty="0" err="1">
+                <a:solidFill>
+                  <a:srgbClr val="002060"/>
+                </a:solidFill>
+              </a:rPr>
+              <a:t>graph:The</a:t>
+            </a:r>
+            <a:r>
+              <a:rPr lang="en-US" sz="3000" b="0" dirty="0">
+                <a:solidFill>
+                  <a:srgbClr val="002060"/>
+                </a:solidFill>
+              </a:rPr>
+              <a:t> offline output is a STN graph in a table configuration. The controller transforms the table to an a-cyclic directed graph.</a:t>
+            </a:r>
+          </a:p>
           <a:p>
             <a:pPr marL="457200" indent="-457200" algn="l" rtl="0">
               <a:lnSpc>
@@ -7145,563 +7592,12 @@
               <a:buFont typeface="Wingdings" panose="05000000000000000000" pitchFamily="2" charset="2"/>
               <a:buChar char="§"/>
             </a:pPr>
-            <a:r>
-              <a:rPr lang="en-US" sz="3000" dirty="0">
-                <a:solidFill>
-                  <a:srgbClr val="002060"/>
-                </a:solidFill>
-                <a:cs typeface="Arial" panose="020B0604020202020204" pitchFamily="34" charset="0"/>
-              </a:rPr>
-              <a:t>Offline plan in the form of a table</a:t>
-            </a:r>
-            <a:r>
-              <a:rPr lang="en-US" sz="3000" dirty="0">
-                <a:solidFill>
-                  <a:srgbClr val="002060"/>
-                </a:solidFill>
-              </a:rPr>
-              <a:t>:</a:t>
-            </a:r>
-            <a:endParaRPr lang="he-IL" sz="3000" dirty="0">
+            <a:endParaRPr lang="en-US" sz="2990" b="0" dirty="0">
               <a:solidFill>
-                <a:srgbClr val="002060"/>
+                <a:srgbClr val="000060"/>
               </a:solidFill>
-            </a:endParaRPr>
-          </a:p>
-        </p:txBody>
-      </p:sp>
-      <p:pic>
-        <p:nvPicPr>
-          <p:cNvPr id="45" name="תמונה 44">
-            <a:extLst>
-              <a:ext uri="{FF2B5EF4-FFF2-40B4-BE49-F238E27FC236}">
-                <a16:creationId xmlns:a16="http://schemas.microsoft.com/office/drawing/2014/main" xmlns="" id="{B54AFD36-AC5C-4BE7-893F-C8856DCFF9D9}"/>
-              </a:ext>
-            </a:extLst>
-          </p:cNvPr>
-          <p:cNvPicPr>
-            <a:picLocks noChangeAspect="1"/>
-          </p:cNvPicPr>
-          <p:nvPr/>
-        </p:nvPicPr>
-        <p:blipFill>
-          <a:blip r:embed="rId12"/>
-          <a:stretch>
-            <a:fillRect/>
-          </a:stretch>
-        </p:blipFill>
-        <p:spPr>
-          <a:xfrm>
-            <a:off x="21690806" y="31411326"/>
-            <a:ext cx="5987041" cy="3781953"/>
-          </a:xfrm>
-          <a:prstGeom prst="rect">
-            <a:avLst/>
-          </a:prstGeom>
-        </p:spPr>
-      </p:pic>
-      <p:grpSp>
-        <p:nvGrpSpPr>
-          <p:cNvPr id="46" name="קבוצה 45">
-            <a:extLst>
-              <a:ext uri="{FF2B5EF4-FFF2-40B4-BE49-F238E27FC236}">
-                <a16:creationId xmlns:a16="http://schemas.microsoft.com/office/drawing/2014/main" xmlns="" id="{E03F66D5-4B96-4F4C-A67F-2D9491C49B70}"/>
-              </a:ext>
-            </a:extLst>
-          </p:cNvPr>
-          <p:cNvGrpSpPr/>
-          <p:nvPr/>
-        </p:nvGrpSpPr>
-        <p:grpSpPr>
-          <a:xfrm>
-            <a:off x="20395509" y="29095013"/>
-            <a:ext cx="3647264" cy="1512797"/>
-            <a:chOff x="209839" y="1617344"/>
-            <a:chExt cx="3372321" cy="1152686"/>
-          </a:xfrm>
-        </p:grpSpPr>
-        <p:pic>
-          <p:nvPicPr>
-            <p:cNvPr id="47" name="תמונה 46">
-              <a:extLst>
-                <a:ext uri="{FF2B5EF4-FFF2-40B4-BE49-F238E27FC236}">
-                  <a16:creationId xmlns:a16="http://schemas.microsoft.com/office/drawing/2014/main" xmlns="" id="{D83997ED-FE01-4CD8-A159-C4504C9F38BF}"/>
-                </a:ext>
-              </a:extLst>
-            </p:cNvPr>
-            <p:cNvPicPr>
-              <a:picLocks noChangeAspect="1"/>
-            </p:cNvPicPr>
-            <p:nvPr/>
-          </p:nvPicPr>
-          <p:blipFill>
-            <a:blip r:embed="rId13"/>
-            <a:stretch>
-              <a:fillRect/>
-            </a:stretch>
-          </p:blipFill>
-          <p:spPr>
-            <a:xfrm>
-              <a:off x="209839" y="1617344"/>
-              <a:ext cx="3372321" cy="1152686"/>
-            </a:xfrm>
-            <a:prstGeom prst="rect">
-              <a:avLst/>
-            </a:prstGeom>
-          </p:spPr>
-        </p:pic>
-        <p:sp>
-          <p:nvSpPr>
-            <p:cNvPr id="48" name="מלבן 47">
-              <a:extLst>
-                <a:ext uri="{FF2B5EF4-FFF2-40B4-BE49-F238E27FC236}">
-                  <a16:creationId xmlns:a16="http://schemas.microsoft.com/office/drawing/2014/main" xmlns="" id="{4C651E24-96C8-40E8-8781-841C1FF38772}"/>
-                </a:ext>
-              </a:extLst>
-            </p:cNvPr>
-            <p:cNvSpPr/>
-            <p:nvPr/>
-          </p:nvSpPr>
-          <p:spPr>
-            <a:xfrm>
-              <a:off x="2019300" y="1633955"/>
-              <a:ext cx="1054100" cy="206324"/>
-            </a:xfrm>
-            <a:prstGeom prst="rect">
-              <a:avLst/>
-            </a:prstGeom>
-            <a:noFill/>
-            <a:ln>
-              <a:solidFill>
-                <a:srgbClr val="FF0000"/>
-              </a:solidFill>
-            </a:ln>
-          </p:spPr>
-          <p:style>
-            <a:lnRef idx="2">
-              <a:schemeClr val="accent1">
-                <a:shade val="50000"/>
-              </a:schemeClr>
-            </a:lnRef>
-            <a:fillRef idx="1">
-              <a:schemeClr val="accent1"/>
-            </a:fillRef>
-            <a:effectRef idx="0">
-              <a:schemeClr val="accent1"/>
-            </a:effectRef>
-            <a:fontRef idx="minor">
-              <a:schemeClr val="lt1"/>
-            </a:fontRef>
-          </p:style>
-          <p:txBody>
-            <a:bodyPr rtlCol="1" anchor="ctr"/>
-            <a:lstStyle/>
-            <a:p>
-              <a:pPr algn="ctr"/>
-              <a:endParaRPr lang="he-IL"/>
-            </a:p>
-          </p:txBody>
-        </p:sp>
-      </p:grpSp>
-      <p:grpSp>
-        <p:nvGrpSpPr>
-          <p:cNvPr id="49" name="קבוצה 48">
-            <a:extLst>
-              <a:ext uri="{FF2B5EF4-FFF2-40B4-BE49-F238E27FC236}">
-                <a16:creationId xmlns:a16="http://schemas.microsoft.com/office/drawing/2014/main" xmlns="" id="{ECBB19A4-E398-4930-B4C2-395228D40F79}"/>
-              </a:ext>
-            </a:extLst>
-          </p:cNvPr>
-          <p:cNvGrpSpPr/>
-          <p:nvPr/>
-        </p:nvGrpSpPr>
-        <p:grpSpPr>
-          <a:xfrm>
-            <a:off x="24147525" y="29082269"/>
-            <a:ext cx="5274699" cy="1562318"/>
-            <a:chOff x="209839" y="3678338"/>
-            <a:chExt cx="6597361" cy="1562318"/>
-          </a:xfrm>
-        </p:grpSpPr>
-        <p:pic>
-          <p:nvPicPr>
-            <p:cNvPr id="50" name="תמונה 49">
-              <a:extLst>
-                <a:ext uri="{FF2B5EF4-FFF2-40B4-BE49-F238E27FC236}">
-                  <a16:creationId xmlns:a16="http://schemas.microsoft.com/office/drawing/2014/main" xmlns="" id="{8062D8C8-DB3D-408F-B58F-CBE5C43E4316}"/>
-                </a:ext>
-              </a:extLst>
-            </p:cNvPr>
-            <p:cNvPicPr>
-              <a:picLocks noChangeAspect="1"/>
-            </p:cNvPicPr>
-            <p:nvPr/>
-          </p:nvPicPr>
-          <p:blipFill>
-            <a:blip r:embed="rId14"/>
-            <a:stretch>
-              <a:fillRect/>
-            </a:stretch>
-          </p:blipFill>
-          <p:spPr>
-            <a:xfrm>
-              <a:off x="209839" y="3678338"/>
-              <a:ext cx="6597361" cy="1562318"/>
-            </a:xfrm>
-            <a:prstGeom prst="rect">
-              <a:avLst/>
-            </a:prstGeom>
-          </p:spPr>
-        </p:pic>
-        <p:sp>
-          <p:nvSpPr>
-            <p:cNvPr id="51" name="מלבן 50">
-              <a:extLst>
-                <a:ext uri="{FF2B5EF4-FFF2-40B4-BE49-F238E27FC236}">
-                  <a16:creationId xmlns:a16="http://schemas.microsoft.com/office/drawing/2014/main" xmlns="" id="{95EBC4D6-0498-444D-8900-333ABEC4EA13}"/>
-                </a:ext>
-              </a:extLst>
-            </p:cNvPr>
-            <p:cNvSpPr/>
-            <p:nvPr/>
-          </p:nvSpPr>
-          <p:spPr>
-            <a:xfrm>
-              <a:off x="1803400" y="3678339"/>
-              <a:ext cx="1270000" cy="245962"/>
-            </a:xfrm>
-            <a:prstGeom prst="rect">
-              <a:avLst/>
-            </a:prstGeom>
-            <a:noFill/>
-            <a:ln>
-              <a:solidFill>
-                <a:srgbClr val="FF0000"/>
-              </a:solidFill>
-            </a:ln>
-          </p:spPr>
-          <p:style>
-            <a:lnRef idx="2">
-              <a:schemeClr val="accent1">
-                <a:shade val="50000"/>
-              </a:schemeClr>
-            </a:lnRef>
-            <a:fillRef idx="1">
-              <a:schemeClr val="accent1"/>
-            </a:fillRef>
-            <a:effectRef idx="0">
-              <a:schemeClr val="accent1"/>
-            </a:effectRef>
-            <a:fontRef idx="minor">
-              <a:schemeClr val="lt1"/>
-            </a:fontRef>
-          </p:style>
-          <p:txBody>
-            <a:bodyPr rtlCol="1" anchor="ctr"/>
-            <a:lstStyle/>
-            <a:p>
-              <a:pPr algn="ctr"/>
-              <a:endParaRPr lang="he-IL"/>
-            </a:p>
-          </p:txBody>
-        </p:sp>
-      </p:grpSp>
-      <p:sp>
-        <p:nvSpPr>
-          <p:cNvPr id="52" name="תיבת טקסט 51">
-            <a:extLst>
-              <a:ext uri="{FF2B5EF4-FFF2-40B4-BE49-F238E27FC236}">
-                <a16:creationId xmlns:a16="http://schemas.microsoft.com/office/drawing/2014/main" xmlns="" id="{8CC9D5A9-2E2E-42DA-BF0C-FEB2A7489067}"/>
-              </a:ext>
-            </a:extLst>
-          </p:cNvPr>
-          <p:cNvSpPr txBox="1"/>
-          <p:nvPr/>
-        </p:nvSpPr>
-        <p:spPr>
-          <a:xfrm>
-            <a:off x="20536819" y="16695692"/>
-            <a:ext cx="8858357" cy="699230"/>
-          </a:xfrm>
-          <a:prstGeom prst="rect">
-            <a:avLst/>
-          </a:prstGeom>
-          <a:noFill/>
-        </p:spPr>
-        <p:txBody>
-          <a:bodyPr wrap="square" rtlCol="1">
-            <a:spAutoFit/>
-          </a:bodyPr>
-          <a:lstStyle/>
-          <a:p>
-            <a:pPr marL="457200" indent="-457200" algn="l" rtl="0">
-              <a:lnSpc>
-                <a:spcPct val="150000"/>
-              </a:lnSpc>
-              <a:buFont typeface="Wingdings" panose="05000000000000000000" pitchFamily="2" charset="2"/>
-              <a:buChar char="§"/>
-            </a:pPr>
-            <a:r>
-              <a:rPr lang="en-US" sz="3000" dirty="0">
-                <a:solidFill>
-                  <a:srgbClr val="002060"/>
-                </a:solidFill>
-              </a:rPr>
-              <a:t>Online output with no interrupts: </a:t>
-            </a:r>
-            <a:endParaRPr lang="he-IL" sz="3000" dirty="0">
-              <a:solidFill>
-                <a:srgbClr val="002060"/>
-              </a:solidFill>
-            </a:endParaRPr>
-          </a:p>
-        </p:txBody>
-      </p:sp>
-      <p:sp>
-        <p:nvSpPr>
-          <p:cNvPr id="53" name="תיבת טקסט 52">
-            <a:extLst>
-              <a:ext uri="{FF2B5EF4-FFF2-40B4-BE49-F238E27FC236}">
-                <a16:creationId xmlns:a16="http://schemas.microsoft.com/office/drawing/2014/main" xmlns="" id="{3EEFA102-BDD9-4EF2-96A8-F92F17B7D0A5}"/>
-              </a:ext>
-            </a:extLst>
-          </p:cNvPr>
-          <p:cNvSpPr txBox="1"/>
-          <p:nvPr/>
-        </p:nvSpPr>
-        <p:spPr>
-          <a:xfrm>
-            <a:off x="20552622" y="22223998"/>
-            <a:ext cx="8858357" cy="699230"/>
-          </a:xfrm>
-          <a:prstGeom prst="rect">
-            <a:avLst/>
-          </a:prstGeom>
-          <a:noFill/>
-        </p:spPr>
-        <p:txBody>
-          <a:bodyPr wrap="square" rtlCol="1">
-            <a:spAutoFit/>
-          </a:bodyPr>
-          <a:lstStyle/>
-          <a:p>
-            <a:pPr marL="457200" indent="-457200" algn="l" rtl="0">
-              <a:lnSpc>
-                <a:spcPct val="150000"/>
-              </a:lnSpc>
-              <a:buFont typeface="Wingdings" panose="05000000000000000000" pitchFamily="2" charset="2"/>
-              <a:buChar char="§"/>
-            </a:pPr>
-            <a:r>
-              <a:rPr lang="en-US" sz="3000" dirty="0">
-                <a:solidFill>
-                  <a:srgbClr val="002060"/>
-                </a:solidFill>
-              </a:rPr>
-              <a:t>Online output with interrupts: </a:t>
-            </a:r>
-            <a:endParaRPr lang="he-IL" sz="3000" dirty="0">
-              <a:solidFill>
-                <a:srgbClr val="002060"/>
-              </a:solidFill>
-            </a:endParaRPr>
-          </a:p>
-        </p:txBody>
-      </p:sp>
-      <p:sp>
-        <p:nvSpPr>
-          <p:cNvPr id="54" name="תיבת טקסט 53">
-            <a:extLst>
-              <a:ext uri="{FF2B5EF4-FFF2-40B4-BE49-F238E27FC236}">
-                <a16:creationId xmlns:a16="http://schemas.microsoft.com/office/drawing/2014/main" xmlns="" id="{7E83D72A-B817-459B-A633-5D51237A073E}"/>
-              </a:ext>
-            </a:extLst>
-          </p:cNvPr>
-          <p:cNvSpPr txBox="1"/>
-          <p:nvPr/>
-        </p:nvSpPr>
-        <p:spPr>
-          <a:xfrm>
-            <a:off x="20456920" y="27754798"/>
-            <a:ext cx="8858357" cy="699230"/>
-          </a:xfrm>
-          <a:prstGeom prst="rect">
-            <a:avLst/>
-          </a:prstGeom>
-          <a:noFill/>
-        </p:spPr>
-        <p:txBody>
-          <a:bodyPr wrap="square" rtlCol="1">
-            <a:spAutoFit/>
-          </a:bodyPr>
-          <a:lstStyle/>
-          <a:p>
-            <a:pPr marL="457200" indent="-457200" algn="l" rtl="0">
-              <a:lnSpc>
-                <a:spcPct val="150000"/>
-              </a:lnSpc>
-              <a:buFont typeface="Wingdings" panose="05000000000000000000" pitchFamily="2" charset="2"/>
-              <a:buChar char="§"/>
-            </a:pPr>
-            <a:r>
-              <a:rPr lang="en-US" sz="3000" dirty="0">
-                <a:solidFill>
-                  <a:srgbClr val="002060"/>
-                </a:solidFill>
-              </a:rPr>
-              <a:t>Online output with replanning: </a:t>
-            </a:r>
-            <a:endParaRPr lang="he-IL" sz="3000" dirty="0">
-              <a:solidFill>
-                <a:srgbClr val="002060"/>
-              </a:solidFill>
-            </a:endParaRPr>
-          </a:p>
-        </p:txBody>
-      </p:sp>
-      <p:sp>
-        <p:nvSpPr>
-          <p:cNvPr id="55" name="תיבת טקסט 54">
-            <a:extLst>
-              <a:ext uri="{FF2B5EF4-FFF2-40B4-BE49-F238E27FC236}">
-                <a16:creationId xmlns:a16="http://schemas.microsoft.com/office/drawing/2014/main" xmlns="" id="{C17D7253-823A-4754-BD83-10121D390721}"/>
-              </a:ext>
-            </a:extLst>
-          </p:cNvPr>
-          <p:cNvSpPr txBox="1"/>
-          <p:nvPr/>
-        </p:nvSpPr>
-        <p:spPr>
-          <a:xfrm>
-            <a:off x="20607801" y="28488481"/>
-            <a:ext cx="3143146" cy="577850"/>
-          </a:xfrm>
-          <a:prstGeom prst="rect">
-            <a:avLst/>
-          </a:prstGeom>
-          <a:noFill/>
-        </p:spPr>
-        <p:txBody>
-          <a:bodyPr wrap="square" rtlCol="1">
-            <a:spAutoFit/>
-          </a:bodyPr>
-          <a:lstStyle/>
-          <a:p>
-            <a:pPr algn="l" rtl="0">
-              <a:lnSpc>
-                <a:spcPct val="150000"/>
-              </a:lnSpc>
-            </a:pPr>
-            <a:r>
-              <a:rPr lang="en-US" sz="2400" b="0" dirty="0">
-                <a:solidFill>
-                  <a:srgbClr val="002060"/>
-                </a:solidFill>
-              </a:rPr>
-              <a:t>New config file</a:t>
-            </a:r>
-            <a:endParaRPr lang="he-IL" sz="2400" b="0" dirty="0">
-              <a:solidFill>
-                <a:srgbClr val="002060"/>
-              </a:solidFill>
-            </a:endParaRPr>
-          </a:p>
-        </p:txBody>
-      </p:sp>
-      <p:sp>
-        <p:nvSpPr>
-          <p:cNvPr id="58" name="תיבת טקסט 57">
-            <a:extLst>
-              <a:ext uri="{FF2B5EF4-FFF2-40B4-BE49-F238E27FC236}">
-                <a16:creationId xmlns:a16="http://schemas.microsoft.com/office/drawing/2014/main" xmlns="" id="{091F8A5C-445B-4467-843A-8BA4C93C9068}"/>
-              </a:ext>
-            </a:extLst>
-          </p:cNvPr>
-          <p:cNvSpPr txBox="1"/>
-          <p:nvPr/>
-        </p:nvSpPr>
-        <p:spPr>
-          <a:xfrm>
-            <a:off x="24147525" y="28500385"/>
-            <a:ext cx="3143146" cy="577850"/>
-          </a:xfrm>
-          <a:prstGeom prst="rect">
-            <a:avLst/>
-          </a:prstGeom>
-          <a:noFill/>
-        </p:spPr>
-        <p:txBody>
-          <a:bodyPr wrap="square" rtlCol="1">
-            <a:spAutoFit/>
-          </a:bodyPr>
-          <a:lstStyle/>
-          <a:p>
-            <a:pPr algn="l" rtl="0">
-              <a:lnSpc>
-                <a:spcPct val="150000"/>
-              </a:lnSpc>
-            </a:pPr>
-            <a:r>
-              <a:rPr lang="en-US" sz="2400" b="0" dirty="0">
-                <a:solidFill>
-                  <a:srgbClr val="002060"/>
-                </a:solidFill>
-              </a:rPr>
-              <a:t>New offline log file</a:t>
-            </a:r>
-            <a:endParaRPr lang="he-IL" sz="2400" b="0" dirty="0">
-              <a:solidFill>
-                <a:srgbClr val="002060"/>
-              </a:solidFill>
-            </a:endParaRPr>
-          </a:p>
-        </p:txBody>
-      </p:sp>
-      <p:sp>
-        <p:nvSpPr>
-          <p:cNvPr id="59" name="תיבת טקסט 58">
-            <a:extLst>
-              <a:ext uri="{FF2B5EF4-FFF2-40B4-BE49-F238E27FC236}">
-                <a16:creationId xmlns:a16="http://schemas.microsoft.com/office/drawing/2014/main" xmlns="" id="{E7EB19CF-05E1-4964-A326-1808C077D34F}"/>
-              </a:ext>
-            </a:extLst>
-          </p:cNvPr>
-          <p:cNvSpPr txBox="1"/>
-          <p:nvPr/>
-        </p:nvSpPr>
-        <p:spPr>
-          <a:xfrm>
-            <a:off x="22925988" y="30758017"/>
-            <a:ext cx="3143146" cy="577850"/>
-          </a:xfrm>
-          <a:prstGeom prst="rect">
-            <a:avLst/>
-          </a:prstGeom>
-          <a:noFill/>
-        </p:spPr>
-        <p:txBody>
-          <a:bodyPr wrap="square" rtlCol="1">
-            <a:spAutoFit/>
-          </a:bodyPr>
-          <a:lstStyle/>
-          <a:p>
-            <a:pPr algn="l" rtl="0">
-              <a:lnSpc>
-                <a:spcPct val="150000"/>
-              </a:lnSpc>
-            </a:pPr>
-            <a:r>
-              <a:rPr lang="en-US" sz="2400" b="0" dirty="0">
-                <a:solidFill>
-                  <a:srgbClr val="002060"/>
-                </a:solidFill>
-              </a:rPr>
-              <a:t>New online log file</a:t>
-            </a:r>
-            <a:endParaRPr lang="he-IL" sz="2400" b="0" dirty="0">
-              <a:solidFill>
-                <a:srgbClr val="002060"/>
-              </a:solidFill>
+              <a:latin typeface="Arial" panose="020B0604020202020204" pitchFamily="34" charset="0"/>
+              <a:cs typeface="Arial" panose="020B0604020202020204" pitchFamily="34" charset="0"/>
             </a:endParaRPr>
           </a:p>
         </p:txBody>

--- a/חומר עזר לפרויקט/הגשה סופית/Project_A - Poster.pptx
+++ b/חומר עזר לפרויקט/הגשה סופית/Project_A - Poster.pptx
@@ -4216,63 +4216,13 @@
       </p:sp>
       <p:sp>
         <p:nvSpPr>
-          <p:cNvPr id="170" name="Rounded Rectangle 18"/>
-          <p:cNvSpPr/>
-          <p:nvPr/>
-        </p:nvSpPr>
-        <p:spPr>
-          <a:xfrm>
-            <a:off x="20301801" y="8623033"/>
-            <a:ext cx="9360000" cy="1128962"/>
-          </a:xfrm>
-          <a:prstGeom prst="roundRect">
-            <a:avLst>
-              <a:gd name="adj" fmla="val 3718"/>
-            </a:avLst>
-          </a:prstGeom>
-          <a:solidFill>
-            <a:srgbClr val="124872"/>
-          </a:solidFill>
-          <a:ln w="76200" cap="flat" cmpd="sng" algn="ctr">
-            <a:solidFill>
-              <a:srgbClr val="124872"/>
-            </a:solidFill>
-            <a:prstDash val="solid"/>
-          </a:ln>
-          <a:effectLst/>
-        </p:spPr>
-        <p:txBody>
-          <a:bodyPr rtlCol="1" anchor="ctr"/>
-          <a:lstStyle/>
-          <a:p>
-            <a:pPr algn="ctr" defTabSz="854324" fontAlgn="auto">
-              <a:spcBef>
-                <a:spcPts val="0"/>
-              </a:spcBef>
-              <a:spcAft>
-                <a:spcPts val="0"/>
-              </a:spcAft>
-              <a:defRPr/>
-            </a:pPr>
-            <a:endParaRPr lang="he-IL" sz="7661" b="0" kern="0">
-              <a:solidFill>
-                <a:srgbClr val="FFFFFF"/>
-              </a:solidFill>
-              <a:latin typeface="Arial" panose="020B0604020202020204" pitchFamily="34" charset="0"/>
-              <a:cs typeface="Arial" panose="020B0604020202020204" pitchFamily="34" charset="0"/>
-            </a:endParaRPr>
-          </a:p>
-        </p:txBody>
-      </p:sp>
-      <p:sp>
-        <p:nvSpPr>
           <p:cNvPr id="166" name="Rounded Rectangle 18"/>
           <p:cNvSpPr/>
           <p:nvPr/>
         </p:nvSpPr>
         <p:spPr>
           <a:xfrm>
-            <a:off x="10458000" y="8623033"/>
+            <a:off x="10478862" y="8623033"/>
             <a:ext cx="9360000" cy="1128962"/>
           </a:xfrm>
           <a:prstGeom prst="roundRect">
@@ -4862,64 +4812,6 @@
                 <a:cs typeface="Arial" panose="020B0604020202020204" pitchFamily="34" charset="0"/>
               </a:rPr>
               <a:t>General Schema</a:t>
-            </a:r>
-          </a:p>
-        </p:txBody>
-      </p:sp>
-      <p:sp>
-        <p:nvSpPr>
-          <p:cNvPr id="137" name="Rectangle 2"/>
-          <p:cNvSpPr>
-            <a:spLocks noChangeArrowheads="1"/>
-          </p:cNvSpPr>
-          <p:nvPr/>
-        </p:nvSpPr>
-        <p:spPr bwMode="auto">
-          <a:xfrm>
-            <a:off x="20607801" y="8682990"/>
-            <a:ext cx="8475042" cy="1009048"/>
-          </a:xfrm>
-          <a:prstGeom prst="rect">
-            <a:avLst/>
-          </a:prstGeom>
-          <a:noFill/>
-          <a:ln>
-            <a:noFill/>
-          </a:ln>
-          <a:extLst>
-            <a:ext uri="{909E8E84-426E-40DD-AFC4-6F175D3DCCD1}">
-              <a14:hiddenFill xmlns:a14="http://schemas.microsoft.com/office/drawing/2010/main">
-                <a:solidFill>
-                  <a:srgbClr val="FFFFFF"/>
-                </a:solidFill>
-              </a14:hiddenFill>
-            </a:ext>
-            <a:ext uri="{91240B29-F687-4F45-9708-019B960494DF}">
-              <a14:hiddenLine xmlns:a14="http://schemas.microsoft.com/office/drawing/2010/main" w="9525">
-                <a:solidFill>
-                  <a:srgbClr val="000000"/>
-                </a:solidFill>
-                <a:miter lim="800000"/>
-                <a:headEnd/>
-                <a:tailEnd/>
-              </a14:hiddenLine>
-            </a:ext>
-          </a:extLst>
-        </p:spPr>
-        <p:txBody>
-          <a:bodyPr anchor="ctr"/>
-          <a:lstStyle/>
-          <a:p>
-            <a:pPr algn="l" defTabSz="3900819" rtl="0"/>
-            <a:r>
-              <a:rPr lang="en-US" sz="5400" dirty="0">
-                <a:solidFill>
-                  <a:schemeClr val="bg1"/>
-                </a:solidFill>
-                <a:latin typeface="Arial" panose="020B0604020202020204" pitchFamily="34" charset="0"/>
-                <a:cs typeface="Arial" panose="020B0604020202020204" pitchFamily="34" charset="0"/>
-              </a:rPr>
-              <a:t>Block Diagram</a:t>
             </a:r>
           </a:p>
         </p:txBody>
@@ -5382,8 +5274,8 @@
         </p:nvSpPr>
         <p:spPr>
           <a:xfrm>
-            <a:off x="10458000" y="8623033"/>
-            <a:ext cx="9360000" cy="16055448"/>
+            <a:off x="10458000" y="8623032"/>
+            <a:ext cx="9360000" cy="8221587"/>
           </a:xfrm>
           <a:prstGeom prst="roundRect">
             <a:avLst>
@@ -5509,54 +5401,6 @@
               <a:defRPr/>
             </a:pPr>
             <a:endParaRPr lang="he-IL" sz="7661" b="0" kern="0" dirty="0">
-              <a:solidFill>
-                <a:srgbClr val="FFFFFF"/>
-              </a:solidFill>
-              <a:latin typeface="Arial" panose="020B0604020202020204" pitchFamily="34" charset="0"/>
-              <a:cs typeface="Arial" panose="020B0604020202020204" pitchFamily="34" charset="0"/>
-            </a:endParaRPr>
-          </a:p>
-        </p:txBody>
-      </p:sp>
-      <p:sp>
-        <p:nvSpPr>
-          <p:cNvPr id="154" name="Rounded Rectangle 199"/>
-          <p:cNvSpPr/>
-          <p:nvPr/>
-        </p:nvSpPr>
-        <p:spPr>
-          <a:xfrm>
-            <a:off x="20286000" y="8682991"/>
-            <a:ext cx="9360000" cy="9405775"/>
-          </a:xfrm>
-          <a:prstGeom prst="roundRect">
-            <a:avLst>
-              <a:gd name="adj" fmla="val 2631"/>
-            </a:avLst>
-          </a:prstGeom>
-          <a:noFill/>
-          <a:ln w="76200" cap="flat" cmpd="sng" algn="ctr">
-            <a:solidFill>
-              <a:srgbClr val="124872"/>
-            </a:solidFill>
-            <a:prstDash val="solid"/>
-          </a:ln>
-          <a:effectLst/>
-        </p:spPr>
-        <p:txBody>
-          <a:bodyPr rtlCol="1" anchor="ctr"/>
-          <a:lstStyle/>
-          <a:p>
-            <a:pPr algn="ctr" defTabSz="854324" fontAlgn="auto">
-              <a:spcBef>
-                <a:spcPts val="0"/>
-              </a:spcBef>
-              <a:spcAft>
-                <a:spcPts val="0"/>
-              </a:spcAft>
-              <a:defRPr/>
-            </a:pPr>
-            <a:endParaRPr lang="he-IL" sz="7661" b="0" kern="0">
               <a:solidFill>
                 <a:srgbClr val="FFFFFF"/>
               </a:solidFill>
@@ -5931,7 +5775,7 @@
         <p:spPr>
           <a:xfrm>
             <a:off x="20413861" y="37429622"/>
-            <a:ext cx="9156638" cy="4623382"/>
+            <a:ext cx="9156638" cy="3792385"/>
           </a:xfrm>
           <a:prstGeom prst="rect">
             <a:avLst/>
@@ -6010,35 +5854,8 @@
                 </a:solidFill>
                 <a:cs typeface="Arial" panose="020B0604020202020204" pitchFamily="34" charset="0"/>
               </a:rPr>
-              <a:t>Add a GUI </a:t>
-            </a:r>
-            <a:r>
-              <a:rPr lang="en-US" sz="3000" b="0">
-                <a:solidFill>
-                  <a:srgbClr val="002060"/>
-                </a:solidFill>
-                <a:cs typeface="Arial" panose="020B0604020202020204" pitchFamily="34" charset="0"/>
-              </a:rPr>
-              <a:t>- make </a:t>
-            </a:r>
-            <a:r>
-              <a:rPr lang="en-US" sz="3000" b="0" dirty="0">
-                <a:solidFill>
-                  <a:srgbClr val="002060"/>
-                </a:solidFill>
-                <a:cs typeface="Arial" panose="020B0604020202020204" pitchFamily="34" charset="0"/>
-              </a:rPr>
-              <a:t>the system inactive to the user with which he will be able to track the planes and lanes in real-time.</a:t>
-            </a:r>
-            <a:br>
-              <a:rPr lang="en-US" sz="3000" b="0" i="0" dirty="0">
-                <a:solidFill>
-                  <a:srgbClr val="002060"/>
-                </a:solidFill>
-                <a:effectLst/>
-                <a:cs typeface="Assistant" pitchFamily="2" charset="-79"/>
-              </a:rPr>
-            </a:br>
+              <a:t>Add a GUI - make the system inactive to the user with which he will be able to track the planes and lanes in real-time.</a:t>
+            </a:r>
             <a:endParaRPr lang="en-US" sz="3000" b="0" i="0" dirty="0">
               <a:solidFill>
                 <a:srgbClr val="002060"/>
@@ -6114,255 +5931,6 @@
               </a:rPr>
               <a:t>Feedback from the online algorithm to the offline algorithm.</a:t>
             </a:r>
-          </a:p>
-        </p:txBody>
-      </p:sp>
-      <p:sp>
-        <p:nvSpPr>
-          <p:cNvPr id="53" name="תיבת טקסט 52">
-            <a:extLst>
-              <a:ext uri="{FF2B5EF4-FFF2-40B4-BE49-F238E27FC236}">
-                <a16:creationId xmlns:a16="http://schemas.microsoft.com/office/drawing/2014/main" id="{3EEFA102-BDD9-4EF2-96A8-F92F17B7D0A5}"/>
-              </a:ext>
-            </a:extLst>
-          </p:cNvPr>
-          <p:cNvSpPr txBox="1"/>
-          <p:nvPr/>
-        </p:nvSpPr>
-        <p:spPr>
-          <a:xfrm>
-            <a:off x="20552622" y="22223998"/>
-            <a:ext cx="8858357" cy="699230"/>
-          </a:xfrm>
-          <a:prstGeom prst="rect">
-            <a:avLst/>
-          </a:prstGeom>
-          <a:noFill/>
-        </p:spPr>
-        <p:txBody>
-          <a:bodyPr wrap="square" rtlCol="1">
-            <a:spAutoFit/>
-          </a:bodyPr>
-          <a:lstStyle/>
-          <a:p>
-            <a:pPr marL="457200" indent="-457200" algn="l" rtl="0">
-              <a:lnSpc>
-                <a:spcPct val="150000"/>
-              </a:lnSpc>
-              <a:buFont typeface="Wingdings" panose="05000000000000000000" pitchFamily="2" charset="2"/>
-              <a:buChar char="§"/>
-            </a:pPr>
-            <a:r>
-              <a:rPr lang="en-US" sz="3000" dirty="0">
-                <a:solidFill>
-                  <a:srgbClr val="002060"/>
-                </a:solidFill>
-              </a:rPr>
-              <a:t>Online output with interrupts: </a:t>
-            </a:r>
-            <a:endParaRPr lang="he-IL" sz="3000" dirty="0">
-              <a:solidFill>
-                <a:srgbClr val="002060"/>
-              </a:solidFill>
-            </a:endParaRPr>
-          </a:p>
-        </p:txBody>
-      </p:sp>
-      <p:sp>
-        <p:nvSpPr>
-          <p:cNvPr id="54" name="תיבת טקסט 53">
-            <a:extLst>
-              <a:ext uri="{FF2B5EF4-FFF2-40B4-BE49-F238E27FC236}">
-                <a16:creationId xmlns:a16="http://schemas.microsoft.com/office/drawing/2014/main" id="{7E83D72A-B817-459B-A633-5D51237A073E}"/>
-              </a:ext>
-            </a:extLst>
-          </p:cNvPr>
-          <p:cNvSpPr txBox="1"/>
-          <p:nvPr/>
-        </p:nvSpPr>
-        <p:spPr>
-          <a:xfrm>
-            <a:off x="20456920" y="27754798"/>
-            <a:ext cx="8858357" cy="699230"/>
-          </a:xfrm>
-          <a:prstGeom prst="rect">
-            <a:avLst/>
-          </a:prstGeom>
-          <a:noFill/>
-        </p:spPr>
-        <p:txBody>
-          <a:bodyPr wrap="square" rtlCol="1">
-            <a:spAutoFit/>
-          </a:bodyPr>
-          <a:lstStyle/>
-          <a:p>
-            <a:pPr marL="457200" indent="-457200" algn="l" rtl="0">
-              <a:lnSpc>
-                <a:spcPct val="150000"/>
-              </a:lnSpc>
-              <a:buFont typeface="Wingdings" panose="05000000000000000000" pitchFamily="2" charset="2"/>
-              <a:buChar char="§"/>
-            </a:pPr>
-            <a:r>
-              <a:rPr lang="en-US" sz="3000" dirty="0">
-                <a:solidFill>
-                  <a:srgbClr val="002060"/>
-                </a:solidFill>
-              </a:rPr>
-              <a:t>Online output with replanning: </a:t>
-            </a:r>
-            <a:endParaRPr lang="he-IL" sz="3000" dirty="0">
-              <a:solidFill>
-                <a:srgbClr val="002060"/>
-              </a:solidFill>
-            </a:endParaRPr>
-          </a:p>
-        </p:txBody>
-      </p:sp>
-      <p:sp>
-        <p:nvSpPr>
-          <p:cNvPr id="55" name="תיבת טקסט 54">
-            <a:extLst>
-              <a:ext uri="{FF2B5EF4-FFF2-40B4-BE49-F238E27FC236}">
-                <a16:creationId xmlns:a16="http://schemas.microsoft.com/office/drawing/2014/main" id="{C17D7253-823A-4754-BD83-10121D390721}"/>
-              </a:ext>
-            </a:extLst>
-          </p:cNvPr>
-          <p:cNvSpPr txBox="1"/>
-          <p:nvPr/>
-        </p:nvSpPr>
-        <p:spPr>
-          <a:xfrm>
-            <a:off x="20607801" y="28488481"/>
-            <a:ext cx="3143146" cy="577850"/>
-          </a:xfrm>
-          <a:prstGeom prst="rect">
-            <a:avLst/>
-          </a:prstGeom>
-          <a:noFill/>
-        </p:spPr>
-        <p:txBody>
-          <a:bodyPr wrap="square" rtlCol="1">
-            <a:spAutoFit/>
-          </a:bodyPr>
-          <a:lstStyle/>
-          <a:p>
-            <a:pPr algn="l" rtl="0">
-              <a:lnSpc>
-                <a:spcPct val="150000"/>
-              </a:lnSpc>
-            </a:pPr>
-            <a:r>
-              <a:rPr lang="en-US" sz="2400" b="0" dirty="0">
-                <a:solidFill>
-                  <a:srgbClr val="002060"/>
-                </a:solidFill>
-              </a:rPr>
-              <a:t>New config file</a:t>
-            </a:r>
-            <a:endParaRPr lang="he-IL" sz="2400" b="0" dirty="0">
-              <a:solidFill>
-                <a:srgbClr val="002060"/>
-              </a:solidFill>
-            </a:endParaRPr>
-          </a:p>
-        </p:txBody>
-      </p:sp>
-      <p:sp>
-        <p:nvSpPr>
-          <p:cNvPr id="58" name="תיבת טקסט 57">
-            <a:extLst>
-              <a:ext uri="{FF2B5EF4-FFF2-40B4-BE49-F238E27FC236}">
-                <a16:creationId xmlns:a16="http://schemas.microsoft.com/office/drawing/2014/main" id="{091F8A5C-445B-4467-843A-8BA4C93C9068}"/>
-              </a:ext>
-            </a:extLst>
-          </p:cNvPr>
-          <p:cNvSpPr txBox="1"/>
-          <p:nvPr/>
-        </p:nvSpPr>
-        <p:spPr>
-          <a:xfrm>
-            <a:off x="24147525" y="28500385"/>
-            <a:ext cx="3143146" cy="577850"/>
-          </a:xfrm>
-          <a:prstGeom prst="rect">
-            <a:avLst/>
-          </a:prstGeom>
-          <a:noFill/>
-        </p:spPr>
-        <p:txBody>
-          <a:bodyPr wrap="square" rtlCol="1">
-            <a:spAutoFit/>
-          </a:bodyPr>
-          <a:lstStyle/>
-          <a:p>
-            <a:pPr algn="l" rtl="0">
-              <a:lnSpc>
-                <a:spcPct val="150000"/>
-              </a:lnSpc>
-            </a:pPr>
-            <a:r>
-              <a:rPr lang="en-US" sz="2400" b="0" dirty="0">
-                <a:solidFill>
-                  <a:srgbClr val="002060"/>
-                </a:solidFill>
-              </a:rPr>
-              <a:t>New offline log file</a:t>
-            </a:r>
-            <a:endParaRPr lang="he-IL" sz="2400" b="0" dirty="0">
-              <a:solidFill>
-                <a:srgbClr val="002060"/>
-              </a:solidFill>
-            </a:endParaRPr>
-          </a:p>
-        </p:txBody>
-      </p:sp>
-      <p:sp>
-        <p:nvSpPr>
-          <p:cNvPr id="59" name="תיבת טקסט 58">
-            <a:extLst>
-              <a:ext uri="{FF2B5EF4-FFF2-40B4-BE49-F238E27FC236}">
-                <a16:creationId xmlns:a16="http://schemas.microsoft.com/office/drawing/2014/main" id="{E7EB19CF-05E1-4964-A326-1808C077D34F}"/>
-              </a:ext>
-            </a:extLst>
-          </p:cNvPr>
-          <p:cNvSpPr txBox="1"/>
-          <p:nvPr/>
-        </p:nvSpPr>
-        <p:spPr>
-          <a:xfrm>
-            <a:off x="22925988" y="30758017"/>
-            <a:ext cx="3143146" cy="577850"/>
-          </a:xfrm>
-          <a:prstGeom prst="rect">
-            <a:avLst/>
-          </a:prstGeom>
-          <a:noFill/>
-        </p:spPr>
-        <p:txBody>
-          <a:bodyPr wrap="square" rtlCol="1">
-            <a:spAutoFit/>
-          </a:bodyPr>
-          <a:lstStyle/>
-          <a:p>
-            <a:pPr algn="l" rtl="0">
-              <a:lnSpc>
-                <a:spcPct val="150000"/>
-              </a:lnSpc>
-            </a:pPr>
-            <a:r>
-              <a:rPr lang="en-US" sz="2400" b="0" dirty="0">
-                <a:solidFill>
-                  <a:srgbClr val="002060"/>
-                </a:solidFill>
-              </a:rPr>
-              <a:t>New online log file</a:t>
-            </a:r>
-            <a:endParaRPr lang="he-IL" sz="2400" b="0" dirty="0">
-              <a:solidFill>
-                <a:srgbClr val="002060"/>
-              </a:solidFill>
-            </a:endParaRPr>
           </a:p>
         </p:txBody>
       </p:sp>
@@ -6463,25 +6031,8 @@
                 <a:latin typeface="Arial" panose="020B0604020202020204" pitchFamily="34" charset="0"/>
                 <a:cs typeface="Arial" panose="020B0604020202020204" pitchFamily="34" charset="0"/>
               </a:rPr>
-              <a:t>Planner – Block </a:t>
-            </a:r>
-            <a:r>
-              <a:rPr lang="en-US" sz="2200" b="0" dirty="0" err="1">
-                <a:solidFill>
-                  <a:schemeClr val="dk1"/>
-                </a:solidFill>
-                <a:latin typeface="Arial" panose="020B0604020202020204" pitchFamily="34" charset="0"/>
-                <a:cs typeface="Arial" panose="020B0604020202020204" pitchFamily="34" charset="0"/>
-              </a:rPr>
-              <a:t>Diagran</a:t>
-            </a:r>
-            <a:endParaRPr lang="en-US" sz="2200" b="0" dirty="0">
-              <a:solidFill>
-                <a:schemeClr val="dk1"/>
-              </a:solidFill>
-              <a:latin typeface="Arial" panose="020B0604020202020204" pitchFamily="34" charset="0"/>
-              <a:cs typeface="Arial" panose="020B0604020202020204" pitchFamily="34" charset="0"/>
-            </a:endParaRPr>
+              <a:t>Planner – Block Diagram</a:t>
+            </a:r>
           </a:p>
         </p:txBody>
       </p:sp>
@@ -6548,7 +6099,7 @@
                   <a:srgbClr val="002060"/>
                 </a:solidFill>
               </a:rPr>
-              <a:t>The Offline Planner input is a config file and the output is a STN graph.</a:t>
+              <a:t>The Offline Planner input is a config file, and the output is a STN graph.</a:t>
             </a:r>
           </a:p>
           <a:p>
@@ -6562,70 +6113,6 @@
                 <a:srgbClr val="002060"/>
               </a:solidFill>
             </a:endParaRPr>
-          </a:p>
-        </p:txBody>
-      </p:sp>
-      <p:sp>
-        <p:nvSpPr>
-          <p:cNvPr id="67" name="Rectangle 3">
-            <a:extLst>
-              <a:ext uri="{FF2B5EF4-FFF2-40B4-BE49-F238E27FC236}">
-                <a16:creationId xmlns:a16="http://schemas.microsoft.com/office/drawing/2014/main" id="{60BE6085-775E-4AC5-A5EA-EED44D0BF024}"/>
-              </a:ext>
-            </a:extLst>
-          </p:cNvPr>
-          <p:cNvSpPr>
-            <a:spLocks noChangeArrowheads="1"/>
-          </p:cNvSpPr>
-          <p:nvPr/>
-        </p:nvSpPr>
-        <p:spPr bwMode="auto">
-          <a:xfrm>
-            <a:off x="10773460" y="17079718"/>
-            <a:ext cx="5523461" cy="1009048"/>
-          </a:xfrm>
-          <a:prstGeom prst="rect">
-            <a:avLst/>
-          </a:prstGeom>
-          <a:noFill/>
-          <a:ln>
-            <a:noFill/>
-          </a:ln>
-          <a:extLst>
-            <a:ext uri="{909E8E84-426E-40DD-AFC4-6F175D3DCCD1}">
-              <a14:hiddenFill xmlns:a14="http://schemas.microsoft.com/office/drawing/2010/main">
-                <a:solidFill>
-                  <a:srgbClr val="FFFFFF"/>
-                </a:solidFill>
-              </a14:hiddenFill>
-            </a:ext>
-            <a:ext uri="{91240B29-F687-4F45-9708-019B960494DF}">
-              <a14:hiddenLine xmlns:a14="http://schemas.microsoft.com/office/drawing/2010/main" w="9525">
-                <a:solidFill>
-                  <a:srgbClr val="000000"/>
-                </a:solidFill>
-                <a:miter lim="800000"/>
-                <a:headEnd/>
-                <a:tailEnd/>
-              </a14:hiddenLine>
-            </a:ext>
-          </a:extLst>
-        </p:spPr>
-        <p:txBody>
-          <a:bodyPr anchor="ctr"/>
-          <a:lstStyle/>
-          <a:p>
-            <a:pPr algn="l" defTabSz="3900819" rtl="0"/>
-            <a:r>
-              <a:rPr lang="en-US" sz="5400" dirty="0">
-                <a:solidFill>
-                  <a:srgbClr val="124872"/>
-                </a:solidFill>
-                <a:latin typeface="Arial" panose="020B0604020202020204" pitchFamily="34" charset="0"/>
-                <a:cs typeface="Arial" panose="020B0604020202020204" pitchFamily="34" charset="0"/>
-              </a:rPr>
-              <a:t>STN GRAPH</a:t>
-            </a:r>
           </a:p>
         </p:txBody>
       </p:sp>
@@ -6651,7 +6138,7 @@
         </p:blipFill>
         <p:spPr>
           <a:xfrm>
-            <a:off x="10663889" y="21970879"/>
+            <a:off x="10579200" y="22289475"/>
             <a:ext cx="9061090" cy="1812218"/>
           </a:xfrm>
           <a:prstGeom prst="rect">
@@ -6675,8 +6162,8 @@
         </p:nvSpPr>
         <p:spPr bwMode="auto">
           <a:xfrm>
-            <a:off x="10638388" y="18088766"/>
-            <a:ext cx="8820000" cy="3064474"/>
+            <a:off x="10699745" y="18635501"/>
+            <a:ext cx="8820000" cy="3514885"/>
           </a:xfrm>
           <a:prstGeom prst="rect">
             <a:avLst/>
@@ -6770,12 +6257,794 @@
           </a:p>
         </p:txBody>
       </p:sp>
-      <p:sp>
-        <p:nvSpPr>
-          <p:cNvPr id="71" name="Rectangle 4">
+      <p:grpSp>
+        <p:nvGrpSpPr>
+          <p:cNvPr id="2" name="קבוצה 1">
             <a:extLst>
               <a:ext uri="{FF2B5EF4-FFF2-40B4-BE49-F238E27FC236}">
-                <a16:creationId xmlns:a16="http://schemas.microsoft.com/office/drawing/2014/main" id="{7D285C3B-091C-4B95-B039-1E567C7FEF56}"/>
+                <a16:creationId xmlns:a16="http://schemas.microsoft.com/office/drawing/2014/main" id="{FC5AFA8C-058D-4C62-A36F-540981CB495A}"/>
+              </a:ext>
+            </a:extLst>
+          </p:cNvPr>
+          <p:cNvGrpSpPr/>
+          <p:nvPr/>
+        </p:nvGrpSpPr>
+        <p:grpSpPr>
+          <a:xfrm>
+            <a:off x="20229696" y="8601986"/>
+            <a:ext cx="9366490" cy="6934909"/>
+            <a:chOff x="10507569" y="25036775"/>
+            <a:chExt cx="9366490" cy="6934909"/>
+          </a:xfrm>
+        </p:grpSpPr>
+        <p:sp>
+          <p:nvSpPr>
+            <p:cNvPr id="72" name="Rounded Rectangle 18">
+              <a:extLst>
+                <a:ext uri="{FF2B5EF4-FFF2-40B4-BE49-F238E27FC236}">
+                  <a16:creationId xmlns:a16="http://schemas.microsoft.com/office/drawing/2014/main" id="{E6095333-C459-4C1A-B051-1164E8126492}"/>
+                </a:ext>
+              </a:extLst>
+            </p:cNvPr>
+            <p:cNvSpPr/>
+            <p:nvPr/>
+          </p:nvSpPr>
+          <p:spPr>
+            <a:xfrm>
+              <a:off x="10514059" y="25036775"/>
+              <a:ext cx="9360000" cy="1208903"/>
+            </a:xfrm>
+            <a:prstGeom prst="roundRect">
+              <a:avLst>
+                <a:gd name="adj" fmla="val 3718"/>
+              </a:avLst>
+            </a:prstGeom>
+            <a:solidFill>
+              <a:srgbClr val="124872"/>
+            </a:solidFill>
+            <a:ln w="76200" cap="flat" cmpd="sng" algn="ctr">
+              <a:solidFill>
+                <a:srgbClr val="124872"/>
+              </a:solidFill>
+              <a:prstDash val="solid"/>
+            </a:ln>
+            <a:effectLst/>
+          </p:spPr>
+          <p:txBody>
+            <a:bodyPr rtlCol="1" anchor="ctr"/>
+            <a:lstStyle/>
+            <a:p>
+              <a:pPr algn="ctr" defTabSz="854324" fontAlgn="auto">
+                <a:spcBef>
+                  <a:spcPts val="0"/>
+                </a:spcBef>
+                <a:spcAft>
+                  <a:spcPts val="0"/>
+                </a:spcAft>
+                <a:defRPr/>
+              </a:pPr>
+              <a:endParaRPr lang="he-IL" sz="7661" b="0" kern="0" dirty="0">
+                <a:solidFill>
+                  <a:srgbClr val="FFFFFF"/>
+                </a:solidFill>
+                <a:latin typeface="Arial" panose="020B0604020202020204" pitchFamily="34" charset="0"/>
+                <a:cs typeface="Arial" panose="020B0604020202020204" pitchFamily="34" charset="0"/>
+              </a:endParaRPr>
+            </a:p>
+          </p:txBody>
+        </p:sp>
+        <p:sp>
+          <p:nvSpPr>
+            <p:cNvPr id="73" name="Rounded Rectangle 145">
+              <a:extLst>
+                <a:ext uri="{FF2B5EF4-FFF2-40B4-BE49-F238E27FC236}">
+                  <a16:creationId xmlns:a16="http://schemas.microsoft.com/office/drawing/2014/main" id="{FCF7BDAB-6689-4DED-814F-836F2619AAE6}"/>
+                </a:ext>
+              </a:extLst>
+            </p:cNvPr>
+            <p:cNvSpPr/>
+            <p:nvPr/>
+          </p:nvSpPr>
+          <p:spPr>
+            <a:xfrm>
+              <a:off x="10507569" y="25083077"/>
+              <a:ext cx="9360000" cy="6497254"/>
+            </a:xfrm>
+            <a:prstGeom prst="roundRect">
+              <a:avLst>
+                <a:gd name="adj" fmla="val 3718"/>
+              </a:avLst>
+            </a:prstGeom>
+            <a:noFill/>
+            <a:ln w="76200" cap="flat" cmpd="sng" algn="ctr">
+              <a:solidFill>
+                <a:srgbClr val="124872"/>
+              </a:solidFill>
+              <a:prstDash val="solid"/>
+            </a:ln>
+            <a:effectLst/>
+          </p:spPr>
+          <p:txBody>
+            <a:bodyPr rtlCol="1" anchor="ctr"/>
+            <a:lstStyle/>
+            <a:p>
+              <a:pPr algn="ctr" defTabSz="854324" fontAlgn="auto">
+                <a:spcBef>
+                  <a:spcPts val="0"/>
+                </a:spcBef>
+                <a:spcAft>
+                  <a:spcPts val="0"/>
+                </a:spcAft>
+                <a:defRPr/>
+              </a:pPr>
+              <a:endParaRPr lang="he-IL" sz="7661" b="0" kern="0">
+                <a:solidFill>
+                  <a:srgbClr val="FFFFFF"/>
+                </a:solidFill>
+                <a:latin typeface="Arial" panose="020B0604020202020204" pitchFamily="34" charset="0"/>
+                <a:cs typeface="Arial" panose="020B0604020202020204" pitchFamily="34" charset="0"/>
+              </a:endParaRPr>
+            </a:p>
+          </p:txBody>
+        </p:sp>
+        <p:sp>
+          <p:nvSpPr>
+            <p:cNvPr id="74" name="Rectangle 2">
+              <a:extLst>
+                <a:ext uri="{FF2B5EF4-FFF2-40B4-BE49-F238E27FC236}">
+                  <a16:creationId xmlns:a16="http://schemas.microsoft.com/office/drawing/2014/main" id="{04A8F28B-218B-44CF-AC0D-3208BCFAAF50}"/>
+                </a:ext>
+              </a:extLst>
+            </p:cNvPr>
+            <p:cNvSpPr>
+              <a:spLocks noChangeArrowheads="1"/>
+            </p:cNvSpPr>
+            <p:nvPr/>
+          </p:nvSpPr>
+          <p:spPr bwMode="auto">
+            <a:xfrm>
+              <a:off x="10601114" y="25110640"/>
+              <a:ext cx="8755594" cy="1208903"/>
+            </a:xfrm>
+            <a:prstGeom prst="rect">
+              <a:avLst/>
+            </a:prstGeom>
+            <a:noFill/>
+            <a:ln>
+              <a:noFill/>
+            </a:ln>
+            <a:extLst>
+              <a:ext uri="{909E8E84-426E-40DD-AFC4-6F175D3DCCD1}">
+                <a14:hiddenFill xmlns:a14="http://schemas.microsoft.com/office/drawing/2010/main">
+                  <a:solidFill>
+                    <a:srgbClr val="FFFFFF"/>
+                  </a:solidFill>
+                </a14:hiddenFill>
+              </a:ext>
+              <a:ext uri="{91240B29-F687-4F45-9708-019B960494DF}">
+                <a14:hiddenLine xmlns:a14="http://schemas.microsoft.com/office/drawing/2010/main" w="9525">
+                  <a:solidFill>
+                    <a:srgbClr val="000000"/>
+                  </a:solidFill>
+                  <a:miter lim="800000"/>
+                  <a:headEnd/>
+                  <a:tailEnd/>
+                </a14:hiddenLine>
+              </a:ext>
+            </a:extLst>
+          </p:spPr>
+          <p:txBody>
+            <a:bodyPr anchor="ctr"/>
+            <a:lstStyle/>
+            <a:p>
+              <a:pPr algn="l" defTabSz="3900819" rtl="0"/>
+              <a:r>
+                <a:rPr lang="en-US" sz="5400" dirty="0">
+                  <a:solidFill>
+                    <a:schemeClr val="bg1"/>
+                  </a:solidFill>
+                  <a:latin typeface="Arial" panose="020B0604020202020204" pitchFamily="34" charset="0"/>
+                  <a:cs typeface="Arial" panose="020B0604020202020204" pitchFamily="34" charset="0"/>
+                </a:rPr>
+                <a:t>Real-Time Interrupts</a:t>
+              </a:r>
+            </a:p>
+          </p:txBody>
+        </p:sp>
+        <p:sp>
+          <p:nvSpPr>
+            <p:cNvPr id="75" name="תיבת טקסט 74">
+              <a:extLst>
+                <a:ext uri="{FF2B5EF4-FFF2-40B4-BE49-F238E27FC236}">
+                  <a16:creationId xmlns:a16="http://schemas.microsoft.com/office/drawing/2014/main" id="{2C2D4546-1CF0-480F-BD20-C88E64BE936D}"/>
+                </a:ext>
+              </a:extLst>
+            </p:cNvPr>
+            <p:cNvSpPr txBox="1"/>
+            <p:nvPr/>
+          </p:nvSpPr>
+          <p:spPr>
+            <a:xfrm>
+              <a:off x="10724525" y="26424973"/>
+              <a:ext cx="8858357" cy="5546711"/>
+            </a:xfrm>
+            <a:prstGeom prst="rect">
+              <a:avLst/>
+            </a:prstGeom>
+            <a:noFill/>
+          </p:spPr>
+          <p:txBody>
+            <a:bodyPr wrap="square" rtlCol="1">
+              <a:spAutoFit/>
+            </a:bodyPr>
+            <a:lstStyle/>
+            <a:p>
+              <a:pPr marL="457200" indent="-457200" algn="l" rtl="0">
+                <a:lnSpc>
+                  <a:spcPct val="150000"/>
+                </a:lnSpc>
+                <a:buFont typeface="Wingdings" panose="05000000000000000000" pitchFamily="2" charset="2"/>
+                <a:buChar char="§"/>
+              </a:pPr>
+              <a:r>
+                <a:rPr lang="en-US" sz="3000" b="0" dirty="0">
+                  <a:solidFill>
+                    <a:srgbClr val="002060"/>
+                  </a:solidFill>
+                </a:rPr>
+                <a:t>The interrupts module create random disorders which delay actions in real-time. This module is part of the Environment block.</a:t>
+              </a:r>
+            </a:p>
+            <a:p>
+              <a:pPr marL="457200" indent="-457200" algn="l" rtl="0">
+                <a:lnSpc>
+                  <a:spcPct val="150000"/>
+                </a:lnSpc>
+                <a:buFont typeface="Wingdings" panose="05000000000000000000" pitchFamily="2" charset="2"/>
+                <a:buChar char="§"/>
+              </a:pPr>
+              <a:r>
+                <a:rPr lang="en-US" sz="3000" b="0" dirty="0">
+                  <a:solidFill>
+                    <a:srgbClr val="002060"/>
+                  </a:solidFill>
+                </a:rPr>
+                <a:t>For a given day plan, the algorithm can resolve the delay in one of two ways:</a:t>
+              </a:r>
+            </a:p>
+            <a:p>
+              <a:pPr marL="514350" indent="-514350" algn="l" rtl="0">
+                <a:lnSpc>
+                  <a:spcPct val="150000"/>
+                </a:lnSpc>
+                <a:buFont typeface="+mj-lt"/>
+                <a:buAutoNum type="arabicPeriod"/>
+              </a:pPr>
+              <a:r>
+                <a:rPr lang="en-US" sz="3000" b="0" dirty="0">
+                  <a:solidFill>
+                    <a:srgbClr val="002060"/>
+                  </a:solidFill>
+                </a:rPr>
+                <a:t>Stretching the STN graph</a:t>
+              </a:r>
+            </a:p>
+            <a:p>
+              <a:pPr marL="514350" indent="-514350" algn="l" rtl="0">
+                <a:lnSpc>
+                  <a:spcPct val="150000"/>
+                </a:lnSpc>
+                <a:buFont typeface="+mj-lt"/>
+                <a:buAutoNum type="arabicPeriod"/>
+              </a:pPr>
+              <a:r>
+                <a:rPr lang="en-US" sz="3000" b="0" dirty="0">
+                  <a:solidFill>
+                    <a:srgbClr val="002060"/>
+                  </a:solidFill>
+                </a:rPr>
+                <a:t>Replanning of the problem</a:t>
+              </a:r>
+              <a:endParaRPr lang="he-IL" sz="3000" b="0" dirty="0">
+                <a:solidFill>
+                  <a:srgbClr val="002060"/>
+                </a:solidFill>
+              </a:endParaRPr>
+            </a:p>
+            <a:p>
+              <a:pPr marL="514350" indent="-514350" algn="l" rtl="0">
+                <a:lnSpc>
+                  <a:spcPct val="150000"/>
+                </a:lnSpc>
+                <a:buFont typeface="+mj-lt"/>
+                <a:buAutoNum type="arabicPeriod"/>
+              </a:pPr>
+              <a:endParaRPr lang="en-US" sz="3000" dirty="0">
+                <a:solidFill>
+                  <a:srgbClr val="002060"/>
+                </a:solidFill>
+              </a:endParaRPr>
+            </a:p>
+          </p:txBody>
+        </p:sp>
+      </p:grpSp>
+      <p:grpSp>
+        <p:nvGrpSpPr>
+          <p:cNvPr id="7" name="קבוצה 6">
+            <a:extLst>
+              <a:ext uri="{FF2B5EF4-FFF2-40B4-BE49-F238E27FC236}">
+                <a16:creationId xmlns:a16="http://schemas.microsoft.com/office/drawing/2014/main" id="{BF0A59A0-5907-454A-BF8B-5C79EB394B8E}"/>
+              </a:ext>
+            </a:extLst>
+          </p:cNvPr>
+          <p:cNvGrpSpPr/>
+          <p:nvPr/>
+        </p:nvGrpSpPr>
+        <p:grpSpPr>
+          <a:xfrm>
+            <a:off x="10506705" y="26297072"/>
+            <a:ext cx="9377456" cy="6674233"/>
+            <a:chOff x="10477580" y="35095124"/>
+            <a:chExt cx="9377456" cy="6674233"/>
+          </a:xfrm>
+        </p:grpSpPr>
+        <p:sp>
+          <p:nvSpPr>
+            <p:cNvPr id="76" name="Rounded Rectangle 18">
+              <a:extLst>
+                <a:ext uri="{FF2B5EF4-FFF2-40B4-BE49-F238E27FC236}">
+                  <a16:creationId xmlns:a16="http://schemas.microsoft.com/office/drawing/2014/main" id="{46FE5675-BA5F-4978-BCEC-2CC868C32F65}"/>
+                </a:ext>
+              </a:extLst>
+            </p:cNvPr>
+            <p:cNvSpPr/>
+            <p:nvPr/>
+          </p:nvSpPr>
+          <p:spPr>
+            <a:xfrm>
+              <a:off x="10477580" y="35095124"/>
+              <a:ext cx="9377456" cy="1094694"/>
+            </a:xfrm>
+            <a:prstGeom prst="roundRect">
+              <a:avLst>
+                <a:gd name="adj" fmla="val 3718"/>
+              </a:avLst>
+            </a:prstGeom>
+            <a:solidFill>
+              <a:srgbClr val="124872"/>
+            </a:solidFill>
+            <a:ln w="76200" cap="flat" cmpd="sng" algn="ctr">
+              <a:solidFill>
+                <a:srgbClr val="124872"/>
+              </a:solidFill>
+              <a:prstDash val="solid"/>
+            </a:ln>
+            <a:effectLst/>
+          </p:spPr>
+          <p:txBody>
+            <a:bodyPr rtlCol="1" anchor="ctr"/>
+            <a:lstStyle/>
+            <a:p>
+              <a:pPr algn="ctr" defTabSz="854324" fontAlgn="auto">
+                <a:spcBef>
+                  <a:spcPts val="0"/>
+                </a:spcBef>
+                <a:spcAft>
+                  <a:spcPts val="0"/>
+                </a:spcAft>
+                <a:defRPr/>
+              </a:pPr>
+              <a:endParaRPr lang="he-IL" sz="7661" b="0" kern="0" dirty="0">
+                <a:solidFill>
+                  <a:srgbClr val="FFFFFF"/>
+                </a:solidFill>
+                <a:latin typeface="Arial" panose="020B0604020202020204" pitchFamily="34" charset="0"/>
+                <a:cs typeface="Arial" panose="020B0604020202020204" pitchFamily="34" charset="0"/>
+              </a:endParaRPr>
+            </a:p>
+          </p:txBody>
+        </p:sp>
+        <p:sp>
+          <p:nvSpPr>
+            <p:cNvPr id="77" name="Rounded Rectangle 145">
+              <a:extLst>
+                <a:ext uri="{FF2B5EF4-FFF2-40B4-BE49-F238E27FC236}">
+                  <a16:creationId xmlns:a16="http://schemas.microsoft.com/office/drawing/2014/main" id="{34C431F3-6F3B-4166-A677-E717216FFD30}"/>
+                </a:ext>
+              </a:extLst>
+            </p:cNvPr>
+            <p:cNvSpPr/>
+            <p:nvPr/>
+          </p:nvSpPr>
+          <p:spPr>
+            <a:xfrm>
+              <a:off x="10495036" y="35146274"/>
+              <a:ext cx="9360000" cy="6623083"/>
+            </a:xfrm>
+            <a:prstGeom prst="roundRect">
+              <a:avLst>
+                <a:gd name="adj" fmla="val 3718"/>
+              </a:avLst>
+            </a:prstGeom>
+            <a:noFill/>
+            <a:ln w="76200" cap="flat" cmpd="sng" algn="ctr">
+              <a:solidFill>
+                <a:srgbClr val="124872"/>
+              </a:solidFill>
+              <a:prstDash val="solid"/>
+            </a:ln>
+            <a:effectLst/>
+          </p:spPr>
+          <p:txBody>
+            <a:bodyPr rtlCol="1" anchor="ctr"/>
+            <a:lstStyle/>
+            <a:p>
+              <a:pPr algn="ctr" defTabSz="854324" fontAlgn="auto">
+                <a:spcBef>
+                  <a:spcPts val="0"/>
+                </a:spcBef>
+                <a:spcAft>
+                  <a:spcPts val="0"/>
+                </a:spcAft>
+                <a:defRPr/>
+              </a:pPr>
+              <a:endParaRPr lang="he-IL" sz="7661" b="0" kern="0">
+                <a:solidFill>
+                  <a:srgbClr val="FFFFFF"/>
+                </a:solidFill>
+                <a:latin typeface="Arial" panose="020B0604020202020204" pitchFamily="34" charset="0"/>
+                <a:cs typeface="Arial" panose="020B0604020202020204" pitchFamily="34" charset="0"/>
+              </a:endParaRPr>
+            </a:p>
+          </p:txBody>
+        </p:sp>
+        <p:sp>
+          <p:nvSpPr>
+            <p:cNvPr id="79" name="Rectangle 2">
+              <a:extLst>
+                <a:ext uri="{FF2B5EF4-FFF2-40B4-BE49-F238E27FC236}">
+                  <a16:creationId xmlns:a16="http://schemas.microsoft.com/office/drawing/2014/main" id="{10C2173C-B314-4021-8A40-894E771A19DB}"/>
+                </a:ext>
+              </a:extLst>
+            </p:cNvPr>
+            <p:cNvSpPr>
+              <a:spLocks noChangeArrowheads="1"/>
+            </p:cNvSpPr>
+            <p:nvPr/>
+          </p:nvSpPr>
+          <p:spPr bwMode="auto">
+            <a:xfrm>
+              <a:off x="10550101" y="35095124"/>
+              <a:ext cx="8755594" cy="1208903"/>
+            </a:xfrm>
+            <a:prstGeom prst="rect">
+              <a:avLst/>
+            </a:prstGeom>
+            <a:noFill/>
+            <a:ln>
+              <a:noFill/>
+            </a:ln>
+            <a:extLst>
+              <a:ext uri="{909E8E84-426E-40DD-AFC4-6F175D3DCCD1}">
+                <a14:hiddenFill xmlns:a14="http://schemas.microsoft.com/office/drawing/2010/main">
+                  <a:solidFill>
+                    <a:srgbClr val="FFFFFF"/>
+                  </a:solidFill>
+                </a14:hiddenFill>
+              </a:ext>
+              <a:ext uri="{91240B29-F687-4F45-9708-019B960494DF}">
+                <a14:hiddenLine xmlns:a14="http://schemas.microsoft.com/office/drawing/2010/main" w="9525">
+                  <a:solidFill>
+                    <a:srgbClr val="000000"/>
+                  </a:solidFill>
+                  <a:miter lim="800000"/>
+                  <a:headEnd/>
+                  <a:tailEnd/>
+                </a14:hiddenLine>
+              </a:ext>
+            </a:extLst>
+          </p:spPr>
+          <p:txBody>
+            <a:bodyPr anchor="ctr"/>
+            <a:lstStyle/>
+            <a:p>
+              <a:pPr algn="l" defTabSz="3900819" rtl="0"/>
+              <a:r>
+                <a:rPr lang="en-US" sz="5400" dirty="0">
+                  <a:solidFill>
+                    <a:schemeClr val="bg1"/>
+                  </a:solidFill>
+                  <a:latin typeface="Arial" panose="020B0604020202020204" pitchFamily="34" charset="0"/>
+                  <a:cs typeface="Arial" panose="020B0604020202020204" pitchFamily="34" charset="0"/>
+                </a:rPr>
+                <a:t>Our Algorithm</a:t>
+              </a:r>
+            </a:p>
+          </p:txBody>
+        </p:sp>
+        <p:sp>
+          <p:nvSpPr>
+            <p:cNvPr id="80" name="תיבת טקסט 79">
+              <a:extLst>
+                <a:ext uri="{FF2B5EF4-FFF2-40B4-BE49-F238E27FC236}">
+                  <a16:creationId xmlns:a16="http://schemas.microsoft.com/office/drawing/2014/main" id="{0906A5F5-36AA-4A9C-AA1D-A8C6D746EDD7}"/>
+                </a:ext>
+              </a:extLst>
+            </p:cNvPr>
+            <p:cNvSpPr txBox="1"/>
+            <p:nvPr/>
+          </p:nvSpPr>
+          <p:spPr>
+            <a:xfrm>
+              <a:off x="10632237" y="36149128"/>
+              <a:ext cx="9156638" cy="5546711"/>
+            </a:xfrm>
+            <a:prstGeom prst="rect">
+              <a:avLst/>
+            </a:prstGeom>
+            <a:noFill/>
+          </p:spPr>
+          <p:txBody>
+            <a:bodyPr wrap="square" rtlCol="1">
+              <a:spAutoFit/>
+            </a:bodyPr>
+            <a:lstStyle/>
+            <a:p>
+              <a:pPr marL="457200" indent="-457200" algn="l" rtl="0">
+                <a:lnSpc>
+                  <a:spcPct val="150000"/>
+                </a:lnSpc>
+                <a:buFont typeface="Wingdings" panose="05000000000000000000" pitchFamily="2" charset="2"/>
+                <a:buChar char="§"/>
+              </a:pPr>
+              <a:r>
+                <a:rPr lang="en-US" sz="3000" b="0" dirty="0">
+                  <a:solidFill>
+                    <a:srgbClr val="002060"/>
+                  </a:solidFill>
+                  <a:cs typeface="Arial" panose="020B0604020202020204" pitchFamily="34" charset="0"/>
+                </a:rPr>
+                <a:t>The Executor dispatches actions to the Environment.</a:t>
+              </a:r>
+            </a:p>
+            <a:p>
+              <a:pPr marL="457200" indent="-457200" algn="l" rtl="0">
+                <a:lnSpc>
+                  <a:spcPct val="150000"/>
+                </a:lnSpc>
+                <a:buFont typeface="Wingdings" panose="05000000000000000000" pitchFamily="2" charset="2"/>
+                <a:buChar char="§"/>
+              </a:pPr>
+              <a:r>
+                <a:rPr lang="en-US" sz="3000" b="0" dirty="0">
+                  <a:solidFill>
+                    <a:srgbClr val="002060"/>
+                  </a:solidFill>
+                  <a:cs typeface="Arial" panose="020B0604020202020204" pitchFamily="34" charset="0"/>
+                </a:rPr>
+                <a:t>For each action we verify:</a:t>
+              </a:r>
+            </a:p>
+            <a:p>
+              <a:pPr marL="899084" lvl="1" indent="-457200" algn="l" rtl="0">
+                <a:lnSpc>
+                  <a:spcPct val="150000"/>
+                </a:lnSpc>
+                <a:buFont typeface="Courier New" panose="02070309020205020404" pitchFamily="49" charset="0"/>
+                <a:buChar char="o"/>
+              </a:pPr>
+              <a:r>
+                <a:rPr lang="en-US" sz="3000" b="0" dirty="0">
+                  <a:solidFill>
+                    <a:srgbClr val="002060"/>
+                  </a:solidFill>
+                  <a:cs typeface="Arial" panose="020B0604020202020204" pitchFamily="34" charset="0"/>
+                </a:rPr>
+                <a:t>All ancestors are done.</a:t>
+              </a:r>
+            </a:p>
+            <a:p>
+              <a:pPr marL="899084" lvl="1" indent="-457200" algn="l" rtl="0">
+                <a:lnSpc>
+                  <a:spcPct val="150000"/>
+                </a:lnSpc>
+                <a:buFont typeface="Courier New" panose="02070309020205020404" pitchFamily="49" charset="0"/>
+                <a:buChar char="o"/>
+              </a:pPr>
+              <a:r>
+                <a:rPr lang="en-US" sz="3000" b="0" dirty="0">
+                  <a:solidFill>
+                    <a:srgbClr val="002060"/>
+                  </a:solidFill>
+                  <a:cs typeface="Arial" panose="020B0604020202020204" pitchFamily="34" charset="0"/>
+                </a:rPr>
+                <a:t>The next sate of the environment is </a:t>
+              </a:r>
+              <a:r>
+                <a:rPr lang="en-US" sz="3000" b="0" dirty="0">
+                  <a:solidFill>
+                    <a:srgbClr val="002060"/>
+                  </a:solidFill>
+                </a:rPr>
+                <a:t>feasible.</a:t>
+              </a:r>
+            </a:p>
+            <a:p>
+              <a:pPr marL="899084" lvl="1" indent="-457200" algn="l" rtl="0">
+                <a:lnSpc>
+                  <a:spcPct val="150000"/>
+                </a:lnSpc>
+                <a:buFont typeface="Courier New" panose="02070309020205020404" pitchFamily="49" charset="0"/>
+                <a:buChar char="o"/>
+              </a:pPr>
+              <a:r>
+                <a:rPr lang="en-US" sz="3000" b="0" dirty="0">
+                  <a:solidFill>
+                    <a:srgbClr val="002060"/>
+                  </a:solidFill>
+                  <a:cs typeface="Arial" panose="020B0604020202020204" pitchFamily="34" charset="0"/>
+                </a:rPr>
+                <a:t>The action is ready.</a:t>
+              </a:r>
+            </a:p>
+            <a:p>
+              <a:pPr marL="457200" indent="-457200" algn="l" rtl="0">
+                <a:lnSpc>
+                  <a:spcPct val="150000"/>
+                </a:lnSpc>
+                <a:buFont typeface="Wingdings" panose="05000000000000000000" pitchFamily="2" charset="2"/>
+                <a:buChar char="§"/>
+              </a:pPr>
+              <a:r>
+                <a:rPr lang="en-US" sz="3000" b="0" dirty="0">
+                  <a:solidFill>
+                    <a:srgbClr val="002060"/>
+                  </a:solidFill>
+                  <a:cs typeface="Arial" panose="020B0604020202020204" pitchFamily="34" charset="0"/>
+                </a:rPr>
+                <a:t>If one of the verifications failed the algorithm will start replanning the problem.</a:t>
+              </a:r>
+            </a:p>
+          </p:txBody>
+        </p:sp>
+      </p:grpSp>
+      <p:grpSp>
+        <p:nvGrpSpPr>
+          <p:cNvPr id="6" name="קבוצה 5">
+            <a:extLst>
+              <a:ext uri="{FF2B5EF4-FFF2-40B4-BE49-F238E27FC236}">
+                <a16:creationId xmlns:a16="http://schemas.microsoft.com/office/drawing/2014/main" id="{241D6051-9E2A-48E8-85D6-4A26399EB00D}"/>
+              </a:ext>
+            </a:extLst>
+          </p:cNvPr>
+          <p:cNvGrpSpPr/>
+          <p:nvPr/>
+        </p:nvGrpSpPr>
+        <p:grpSpPr>
+          <a:xfrm>
+            <a:off x="10489406" y="17179369"/>
+            <a:ext cx="9368393" cy="8700932"/>
+            <a:chOff x="10639043" y="34280604"/>
+            <a:chExt cx="9368393" cy="6337016"/>
+          </a:xfrm>
+        </p:grpSpPr>
+        <p:sp>
+          <p:nvSpPr>
+            <p:cNvPr id="57" name="Rounded Rectangle 18">
+              <a:extLst>
+                <a:ext uri="{FF2B5EF4-FFF2-40B4-BE49-F238E27FC236}">
+                  <a16:creationId xmlns:a16="http://schemas.microsoft.com/office/drawing/2014/main" id="{776AE775-8732-4068-9709-0D8A29C71F5A}"/>
+                </a:ext>
+              </a:extLst>
+            </p:cNvPr>
+            <p:cNvSpPr/>
+            <p:nvPr/>
+          </p:nvSpPr>
+          <p:spPr>
+            <a:xfrm>
+              <a:off x="10639043" y="34280604"/>
+              <a:ext cx="9368393" cy="814320"/>
+            </a:xfrm>
+            <a:prstGeom prst="roundRect">
+              <a:avLst>
+                <a:gd name="adj" fmla="val 3718"/>
+              </a:avLst>
+            </a:prstGeom>
+            <a:solidFill>
+              <a:srgbClr val="124872"/>
+            </a:solidFill>
+            <a:ln w="76200" cap="flat" cmpd="sng" algn="ctr">
+              <a:solidFill>
+                <a:srgbClr val="124872"/>
+              </a:solidFill>
+              <a:prstDash val="solid"/>
+            </a:ln>
+            <a:effectLst/>
+          </p:spPr>
+          <p:txBody>
+            <a:bodyPr rtlCol="1" anchor="ctr"/>
+            <a:lstStyle/>
+            <a:p>
+              <a:pPr algn="ctr" defTabSz="854324" fontAlgn="auto">
+                <a:spcBef>
+                  <a:spcPts val="0"/>
+                </a:spcBef>
+                <a:spcAft>
+                  <a:spcPts val="0"/>
+                </a:spcAft>
+                <a:defRPr/>
+              </a:pPr>
+              <a:endParaRPr lang="he-IL" sz="7661" b="0" kern="0" dirty="0">
+                <a:solidFill>
+                  <a:srgbClr val="FFFFFF"/>
+                </a:solidFill>
+                <a:latin typeface="Arial" panose="020B0604020202020204" pitchFamily="34" charset="0"/>
+                <a:cs typeface="Arial" panose="020B0604020202020204" pitchFamily="34" charset="0"/>
+              </a:endParaRPr>
+            </a:p>
+          </p:txBody>
+        </p:sp>
+        <p:sp>
+          <p:nvSpPr>
+            <p:cNvPr id="60" name="Rounded Rectangle 145">
+              <a:extLst>
+                <a:ext uri="{FF2B5EF4-FFF2-40B4-BE49-F238E27FC236}">
+                  <a16:creationId xmlns:a16="http://schemas.microsoft.com/office/drawing/2014/main" id="{4BE0CEF9-7C5F-42D9-8755-556767ED5C7F}"/>
+                </a:ext>
+              </a:extLst>
+            </p:cNvPr>
+            <p:cNvSpPr/>
+            <p:nvPr/>
+          </p:nvSpPr>
+          <p:spPr>
+            <a:xfrm>
+              <a:off x="10647436" y="34333130"/>
+              <a:ext cx="9360000" cy="6284490"/>
+            </a:xfrm>
+            <a:prstGeom prst="roundRect">
+              <a:avLst>
+                <a:gd name="adj" fmla="val 3718"/>
+              </a:avLst>
+            </a:prstGeom>
+            <a:noFill/>
+            <a:ln w="76200" cap="flat" cmpd="sng" algn="ctr">
+              <a:solidFill>
+                <a:srgbClr val="124872"/>
+              </a:solidFill>
+              <a:prstDash val="solid"/>
+            </a:ln>
+            <a:effectLst/>
+          </p:spPr>
+          <p:txBody>
+            <a:bodyPr rtlCol="1" anchor="ctr"/>
+            <a:lstStyle/>
+            <a:p>
+              <a:pPr algn="ctr" defTabSz="854324" fontAlgn="auto">
+                <a:spcBef>
+                  <a:spcPts val="0"/>
+                </a:spcBef>
+                <a:spcAft>
+                  <a:spcPts val="0"/>
+                </a:spcAft>
+                <a:defRPr/>
+              </a:pPr>
+              <a:endParaRPr lang="he-IL" sz="7661" b="0" kern="0">
+                <a:solidFill>
+                  <a:srgbClr val="FFFFFF"/>
+                </a:solidFill>
+                <a:latin typeface="Arial" panose="020B0604020202020204" pitchFamily="34" charset="0"/>
+                <a:cs typeface="Arial" panose="020B0604020202020204" pitchFamily="34" charset="0"/>
+              </a:endParaRPr>
+            </a:p>
+          </p:txBody>
+        </p:sp>
+      </p:grpSp>
+      <p:sp>
+        <p:nvSpPr>
+          <p:cNvPr id="65" name="Rectangle 2">
+            <a:extLst>
+              <a:ext uri="{FF2B5EF4-FFF2-40B4-BE49-F238E27FC236}">
+                <a16:creationId xmlns:a16="http://schemas.microsoft.com/office/drawing/2014/main" id="{15BCA10A-AF92-4EEC-8596-B8CF47322D43}"/>
               </a:ext>
             </a:extLst>
           </p:cNvPr>
@@ -6786,8 +7055,8 @@
         </p:nvSpPr>
         <p:spPr bwMode="auto">
           <a:xfrm>
-            <a:off x="10550100" y="24018196"/>
-            <a:ext cx="9119291" cy="425186"/>
+            <a:off x="10699745" y="17097457"/>
+            <a:ext cx="3830619" cy="1208903"/>
           </a:xfrm>
           <a:prstGeom prst="rect">
             <a:avLst/>
@@ -6817,143 +7086,29 @@
           </a:extLst>
         </p:spPr>
         <p:txBody>
-          <a:bodyPr/>
+          <a:bodyPr anchor="ctr"/>
           <a:lstStyle/>
           <a:p>
-            <a:pPr algn="ctr" rtl="0">
-              <a:spcBef>
-                <a:spcPts val="1682"/>
-              </a:spcBef>
-            </a:pPr>
-            <a:r>
-              <a:rPr lang="en-US" sz="2200" b="0" dirty="0">
-                <a:solidFill>
-                  <a:schemeClr val="dk1"/>
+            <a:pPr algn="l" defTabSz="3900819" rtl="0"/>
+            <a:r>
+              <a:rPr lang="en-US" sz="5400" dirty="0">
+                <a:solidFill>
+                  <a:schemeClr val="bg1"/>
                 </a:solidFill>
                 <a:latin typeface="Arial" panose="020B0604020202020204" pitchFamily="34" charset="0"/>
                 <a:cs typeface="Arial" panose="020B0604020202020204" pitchFamily="34" charset="0"/>
               </a:rPr>
-              <a:t>STN example</a:t>
-            </a:r>
-          </a:p>
-        </p:txBody>
-      </p:sp>
-      <p:sp>
-        <p:nvSpPr>
-          <p:cNvPr id="72" name="Rounded Rectangle 18">
+              <a:t>STN graph</a:t>
+            </a:r>
+          </a:p>
+        </p:txBody>
+      </p:sp>
+      <p:sp>
+        <p:nvSpPr>
+          <p:cNvPr id="70" name="Rectangle 4">
             <a:extLst>
               <a:ext uri="{FF2B5EF4-FFF2-40B4-BE49-F238E27FC236}">
-                <a16:creationId xmlns:a16="http://schemas.microsoft.com/office/drawing/2014/main" id="{E6095333-C459-4C1A-B051-1164E8126492}"/>
-              </a:ext>
-            </a:extLst>
-          </p:cNvPr>
-          <p:cNvSpPr/>
-          <p:nvPr/>
-        </p:nvSpPr>
-        <p:spPr>
-          <a:xfrm>
-            <a:off x="10490982" y="25083077"/>
-            <a:ext cx="9360000" cy="1208903"/>
-          </a:xfrm>
-          <a:prstGeom prst="roundRect">
-            <a:avLst>
-              <a:gd name="adj" fmla="val 3718"/>
-            </a:avLst>
-          </a:prstGeom>
-          <a:solidFill>
-            <a:srgbClr val="124872"/>
-          </a:solidFill>
-          <a:ln w="76200" cap="flat" cmpd="sng" algn="ctr">
-            <a:solidFill>
-              <a:srgbClr val="124872"/>
-            </a:solidFill>
-            <a:prstDash val="solid"/>
-          </a:ln>
-          <a:effectLst/>
-        </p:spPr>
-        <p:txBody>
-          <a:bodyPr rtlCol="1" anchor="ctr"/>
-          <a:lstStyle/>
-          <a:p>
-            <a:pPr algn="ctr" defTabSz="854324" fontAlgn="auto">
-              <a:spcBef>
-                <a:spcPts val="0"/>
-              </a:spcBef>
-              <a:spcAft>
-                <a:spcPts val="0"/>
-              </a:spcAft>
-              <a:defRPr/>
-            </a:pPr>
-            <a:endParaRPr lang="he-IL" sz="7661" b="0" kern="0" dirty="0">
-              <a:solidFill>
-                <a:srgbClr val="FFFFFF"/>
-              </a:solidFill>
-              <a:latin typeface="Arial" panose="020B0604020202020204" pitchFamily="34" charset="0"/>
-              <a:cs typeface="Arial" panose="020B0604020202020204" pitchFamily="34" charset="0"/>
-            </a:endParaRPr>
-          </a:p>
-        </p:txBody>
-      </p:sp>
-      <p:sp>
-        <p:nvSpPr>
-          <p:cNvPr id="73" name="Rounded Rectangle 145">
-            <a:extLst>
-              <a:ext uri="{FF2B5EF4-FFF2-40B4-BE49-F238E27FC236}">
-                <a16:creationId xmlns:a16="http://schemas.microsoft.com/office/drawing/2014/main" id="{FCF7BDAB-6689-4DED-814F-836F2619AAE6}"/>
-              </a:ext>
-            </a:extLst>
-          </p:cNvPr>
-          <p:cNvSpPr/>
-          <p:nvPr/>
-        </p:nvSpPr>
-        <p:spPr>
-          <a:xfrm>
-            <a:off x="10507569" y="25083076"/>
-            <a:ext cx="9360000" cy="8628811"/>
-          </a:xfrm>
-          <a:prstGeom prst="roundRect">
-            <a:avLst>
-              <a:gd name="adj" fmla="val 3718"/>
-            </a:avLst>
-          </a:prstGeom>
-          <a:noFill/>
-          <a:ln w="76200" cap="flat" cmpd="sng" algn="ctr">
-            <a:solidFill>
-              <a:srgbClr val="124872"/>
-            </a:solidFill>
-            <a:prstDash val="solid"/>
-          </a:ln>
-          <a:effectLst/>
-        </p:spPr>
-        <p:txBody>
-          <a:bodyPr rtlCol="1" anchor="ctr"/>
-          <a:lstStyle/>
-          <a:p>
-            <a:pPr algn="ctr" defTabSz="854324" fontAlgn="auto">
-              <a:spcBef>
-                <a:spcPts val="0"/>
-              </a:spcBef>
-              <a:spcAft>
-                <a:spcPts val="0"/>
-              </a:spcAft>
-              <a:defRPr/>
-            </a:pPr>
-            <a:endParaRPr lang="he-IL" sz="7661" b="0" kern="0">
-              <a:solidFill>
-                <a:srgbClr val="FFFFFF"/>
-              </a:solidFill>
-              <a:latin typeface="Arial" panose="020B0604020202020204" pitchFamily="34" charset="0"/>
-              <a:cs typeface="Arial" panose="020B0604020202020204" pitchFamily="34" charset="0"/>
-            </a:endParaRPr>
-          </a:p>
-        </p:txBody>
-      </p:sp>
-      <p:sp>
-        <p:nvSpPr>
-          <p:cNvPr id="74" name="Rectangle 2">
-            <a:extLst>
-              <a:ext uri="{FF2B5EF4-FFF2-40B4-BE49-F238E27FC236}">
-                <a16:creationId xmlns:a16="http://schemas.microsoft.com/office/drawing/2014/main" id="{04A8F28B-218B-44CF-AC0D-3208BCFAAF50}"/>
+                <a16:creationId xmlns:a16="http://schemas.microsoft.com/office/drawing/2014/main" id="{F127FDEC-4CAA-4366-991F-0002C96F0DB8}"/>
               </a:ext>
             </a:extLst>
           </p:cNvPr>
@@ -6964,8 +7119,8 @@
         </p:nvSpPr>
         <p:spPr bwMode="auto">
           <a:xfrm>
-            <a:off x="10601114" y="25110640"/>
-            <a:ext cx="8755594" cy="1208903"/>
+            <a:off x="10616115" y="24138938"/>
+            <a:ext cx="8820000" cy="1529084"/>
           </a:xfrm>
           <a:prstGeom prst="rect">
             <a:avLst/>
@@ -6995,49 +7150,7 @@
           </a:extLst>
         </p:spPr>
         <p:txBody>
-          <a:bodyPr anchor="ctr"/>
-          <a:lstStyle/>
-          <a:p>
-            <a:pPr algn="l" defTabSz="3900819" rtl="0"/>
-            <a:r>
-              <a:rPr lang="en-US" sz="5400" dirty="0">
-                <a:solidFill>
-                  <a:schemeClr val="bg1"/>
-                </a:solidFill>
-                <a:latin typeface="Arial" panose="020B0604020202020204" pitchFamily="34" charset="0"/>
-                <a:cs typeface="Arial" panose="020B0604020202020204" pitchFamily="34" charset="0"/>
-              </a:rPr>
-              <a:t>Real-Time Interrupts</a:t>
-            </a:r>
-          </a:p>
-        </p:txBody>
-      </p:sp>
-      <p:sp>
-        <p:nvSpPr>
-          <p:cNvPr id="75" name="תיבת טקסט 74">
-            <a:extLst>
-              <a:ext uri="{FF2B5EF4-FFF2-40B4-BE49-F238E27FC236}">
-                <a16:creationId xmlns:a16="http://schemas.microsoft.com/office/drawing/2014/main" id="{2C2D4546-1CF0-480F-BD20-C88E64BE936D}"/>
-              </a:ext>
-            </a:extLst>
-          </p:cNvPr>
-          <p:cNvSpPr txBox="1"/>
-          <p:nvPr/>
-        </p:nvSpPr>
-        <p:spPr>
-          <a:xfrm>
-            <a:off x="10574166" y="26473614"/>
-            <a:ext cx="8858357" cy="6931706"/>
-          </a:xfrm>
-          <a:prstGeom prst="rect">
-            <a:avLst/>
-          </a:prstGeom>
-          <a:noFill/>
-        </p:spPr>
-        <p:txBody>
-          <a:bodyPr wrap="square" rtlCol="1">
-            <a:spAutoFit/>
-          </a:bodyPr>
+          <a:bodyPr/>
           <a:lstStyle/>
           <a:p>
             <a:pPr marL="457200" indent="-457200" algn="l" rtl="0">
@@ -7047,14 +7160,11 @@
               <a:buFont typeface="Wingdings" panose="05000000000000000000" pitchFamily="2" charset="2"/>
               <a:buChar char="§"/>
             </a:pPr>
-            <a:r>
-              <a:rPr lang="en-US" sz="3000" b="0" dirty="0">
-                <a:solidFill>
-                  <a:srgbClr val="002060"/>
-                </a:solidFill>
-              </a:rPr>
-              <a:t>The interrupts module create random disorders which delay actions in real-time. This module is part of the Environment block.</a:t>
-            </a:r>
+            <a:endParaRPr lang="en-US" sz="3000" b="0" dirty="0">
+              <a:solidFill>
+                <a:srgbClr val="002060"/>
+              </a:solidFill>
+            </a:endParaRPr>
           </a:p>
           <a:p>
             <a:pPr marL="457200" indent="-457200" algn="l" rtl="0">
@@ -7064,181 +7174,32 @@
               <a:buFont typeface="Wingdings" panose="05000000000000000000" pitchFamily="2" charset="2"/>
               <a:buChar char="§"/>
             </a:pPr>
-            <a:r>
-              <a:rPr lang="en-US" sz="3000" b="0" dirty="0">
-                <a:solidFill>
-                  <a:srgbClr val="002060"/>
-                </a:solidFill>
-              </a:rPr>
-              <a:t>The delays can be resolved in one of two ways:</a:t>
-            </a:r>
-          </a:p>
-          <a:p>
-            <a:pPr marL="514350" indent="-514350" algn="l" rtl="0">
+            <a:endParaRPr lang="en-US" sz="3000" b="0" dirty="0">
+              <a:solidFill>
+                <a:srgbClr val="002060"/>
+              </a:solidFill>
+            </a:endParaRPr>
+          </a:p>
+          <a:p>
+            <a:pPr algn="l" rtl="0">
               <a:lnSpc>
                 <a:spcPct val="150000"/>
               </a:lnSpc>
-              <a:buAutoNum type="arabicPeriod"/>
             </a:pPr>
-            <a:r>
-              <a:rPr lang="en-US" sz="3000" dirty="0">
-                <a:solidFill>
-                  <a:srgbClr val="002060"/>
-                </a:solidFill>
-              </a:rPr>
-              <a:t>Stretching the STN graph </a:t>
-            </a:r>
-            <a:r>
-              <a:rPr lang="en-US" sz="3000" b="0" dirty="0">
-                <a:solidFill>
-                  <a:srgbClr val="002060"/>
-                </a:solidFill>
-              </a:rPr>
-              <a:t>- meaning that the delay causes a time shifting for all the graph, but the problem is still feasible.</a:t>
-            </a:r>
-          </a:p>
-          <a:p>
-            <a:pPr marL="514350" indent="-514350" algn="l" rtl="0">
-              <a:lnSpc>
-                <a:spcPct val="150000"/>
-              </a:lnSpc>
-              <a:buAutoNum type="arabicPeriod"/>
-            </a:pPr>
-            <a:r>
-              <a:rPr lang="en-US" sz="3000" dirty="0">
-                <a:solidFill>
-                  <a:srgbClr val="002060"/>
-                </a:solidFill>
-              </a:rPr>
-              <a:t>Replanning of the problem </a:t>
-            </a:r>
-            <a:r>
-              <a:rPr lang="en-US" sz="3000" b="0" dirty="0">
-                <a:solidFill>
-                  <a:srgbClr val="002060"/>
-                </a:solidFill>
-              </a:rPr>
-              <a:t>– the problem isn’t feasible, and we need to plan a new STN graph with the new delay.</a:t>
-            </a:r>
-          </a:p>
-        </p:txBody>
-      </p:sp>
-      <p:sp>
-        <p:nvSpPr>
-          <p:cNvPr id="76" name="Rounded Rectangle 18">
+            <a:endParaRPr lang="en-US" sz="1800" dirty="0">
+              <a:solidFill>
+                <a:srgbClr val="002060"/>
+              </a:solidFill>
+            </a:endParaRPr>
+          </a:p>
+        </p:txBody>
+      </p:sp>
+      <p:sp>
+        <p:nvSpPr>
+          <p:cNvPr id="78" name="Rectangle 4">
             <a:extLst>
               <a:ext uri="{FF2B5EF4-FFF2-40B4-BE49-F238E27FC236}">
-                <a16:creationId xmlns:a16="http://schemas.microsoft.com/office/drawing/2014/main" id="{46FE5675-BA5F-4978-BCEC-2CC868C32F65}"/>
-              </a:ext>
-            </a:extLst>
-          </p:cNvPr>
-          <p:cNvSpPr/>
-          <p:nvPr/>
-        </p:nvSpPr>
-        <p:spPr>
-          <a:xfrm>
-            <a:off x="10497163" y="34180730"/>
-            <a:ext cx="9320837" cy="1094694"/>
-          </a:xfrm>
-          <a:prstGeom prst="roundRect">
-            <a:avLst>
-              <a:gd name="adj" fmla="val 3718"/>
-            </a:avLst>
-          </a:prstGeom>
-          <a:solidFill>
-            <a:srgbClr val="124872"/>
-          </a:solidFill>
-          <a:ln w="76200" cap="flat" cmpd="sng" algn="ctr">
-            <a:solidFill>
-              <a:srgbClr val="124872"/>
-            </a:solidFill>
-            <a:prstDash val="solid"/>
-          </a:ln>
-          <a:effectLst/>
-        </p:spPr>
-        <p:txBody>
-          <a:bodyPr rtlCol="1" anchor="ctr"/>
-          <a:lstStyle/>
-          <a:p>
-            <a:pPr algn="ctr" defTabSz="854324" fontAlgn="auto">
-              <a:spcBef>
-                <a:spcPts val="0"/>
-              </a:spcBef>
-              <a:spcAft>
-                <a:spcPts val="0"/>
-              </a:spcAft>
-              <a:defRPr/>
-            </a:pPr>
-            <a:endParaRPr lang="he-IL" sz="7661" b="0" kern="0" dirty="0">
-              <a:solidFill>
-                <a:srgbClr val="FFFFFF"/>
-              </a:solidFill>
-              <a:latin typeface="Arial" panose="020B0604020202020204" pitchFamily="34" charset="0"/>
-              <a:cs typeface="Arial" panose="020B0604020202020204" pitchFamily="34" charset="0"/>
-            </a:endParaRPr>
-          </a:p>
-        </p:txBody>
-      </p:sp>
-      <p:sp>
-        <p:nvSpPr>
-          <p:cNvPr id="77" name="Rounded Rectangle 145">
-            <a:extLst>
-              <a:ext uri="{FF2B5EF4-FFF2-40B4-BE49-F238E27FC236}">
-                <a16:creationId xmlns:a16="http://schemas.microsoft.com/office/drawing/2014/main" id="{34C431F3-6F3B-4166-A677-E717216FFD30}"/>
-              </a:ext>
-            </a:extLst>
-          </p:cNvPr>
-          <p:cNvSpPr/>
-          <p:nvPr/>
-        </p:nvSpPr>
-        <p:spPr>
-          <a:xfrm>
-            <a:off x="10495036" y="34180730"/>
-            <a:ext cx="9360000" cy="7588628"/>
-          </a:xfrm>
-          <a:prstGeom prst="roundRect">
-            <a:avLst>
-              <a:gd name="adj" fmla="val 3718"/>
-            </a:avLst>
-          </a:prstGeom>
-          <a:noFill/>
-          <a:ln w="76200" cap="flat" cmpd="sng" algn="ctr">
-            <a:solidFill>
-              <a:srgbClr val="124872"/>
-            </a:solidFill>
-            <a:prstDash val="solid"/>
-          </a:ln>
-          <a:effectLst/>
-        </p:spPr>
-        <p:txBody>
-          <a:bodyPr rtlCol="1" anchor="ctr"/>
-          <a:lstStyle/>
-          <a:p>
-            <a:pPr algn="ctr" defTabSz="854324" fontAlgn="auto">
-              <a:spcBef>
-                <a:spcPts val="0"/>
-              </a:spcBef>
-              <a:spcAft>
-                <a:spcPts val="0"/>
-              </a:spcAft>
-              <a:defRPr/>
-            </a:pPr>
-            <a:endParaRPr lang="he-IL" sz="7661" b="0" kern="0">
-              <a:solidFill>
-                <a:srgbClr val="FFFFFF"/>
-              </a:solidFill>
-              <a:latin typeface="Arial" panose="020B0604020202020204" pitchFamily="34" charset="0"/>
-              <a:cs typeface="Arial" panose="020B0604020202020204" pitchFamily="34" charset="0"/>
-            </a:endParaRPr>
-          </a:p>
-        </p:txBody>
-      </p:sp>
-      <p:sp>
-        <p:nvSpPr>
-          <p:cNvPr id="79" name="Rectangle 2">
-            <a:extLst>
-              <a:ext uri="{FF2B5EF4-FFF2-40B4-BE49-F238E27FC236}">
-                <a16:creationId xmlns:a16="http://schemas.microsoft.com/office/drawing/2014/main" id="{10C2173C-B314-4021-8A40-894E771A19DB}"/>
+                <a16:creationId xmlns:a16="http://schemas.microsoft.com/office/drawing/2014/main" id="{90233474-329F-42A6-ADE8-E7938A710C3F}"/>
               </a:ext>
             </a:extLst>
           </p:cNvPr>
@@ -7249,8 +7210,8 @@
         </p:nvSpPr>
         <p:spPr bwMode="auto">
           <a:xfrm>
-            <a:off x="10593243" y="34210538"/>
-            <a:ext cx="8755594" cy="1208903"/>
+            <a:off x="10616115" y="24294968"/>
+            <a:ext cx="8820000" cy="1529084"/>
           </a:xfrm>
           <a:prstGeom prst="rect">
             <a:avLst/>
@@ -7280,49 +7241,7 @@
           </a:extLst>
         </p:spPr>
         <p:txBody>
-          <a:bodyPr anchor="ctr"/>
-          <a:lstStyle/>
-          <a:p>
-            <a:pPr algn="l" defTabSz="3900819" rtl="0"/>
-            <a:r>
-              <a:rPr lang="en-US" sz="5400" dirty="0">
-                <a:solidFill>
-                  <a:schemeClr val="bg1"/>
-                </a:solidFill>
-                <a:latin typeface="Arial" panose="020B0604020202020204" pitchFamily="34" charset="0"/>
-                <a:cs typeface="Arial" panose="020B0604020202020204" pitchFamily="34" charset="0"/>
-              </a:rPr>
-              <a:t>Our Algorithm</a:t>
-            </a:r>
-          </a:p>
-        </p:txBody>
-      </p:sp>
-      <p:sp>
-        <p:nvSpPr>
-          <p:cNvPr id="80" name="תיבת טקסט 79">
-            <a:extLst>
-              <a:ext uri="{FF2B5EF4-FFF2-40B4-BE49-F238E27FC236}">
-                <a16:creationId xmlns:a16="http://schemas.microsoft.com/office/drawing/2014/main" id="{0906A5F5-36AA-4A9C-AA1D-A8C6D746EDD7}"/>
-              </a:ext>
-            </a:extLst>
-          </p:cNvPr>
-          <p:cNvSpPr txBox="1"/>
-          <p:nvPr/>
-        </p:nvSpPr>
-        <p:spPr>
-          <a:xfrm>
-            <a:off x="10616115" y="35570493"/>
-            <a:ext cx="9156638" cy="5546711"/>
-          </a:xfrm>
-          <a:prstGeom prst="rect">
-            <a:avLst/>
-          </a:prstGeom>
-          <a:noFill/>
-        </p:spPr>
-        <p:txBody>
-          <a:bodyPr wrap="square" rtlCol="1">
-            <a:spAutoFit/>
-          </a:bodyPr>
+          <a:bodyPr/>
           <a:lstStyle/>
           <a:p>
             <a:pPr marL="457200" indent="-457200" algn="l" rtl="0">
@@ -7337,9 +7256,8 @@
                 <a:solidFill>
                   <a:srgbClr val="002060"/>
                 </a:solidFill>
-                <a:cs typeface="Arial" panose="020B0604020202020204" pitchFamily="34" charset="0"/>
               </a:rPr>
-              <a:t>The Executor dispatches actions to the Environment.</a:t>
+              <a:t>An action can’t be executed if not all her ancestors are finished.</a:t>
             </a:r>
           </a:p>
           <a:p>
@@ -7350,104 +7268,242 @@
               <a:buFont typeface="Wingdings" panose="05000000000000000000" pitchFamily="2" charset="2"/>
               <a:buChar char="§"/>
             </a:pPr>
-            <a:r>
-              <a:rPr lang="en-US" sz="3000" b="0" dirty="0">
-                <a:solidFill>
-                  <a:srgbClr val="002060"/>
-                </a:solidFill>
-                <a:cs typeface="Arial" panose="020B0604020202020204" pitchFamily="34" charset="0"/>
-              </a:rPr>
-              <a:t>For each action we verify:</a:t>
-            </a:r>
-          </a:p>
-          <a:p>
-            <a:pPr marL="899084" lvl="1" indent="-457200" algn="l" rtl="0">
+            <a:endParaRPr lang="en-US" sz="3000" b="0" dirty="0">
+              <a:solidFill>
+                <a:srgbClr val="002060"/>
+              </a:solidFill>
+            </a:endParaRPr>
+          </a:p>
+          <a:p>
+            <a:pPr algn="l" rtl="0">
               <a:lnSpc>
                 <a:spcPct val="150000"/>
               </a:lnSpc>
-              <a:buFont typeface="Courier New" panose="02070309020205020404" pitchFamily="49" charset="0"/>
-              <a:buChar char="o"/>
             </a:pPr>
-            <a:r>
-              <a:rPr lang="en-US" sz="3000" b="0" dirty="0">
-                <a:solidFill>
-                  <a:srgbClr val="002060"/>
-                </a:solidFill>
+            <a:endParaRPr lang="en-US" sz="3000" b="0" dirty="0">
+              <a:solidFill>
+                <a:srgbClr val="002060"/>
+              </a:solidFill>
+            </a:endParaRPr>
+          </a:p>
+        </p:txBody>
+      </p:sp>
+      <p:grpSp>
+        <p:nvGrpSpPr>
+          <p:cNvPr id="14" name="קבוצה 13">
+            <a:extLst>
+              <a:ext uri="{FF2B5EF4-FFF2-40B4-BE49-F238E27FC236}">
+                <a16:creationId xmlns:a16="http://schemas.microsoft.com/office/drawing/2014/main" id="{D2D2B7E6-4CD9-4B85-8181-D5573E6DCFFC}"/>
+              </a:ext>
+            </a:extLst>
+          </p:cNvPr>
+          <p:cNvGrpSpPr/>
+          <p:nvPr/>
+        </p:nvGrpSpPr>
+        <p:grpSpPr>
+          <a:xfrm>
+            <a:off x="10559680" y="33340708"/>
+            <a:ext cx="9360001" cy="8442792"/>
+            <a:chOff x="20285999" y="8599257"/>
+            <a:chExt cx="9360001" cy="8442792"/>
+          </a:xfrm>
+        </p:grpSpPr>
+        <p:sp>
+          <p:nvSpPr>
+            <p:cNvPr id="154" name="Rounded Rectangle 199"/>
+            <p:cNvSpPr/>
+            <p:nvPr/>
+          </p:nvSpPr>
+          <p:spPr>
+            <a:xfrm>
+              <a:off x="20286000" y="8640736"/>
+              <a:ext cx="9360000" cy="8401313"/>
+            </a:xfrm>
+            <a:prstGeom prst="roundRect">
+              <a:avLst>
+                <a:gd name="adj" fmla="val 2631"/>
+              </a:avLst>
+            </a:prstGeom>
+            <a:noFill/>
+            <a:ln w="76200" cap="flat" cmpd="sng" algn="ctr">
+              <a:solidFill>
+                <a:srgbClr val="124872"/>
+              </a:solidFill>
+              <a:prstDash val="solid"/>
+            </a:ln>
+            <a:effectLst/>
+          </p:spPr>
+          <p:txBody>
+            <a:bodyPr rtlCol="1" anchor="ctr"/>
+            <a:lstStyle/>
+            <a:p>
+              <a:pPr algn="ctr" defTabSz="854324" fontAlgn="auto">
+                <a:spcBef>
+                  <a:spcPts val="0"/>
+                </a:spcBef>
+                <a:spcAft>
+                  <a:spcPts val="0"/>
+                </a:spcAft>
+                <a:defRPr/>
+              </a:pPr>
+              <a:endParaRPr lang="he-IL" sz="7661" b="0" kern="0">
+                <a:solidFill>
+                  <a:srgbClr val="FFFFFF"/>
+                </a:solidFill>
+                <a:latin typeface="Arial" panose="020B0604020202020204" pitchFamily="34" charset="0"/>
                 <a:cs typeface="Arial" panose="020B0604020202020204" pitchFamily="34" charset="0"/>
-              </a:rPr>
-              <a:t>All ancestors are done.</a:t>
-            </a:r>
-          </a:p>
-          <a:p>
-            <a:pPr marL="899084" lvl="1" indent="-457200" algn="l" rtl="0">
-              <a:lnSpc>
-                <a:spcPct val="150000"/>
-              </a:lnSpc>
-              <a:buFont typeface="Courier New" panose="02070309020205020404" pitchFamily="49" charset="0"/>
-              <a:buChar char="o"/>
-            </a:pPr>
-            <a:r>
-              <a:rPr lang="en-US" sz="3000" b="0" dirty="0">
-                <a:solidFill>
-                  <a:srgbClr val="002060"/>
-                </a:solidFill>
-                <a:cs typeface="Arial" panose="020B0604020202020204" pitchFamily="34" charset="0"/>
-              </a:rPr>
-              <a:t>The next sate of the environment is </a:t>
-            </a:r>
-            <a:r>
-              <a:rPr lang="en-US" sz="3000" b="0" dirty="0">
-                <a:solidFill>
-                  <a:srgbClr val="002060"/>
-                </a:solidFill>
-              </a:rPr>
-              <a:t>feasible.</a:t>
-            </a:r>
-          </a:p>
-          <a:p>
-            <a:pPr marL="899084" lvl="1" indent="-457200" algn="l" rtl="0">
-              <a:lnSpc>
-                <a:spcPct val="150000"/>
-              </a:lnSpc>
-              <a:buFont typeface="Courier New" panose="02070309020205020404" pitchFamily="49" charset="0"/>
-              <a:buChar char="o"/>
-            </a:pPr>
-            <a:r>
-              <a:rPr lang="en-US" sz="3000" b="0" dirty="0">
-                <a:solidFill>
-                  <a:srgbClr val="002060"/>
-                </a:solidFill>
-                <a:cs typeface="Arial" panose="020B0604020202020204" pitchFamily="34" charset="0"/>
-              </a:rPr>
-              <a:t>The action is ready.</a:t>
-            </a:r>
-          </a:p>
-          <a:p>
-            <a:pPr marL="457200" indent="-457200" algn="l" rtl="0">
-              <a:lnSpc>
-                <a:spcPct val="150000"/>
-              </a:lnSpc>
-              <a:buFont typeface="Wingdings" panose="05000000000000000000" pitchFamily="2" charset="2"/>
-              <a:buChar char="§"/>
-            </a:pPr>
-            <a:r>
-              <a:rPr lang="en-US" sz="3000" b="0" dirty="0">
-                <a:solidFill>
-                  <a:srgbClr val="002060"/>
-                </a:solidFill>
-                <a:cs typeface="Arial" panose="020B0604020202020204" pitchFamily="34" charset="0"/>
-              </a:rPr>
-              <a:t>If one of the verifications failed the algorithm will start replanning the problem.</a:t>
-            </a:r>
-          </a:p>
-        </p:txBody>
-      </p:sp>
+              </a:endParaRPr>
+            </a:p>
+          </p:txBody>
+        </p:sp>
+        <p:grpSp>
+          <p:nvGrpSpPr>
+            <p:cNvPr id="13" name="קבוצה 12">
+              <a:extLst>
+                <a:ext uri="{FF2B5EF4-FFF2-40B4-BE49-F238E27FC236}">
+                  <a16:creationId xmlns:a16="http://schemas.microsoft.com/office/drawing/2014/main" id="{7E0C1FB2-83A9-4A2E-A853-B81BAFEB1611}"/>
+                </a:ext>
+              </a:extLst>
+            </p:cNvPr>
+            <p:cNvGrpSpPr/>
+            <p:nvPr/>
+          </p:nvGrpSpPr>
+          <p:grpSpPr>
+            <a:xfrm>
+              <a:off x="20285999" y="8599257"/>
+              <a:ext cx="9360000" cy="1208903"/>
+              <a:chOff x="20285999" y="8599257"/>
+              <a:chExt cx="9360000" cy="1208903"/>
+            </a:xfrm>
+          </p:grpSpPr>
+          <p:sp>
+            <p:nvSpPr>
+              <p:cNvPr id="82" name="Rounded Rectangle 18">
+                <a:extLst>
+                  <a:ext uri="{FF2B5EF4-FFF2-40B4-BE49-F238E27FC236}">
+                    <a16:creationId xmlns:a16="http://schemas.microsoft.com/office/drawing/2014/main" id="{4DAA0496-E26F-4AC8-A5BE-A71DF489696C}"/>
+                  </a:ext>
+                </a:extLst>
+              </p:cNvPr>
+              <p:cNvSpPr/>
+              <p:nvPr/>
+            </p:nvSpPr>
+            <p:spPr>
+              <a:xfrm>
+                <a:off x="20285999" y="8639228"/>
+                <a:ext cx="9360000" cy="1128962"/>
+              </a:xfrm>
+              <a:prstGeom prst="roundRect">
+                <a:avLst>
+                  <a:gd name="adj" fmla="val 3718"/>
+                </a:avLst>
+              </a:prstGeom>
+              <a:solidFill>
+                <a:srgbClr val="124872"/>
+              </a:solidFill>
+              <a:ln w="76200" cap="flat" cmpd="sng" algn="ctr">
+                <a:solidFill>
+                  <a:srgbClr val="124872"/>
+                </a:solidFill>
+                <a:prstDash val="solid"/>
+              </a:ln>
+              <a:effectLst/>
+            </p:spPr>
+            <p:txBody>
+              <a:bodyPr rtlCol="1" anchor="ctr"/>
+              <a:lstStyle/>
+              <a:p>
+                <a:pPr algn="ctr" defTabSz="854324" fontAlgn="auto">
+                  <a:spcBef>
+                    <a:spcPts val="0"/>
+                  </a:spcBef>
+                  <a:spcAft>
+                    <a:spcPts val="0"/>
+                  </a:spcAft>
+                  <a:defRPr/>
+                </a:pPr>
+                <a:endParaRPr lang="he-IL" sz="7661" b="0" kern="0">
+                  <a:solidFill>
+                    <a:srgbClr val="FFFFFF"/>
+                  </a:solidFill>
+                  <a:latin typeface="Arial" panose="020B0604020202020204" pitchFamily="34" charset="0"/>
+                  <a:cs typeface="Arial" panose="020B0604020202020204" pitchFamily="34" charset="0"/>
+                </a:endParaRPr>
+              </a:p>
+            </p:txBody>
+          </p:sp>
+          <p:sp>
+            <p:nvSpPr>
+              <p:cNvPr id="90" name="Rectangle 2">
+                <a:extLst>
+                  <a:ext uri="{FF2B5EF4-FFF2-40B4-BE49-F238E27FC236}">
+                    <a16:creationId xmlns:a16="http://schemas.microsoft.com/office/drawing/2014/main" id="{4FD4D298-00B6-4E66-88EB-6990B0D31870}"/>
+                  </a:ext>
+                </a:extLst>
+              </p:cNvPr>
+              <p:cNvSpPr>
+                <a:spLocks noChangeArrowheads="1"/>
+              </p:cNvSpPr>
+              <p:nvPr/>
+            </p:nvSpPr>
+            <p:spPr bwMode="auto">
+              <a:xfrm>
+                <a:off x="20413861" y="8599257"/>
+                <a:ext cx="8820000" cy="1208903"/>
+              </a:xfrm>
+              <a:prstGeom prst="rect">
+                <a:avLst/>
+              </a:prstGeom>
+              <a:noFill/>
+              <a:ln>
+                <a:noFill/>
+              </a:ln>
+              <a:extLst>
+                <a:ext uri="{909E8E84-426E-40DD-AFC4-6F175D3DCCD1}">
+                  <a14:hiddenFill xmlns:a14="http://schemas.microsoft.com/office/drawing/2010/main">
+                    <a:solidFill>
+                      <a:srgbClr val="FFFFFF"/>
+                    </a:solidFill>
+                  </a14:hiddenFill>
+                </a:ext>
+                <a:ext uri="{91240B29-F687-4F45-9708-019B960494DF}">
+                  <a14:hiddenLine xmlns:a14="http://schemas.microsoft.com/office/drawing/2010/main" w="9525">
+                    <a:solidFill>
+                      <a:srgbClr val="000000"/>
+                    </a:solidFill>
+                    <a:miter lim="800000"/>
+                    <a:headEnd/>
+                    <a:tailEnd/>
+                  </a14:hiddenLine>
+                </a:ext>
+              </a:extLst>
+            </p:spPr>
+            <p:txBody>
+              <a:bodyPr anchor="ctr"/>
+              <a:lstStyle/>
+              <a:p>
+                <a:pPr algn="l" defTabSz="3900819" rtl="0"/>
+                <a:r>
+                  <a:rPr lang="en-US" sz="5400" dirty="0">
+                    <a:solidFill>
+                      <a:schemeClr val="bg1"/>
+                    </a:solidFill>
+                    <a:latin typeface="Arial" panose="020B0604020202020204" pitchFamily="34" charset="0"/>
+                    <a:cs typeface="Arial" panose="020B0604020202020204" pitchFamily="34" charset="0"/>
+                  </a:rPr>
+                  <a:t>Block Diagram</a:t>
+                </a:r>
+              </a:p>
+            </p:txBody>
+          </p:sp>
+        </p:grpSp>
+      </p:grpSp>
       <p:pic>
         <p:nvPicPr>
-          <p:cNvPr id="81" name="תמונה 80">
+          <p:cNvPr id="92" name="תמונה 91">
             <a:extLst>
               <a:ext uri="{FF2B5EF4-FFF2-40B4-BE49-F238E27FC236}">
-                <a16:creationId xmlns:a16="http://schemas.microsoft.com/office/drawing/2014/main" id="{A90E4952-E3FC-43ED-967A-FAC8F899CD84}"/>
+                <a16:creationId xmlns:a16="http://schemas.microsoft.com/office/drawing/2014/main" id="{98ED756E-33D4-45CA-BA35-22782D209441}"/>
               </a:ext>
             </a:extLst>
           </p:cNvPr>
@@ -7464,8 +7520,8 @@
         </p:blipFill>
         <p:spPr>
           <a:xfrm>
-            <a:off x="20592000" y="10287427"/>
-            <a:ext cx="8536243" cy="4172669"/>
+            <a:off x="10841623" y="34787549"/>
+            <a:ext cx="8536243" cy="4554821"/>
           </a:xfrm>
           <a:prstGeom prst="rect">
             <a:avLst/>
@@ -7474,116 +7530,31 @@
       </p:pic>
       <p:sp>
         <p:nvSpPr>
-          <p:cNvPr id="83" name="Rectangle 4">
+          <p:cNvPr id="94" name="תיבת טקסט 93">
             <a:extLst>
               <a:ext uri="{FF2B5EF4-FFF2-40B4-BE49-F238E27FC236}">
-                <a16:creationId xmlns:a16="http://schemas.microsoft.com/office/drawing/2014/main" id="{1A431C15-4268-4D4D-B729-23A2D92FB755}"/>
+                <a16:creationId xmlns:a16="http://schemas.microsoft.com/office/drawing/2014/main" id="{5BD2439A-E610-411D-B41B-73078DD99DCD}"/>
               </a:ext>
             </a:extLst>
           </p:cNvPr>
-          <p:cNvSpPr>
-            <a:spLocks noChangeArrowheads="1"/>
-          </p:cNvSpPr>
+          <p:cNvSpPr txBox="1"/>
           <p:nvPr/>
         </p:nvSpPr>
-        <p:spPr bwMode="auto">
+        <p:spPr>
           <a:xfrm>
-            <a:off x="20560893" y="14237281"/>
-            <a:ext cx="8820000" cy="5833067"/>
+            <a:off x="10763042" y="39738105"/>
+            <a:ext cx="9156638" cy="1391728"/>
           </a:xfrm>
           <a:prstGeom prst="rect">
             <a:avLst/>
           </a:prstGeom>
           <a:noFill/>
-          <a:ln>
-            <a:noFill/>
-          </a:ln>
-          <a:extLst>
-            <a:ext uri="{909E8E84-426E-40DD-AFC4-6F175D3DCCD1}">
-              <a14:hiddenFill xmlns:a14="http://schemas.microsoft.com/office/drawing/2010/main">
-                <a:solidFill>
-                  <a:srgbClr val="FFFFFF"/>
-                </a:solidFill>
-              </a14:hiddenFill>
-            </a:ext>
-            <a:ext uri="{91240B29-F687-4F45-9708-019B960494DF}">
-              <a14:hiddenLine xmlns:a14="http://schemas.microsoft.com/office/drawing/2010/main" w="9525">
-                <a:solidFill>
-                  <a:srgbClr val="000000"/>
-                </a:solidFill>
-                <a:miter lim="800000"/>
-                <a:headEnd/>
-                <a:tailEnd/>
-              </a14:hiddenLine>
-            </a:ext>
-          </a:extLst>
-        </p:spPr>
-        <p:txBody>
-          <a:bodyPr/>
+        </p:spPr>
+        <p:txBody>
+          <a:bodyPr wrap="square" rtlCol="1">
+            <a:spAutoFit/>
+          </a:bodyPr>
           <a:lstStyle/>
-          <a:p>
-            <a:pPr algn="l" rtl="0">
-              <a:lnSpc>
-                <a:spcPct val="150000"/>
-              </a:lnSpc>
-            </a:pPr>
-            <a:r>
-              <a:rPr lang="en-US" sz="3000" b="0" dirty="0">
-                <a:solidFill>
-                  <a:srgbClr val="002060"/>
-                </a:solidFill>
-              </a:rPr>
-              <a:t>Offline Planner – is the Offline </a:t>
-            </a:r>
-            <a:r>
-              <a:rPr lang="en-US" sz="3000" b="0" dirty="0" err="1">
-                <a:solidFill>
-                  <a:srgbClr val="002060"/>
-                </a:solidFill>
-              </a:rPr>
-              <a:t>Algorithm.Program</a:t>
-            </a:r>
-            <a:r>
-              <a:rPr lang="en-US" sz="3000" b="0" dirty="0">
-                <a:solidFill>
-                  <a:srgbClr val="002060"/>
-                </a:solidFill>
-              </a:rPr>
-              <a:t> manager – is the linking chain between the offline algorithm and the online algorithm. Responsible for creating the different modules and their </a:t>
-            </a:r>
-            <a:r>
-              <a:rPr lang="en-US" sz="3000" b="0" dirty="0" err="1">
-                <a:solidFill>
-                  <a:srgbClr val="002060"/>
-                </a:solidFill>
-              </a:rPr>
-              <a:t>connections.Controller</a:t>
-            </a:r>
-            <a:r>
-              <a:rPr lang="en-US" sz="3000" b="0" dirty="0">
-                <a:solidFill>
-                  <a:srgbClr val="002060"/>
-                </a:solidFill>
-              </a:rPr>
-              <a:t> – is the control tower. The controller decides on the next actions that will be sent to the environment for execution. The main data structure that it uses is a STN </a:t>
-            </a:r>
-            <a:r>
-              <a:rPr lang="en-US" sz="3000" b="0" dirty="0" err="1">
-                <a:solidFill>
-                  <a:srgbClr val="002060"/>
-                </a:solidFill>
-              </a:rPr>
-              <a:t>graph:The</a:t>
-            </a:r>
-            <a:r>
-              <a:rPr lang="en-US" sz="3000" b="0" dirty="0">
-                <a:solidFill>
-                  <a:srgbClr val="002060"/>
-                </a:solidFill>
-              </a:rPr>
-              <a:t> offline output is a STN graph in a table configuration. The controller transforms the table to an a-cyclic directed graph.</a:t>
-            </a:r>
-          </a:p>
           <a:p>
             <a:pPr marL="457200" indent="-457200" algn="l" rtl="0">
               <a:lnSpc>
@@ -7592,7 +7563,17 @@
               <a:buFont typeface="Wingdings" panose="05000000000000000000" pitchFamily="2" charset="2"/>
               <a:buChar char="§"/>
             </a:pPr>
-            <a:endParaRPr lang="en-US" sz="2990" b="0" dirty="0">
+            <a:r>
+              <a:rPr lang="en-US" sz="3000" b="0" dirty="0">
+                <a:solidFill>
+                  <a:srgbClr val="000060"/>
+                </a:solidFill>
+                <a:latin typeface="Arial" panose="020B0604020202020204" pitchFamily="34" charset="0"/>
+                <a:cs typeface="Arial" panose="020B0604020202020204" pitchFamily="34" charset="0"/>
+              </a:rPr>
+              <a:t>The blue blocks constitute the Executor.</a:t>
+            </a:r>
+            <a:endParaRPr lang="en-US" sz="1400" b="0" dirty="0">
               <a:solidFill>
                 <a:srgbClr val="000060"/>
               </a:solidFill>
@@ -7600,8 +7581,625 @@
               <a:cs typeface="Arial" panose="020B0604020202020204" pitchFamily="34" charset="0"/>
             </a:endParaRPr>
           </a:p>
-        </p:txBody>
-      </p:sp>
+          <a:p>
+            <a:pPr marL="457200" indent="-457200" algn="l" rtl="0">
+              <a:lnSpc>
+                <a:spcPct val="150000"/>
+              </a:lnSpc>
+              <a:buFont typeface="Wingdings" panose="05000000000000000000" pitchFamily="2" charset="2"/>
+              <a:buChar char="§"/>
+            </a:pPr>
+            <a:r>
+              <a:rPr lang="en-US" sz="3000" b="0" dirty="0">
+                <a:solidFill>
+                  <a:srgbClr val="000060"/>
+                </a:solidFill>
+                <a:latin typeface="Arial" panose="020B0604020202020204" pitchFamily="34" charset="0"/>
+                <a:cs typeface="Arial" panose="020B0604020202020204" pitchFamily="34" charset="0"/>
+              </a:rPr>
+              <a:t>The red blocks constitute the Environment.</a:t>
+            </a:r>
+          </a:p>
+        </p:txBody>
+      </p:sp>
+      <p:pic>
+        <p:nvPicPr>
+          <p:cNvPr id="17" name="תמונה 16">
+            <a:extLst>
+              <a:ext uri="{FF2B5EF4-FFF2-40B4-BE49-F238E27FC236}">
+                <a16:creationId xmlns:a16="http://schemas.microsoft.com/office/drawing/2014/main" id="{F3FA7EFD-75FA-4FD9-AF21-304E8D43AD1F}"/>
+              </a:ext>
+            </a:extLst>
+          </p:cNvPr>
+          <p:cNvPicPr>
+            <a:picLocks noChangeAspect="1"/>
+          </p:cNvPicPr>
+          <p:nvPr/>
+        </p:nvPicPr>
+        <p:blipFill>
+          <a:blip r:embed="rId10">
+            <a:extLst>
+              <a:ext uri="{28A0092B-C50C-407E-A947-70E740481C1C}">
+                <a14:useLocalDpi xmlns:a14="http://schemas.microsoft.com/office/drawing/2010/main" val="0"/>
+              </a:ext>
+            </a:extLst>
+          </a:blip>
+          <a:stretch>
+            <a:fillRect/>
+          </a:stretch>
+        </p:blipFill>
+        <p:spPr>
+          <a:xfrm>
+            <a:off x="20555520" y="25354319"/>
+            <a:ext cx="8475042" cy="3491491"/>
+          </a:xfrm>
+          <a:prstGeom prst="rect">
+            <a:avLst/>
+          </a:prstGeom>
+        </p:spPr>
+      </p:pic>
+      <p:pic>
+        <p:nvPicPr>
+          <p:cNvPr id="19" name="תמונה 18">
+            <a:extLst>
+              <a:ext uri="{FF2B5EF4-FFF2-40B4-BE49-F238E27FC236}">
+                <a16:creationId xmlns:a16="http://schemas.microsoft.com/office/drawing/2014/main" id="{1E67BF9A-52D2-40CE-9BD4-AE76EB9B7D20}"/>
+              </a:ext>
+            </a:extLst>
+          </p:cNvPr>
+          <p:cNvPicPr>
+            <a:picLocks noChangeAspect="1"/>
+          </p:cNvPicPr>
+          <p:nvPr/>
+        </p:nvPicPr>
+        <p:blipFill>
+          <a:blip r:embed="rId11">
+            <a:extLst>
+              <a:ext uri="{28A0092B-C50C-407E-A947-70E740481C1C}">
+                <a14:useLocalDpi xmlns:a14="http://schemas.microsoft.com/office/drawing/2010/main" val="0"/>
+              </a:ext>
+            </a:extLst>
+          </a:blip>
+          <a:stretch>
+            <a:fillRect/>
+          </a:stretch>
+        </p:blipFill>
+        <p:spPr>
+          <a:xfrm>
+            <a:off x="20413861" y="17182649"/>
+            <a:ext cx="8858357" cy="3258554"/>
+          </a:xfrm>
+          <a:prstGeom prst="rect">
+            <a:avLst/>
+          </a:prstGeom>
+        </p:spPr>
+      </p:pic>
+      <p:sp>
+        <p:nvSpPr>
+          <p:cNvPr id="20" name="תיבת טקסט 19">
+            <a:extLst>
+              <a:ext uri="{FF2B5EF4-FFF2-40B4-BE49-F238E27FC236}">
+                <a16:creationId xmlns:a16="http://schemas.microsoft.com/office/drawing/2014/main" id="{959A72F4-0D5D-4BD2-AB22-A4A36A098C83}"/>
+              </a:ext>
+            </a:extLst>
+          </p:cNvPr>
+          <p:cNvSpPr txBox="1"/>
+          <p:nvPr/>
+        </p:nvSpPr>
+        <p:spPr>
+          <a:xfrm>
+            <a:off x="20555520" y="28997664"/>
+            <a:ext cx="8820956" cy="3469219"/>
+          </a:xfrm>
+          <a:prstGeom prst="rect">
+            <a:avLst/>
+          </a:prstGeom>
+          <a:noFill/>
+        </p:spPr>
+        <p:txBody>
+          <a:bodyPr wrap="square" rtlCol="1">
+            <a:spAutoFit/>
+          </a:bodyPr>
+          <a:lstStyle/>
+          <a:p>
+            <a:pPr algn="l" rtl="0">
+              <a:lnSpc>
+                <a:spcPct val="150000"/>
+              </a:lnSpc>
+            </a:pPr>
+            <a:r>
+              <a:rPr lang="en-US" sz="3000" b="0" dirty="0">
+                <a:solidFill>
+                  <a:srgbClr val="002060"/>
+                </a:solidFill>
+              </a:rPr>
+              <a:t>This solution is when the program can’t proceed with the delay that has occurred. The problem isn’t feasible, and we need to plan a new STN graph with the new delay. The replanning is being carried out in relation to the current state of the world.</a:t>
+            </a:r>
+          </a:p>
+        </p:txBody>
+      </p:sp>
+      <p:sp>
+        <p:nvSpPr>
+          <p:cNvPr id="21" name="תיבת טקסט 20">
+            <a:extLst>
+              <a:ext uri="{FF2B5EF4-FFF2-40B4-BE49-F238E27FC236}">
+                <a16:creationId xmlns:a16="http://schemas.microsoft.com/office/drawing/2014/main" id="{1E53DED9-67C2-4CCC-821F-3E94203022FA}"/>
+              </a:ext>
+            </a:extLst>
+          </p:cNvPr>
+          <p:cNvSpPr txBox="1"/>
+          <p:nvPr/>
+        </p:nvSpPr>
+        <p:spPr>
+          <a:xfrm>
+            <a:off x="20538279" y="20332960"/>
+            <a:ext cx="8479686" cy="3469219"/>
+          </a:xfrm>
+          <a:prstGeom prst="rect">
+            <a:avLst/>
+          </a:prstGeom>
+          <a:noFill/>
+        </p:spPr>
+        <p:txBody>
+          <a:bodyPr wrap="square" rtlCol="1">
+            <a:spAutoFit/>
+          </a:bodyPr>
+          <a:lstStyle/>
+          <a:p>
+            <a:pPr algn="l" rtl="0">
+              <a:lnSpc>
+                <a:spcPct val="150000"/>
+              </a:lnSpc>
+            </a:pPr>
+            <a:r>
+              <a:rPr lang="en-US" sz="3000" b="0" dirty="0">
+                <a:solidFill>
+                  <a:srgbClr val="002060"/>
+                </a:solidFill>
+              </a:rPr>
+              <a:t>This solution is when the program can proceed with the delay that has occurred. The delay causes a time shifting for all the graph, but the problem is still feasible.</a:t>
+            </a:r>
+          </a:p>
+          <a:p>
+            <a:pPr algn="l" rtl="0">
+              <a:lnSpc>
+                <a:spcPct val="150000"/>
+              </a:lnSpc>
+            </a:pPr>
+            <a:endParaRPr lang="en-US" sz="3000" b="0" dirty="0">
+              <a:solidFill>
+                <a:srgbClr val="002060"/>
+              </a:solidFill>
+            </a:endParaRPr>
+          </a:p>
+        </p:txBody>
+      </p:sp>
+      <p:pic>
+        <p:nvPicPr>
+          <p:cNvPr id="23" name="תמונה 22">
+            <a:extLst>
+              <a:ext uri="{FF2B5EF4-FFF2-40B4-BE49-F238E27FC236}">
+                <a16:creationId xmlns:a16="http://schemas.microsoft.com/office/drawing/2014/main" id="{58D6D217-2895-4192-AFF3-FE292495ABA6}"/>
+              </a:ext>
+            </a:extLst>
+          </p:cNvPr>
+          <p:cNvPicPr>
+            <a:picLocks noChangeAspect="1"/>
+          </p:cNvPicPr>
+          <p:nvPr/>
+        </p:nvPicPr>
+        <p:blipFill>
+          <a:blip r:embed="rId12">
+            <a:extLst>
+              <a:ext uri="{28A0092B-C50C-407E-A947-70E740481C1C}">
+                <a14:useLocalDpi xmlns:a14="http://schemas.microsoft.com/office/drawing/2010/main" val="0"/>
+              </a:ext>
+            </a:extLst>
+          </a:blip>
+          <a:stretch>
+            <a:fillRect/>
+          </a:stretch>
+        </p:blipFill>
+        <p:spPr>
+          <a:xfrm>
+            <a:off x="21052721" y="32697852"/>
+            <a:ext cx="7480639" cy="2841385"/>
+          </a:xfrm>
+          <a:prstGeom prst="rect">
+            <a:avLst/>
+          </a:prstGeom>
+        </p:spPr>
+      </p:pic>
+      <p:grpSp>
+        <p:nvGrpSpPr>
+          <p:cNvPr id="95" name="קבוצה 94">
+            <a:extLst>
+              <a:ext uri="{FF2B5EF4-FFF2-40B4-BE49-F238E27FC236}">
+                <a16:creationId xmlns:a16="http://schemas.microsoft.com/office/drawing/2014/main" id="{DD1CB9DB-B876-4211-9418-415BAFFEAB97}"/>
+              </a:ext>
+            </a:extLst>
+          </p:cNvPr>
+          <p:cNvGrpSpPr/>
+          <p:nvPr/>
+        </p:nvGrpSpPr>
+        <p:grpSpPr>
+          <a:xfrm>
+            <a:off x="20206745" y="15572625"/>
+            <a:ext cx="9366490" cy="7724246"/>
+            <a:chOff x="10507569" y="25036775"/>
+            <a:chExt cx="9366490" cy="7724246"/>
+          </a:xfrm>
+        </p:grpSpPr>
+        <p:sp>
+          <p:nvSpPr>
+            <p:cNvPr id="96" name="Rounded Rectangle 18">
+              <a:extLst>
+                <a:ext uri="{FF2B5EF4-FFF2-40B4-BE49-F238E27FC236}">
+                  <a16:creationId xmlns:a16="http://schemas.microsoft.com/office/drawing/2014/main" id="{2CFBD361-1F5F-42BB-A3DB-3DFABA726A0A}"/>
+                </a:ext>
+              </a:extLst>
+            </p:cNvPr>
+            <p:cNvSpPr/>
+            <p:nvPr/>
+          </p:nvSpPr>
+          <p:spPr>
+            <a:xfrm>
+              <a:off x="10514059" y="25036775"/>
+              <a:ext cx="9360000" cy="1208903"/>
+            </a:xfrm>
+            <a:prstGeom prst="roundRect">
+              <a:avLst>
+                <a:gd name="adj" fmla="val 3718"/>
+              </a:avLst>
+            </a:prstGeom>
+            <a:solidFill>
+              <a:srgbClr val="124872"/>
+            </a:solidFill>
+            <a:ln w="76200" cap="flat" cmpd="sng" algn="ctr">
+              <a:solidFill>
+                <a:srgbClr val="124872"/>
+              </a:solidFill>
+              <a:prstDash val="solid"/>
+            </a:ln>
+            <a:effectLst/>
+          </p:spPr>
+          <p:txBody>
+            <a:bodyPr rtlCol="1" anchor="ctr"/>
+            <a:lstStyle/>
+            <a:p>
+              <a:pPr algn="ctr" defTabSz="854324" fontAlgn="auto">
+                <a:spcBef>
+                  <a:spcPts val="0"/>
+                </a:spcBef>
+                <a:spcAft>
+                  <a:spcPts val="0"/>
+                </a:spcAft>
+                <a:defRPr/>
+              </a:pPr>
+              <a:endParaRPr lang="he-IL" sz="7661" b="0" kern="0" dirty="0">
+                <a:solidFill>
+                  <a:srgbClr val="FFFFFF"/>
+                </a:solidFill>
+                <a:latin typeface="Arial" panose="020B0604020202020204" pitchFamily="34" charset="0"/>
+                <a:cs typeface="Arial" panose="020B0604020202020204" pitchFamily="34" charset="0"/>
+              </a:endParaRPr>
+            </a:p>
+          </p:txBody>
+        </p:sp>
+        <p:sp>
+          <p:nvSpPr>
+            <p:cNvPr id="97" name="Rounded Rectangle 145">
+              <a:extLst>
+                <a:ext uri="{FF2B5EF4-FFF2-40B4-BE49-F238E27FC236}">
+                  <a16:creationId xmlns:a16="http://schemas.microsoft.com/office/drawing/2014/main" id="{868E254F-5B20-407C-A529-4B51B85E16D0}"/>
+                </a:ext>
+              </a:extLst>
+            </p:cNvPr>
+            <p:cNvSpPr/>
+            <p:nvPr/>
+          </p:nvSpPr>
+          <p:spPr>
+            <a:xfrm>
+              <a:off x="10507569" y="25083077"/>
+              <a:ext cx="9360000" cy="7677944"/>
+            </a:xfrm>
+            <a:prstGeom prst="roundRect">
+              <a:avLst>
+                <a:gd name="adj" fmla="val 3718"/>
+              </a:avLst>
+            </a:prstGeom>
+            <a:noFill/>
+            <a:ln w="76200" cap="flat" cmpd="sng" algn="ctr">
+              <a:solidFill>
+                <a:srgbClr val="124872"/>
+              </a:solidFill>
+              <a:prstDash val="solid"/>
+            </a:ln>
+            <a:effectLst/>
+          </p:spPr>
+          <p:txBody>
+            <a:bodyPr rtlCol="1" anchor="ctr"/>
+            <a:lstStyle/>
+            <a:p>
+              <a:pPr algn="ctr" defTabSz="854324" fontAlgn="auto">
+                <a:spcBef>
+                  <a:spcPts val="0"/>
+                </a:spcBef>
+                <a:spcAft>
+                  <a:spcPts val="0"/>
+                </a:spcAft>
+                <a:defRPr/>
+              </a:pPr>
+              <a:endParaRPr lang="he-IL" sz="7661" b="0" kern="0">
+                <a:solidFill>
+                  <a:srgbClr val="FFFFFF"/>
+                </a:solidFill>
+                <a:latin typeface="Arial" panose="020B0604020202020204" pitchFamily="34" charset="0"/>
+                <a:cs typeface="Arial" panose="020B0604020202020204" pitchFamily="34" charset="0"/>
+              </a:endParaRPr>
+            </a:p>
+          </p:txBody>
+        </p:sp>
+        <p:sp>
+          <p:nvSpPr>
+            <p:cNvPr id="98" name="Rectangle 2">
+              <a:extLst>
+                <a:ext uri="{FF2B5EF4-FFF2-40B4-BE49-F238E27FC236}">
+                  <a16:creationId xmlns:a16="http://schemas.microsoft.com/office/drawing/2014/main" id="{B5E938B9-C0F0-4933-BFE4-87FD3A705842}"/>
+                </a:ext>
+              </a:extLst>
+            </p:cNvPr>
+            <p:cNvSpPr>
+              <a:spLocks noChangeArrowheads="1"/>
+            </p:cNvSpPr>
+            <p:nvPr/>
+          </p:nvSpPr>
+          <p:spPr bwMode="auto">
+            <a:xfrm>
+              <a:off x="10601114" y="25110640"/>
+              <a:ext cx="8755594" cy="1208903"/>
+            </a:xfrm>
+            <a:prstGeom prst="rect">
+              <a:avLst/>
+            </a:prstGeom>
+            <a:noFill/>
+            <a:ln>
+              <a:noFill/>
+            </a:ln>
+            <a:extLst>
+              <a:ext uri="{909E8E84-426E-40DD-AFC4-6F175D3DCCD1}">
+                <a14:hiddenFill xmlns:a14="http://schemas.microsoft.com/office/drawing/2010/main">
+                  <a:solidFill>
+                    <a:srgbClr val="FFFFFF"/>
+                  </a:solidFill>
+                </a14:hiddenFill>
+              </a:ext>
+              <a:ext uri="{91240B29-F687-4F45-9708-019B960494DF}">
+                <a14:hiddenLine xmlns:a14="http://schemas.microsoft.com/office/drawing/2010/main" w="9525">
+                  <a:solidFill>
+                    <a:srgbClr val="000000"/>
+                  </a:solidFill>
+                  <a:miter lim="800000"/>
+                  <a:headEnd/>
+                  <a:tailEnd/>
+                </a14:hiddenLine>
+              </a:ext>
+            </a:extLst>
+          </p:spPr>
+          <p:txBody>
+            <a:bodyPr anchor="ctr"/>
+            <a:lstStyle/>
+            <a:p>
+              <a:pPr algn="l" defTabSz="3900819" rtl="0"/>
+              <a:r>
+                <a:rPr lang="en-US" sz="5400" dirty="0">
+                  <a:solidFill>
+                    <a:schemeClr val="bg1"/>
+                  </a:solidFill>
+                  <a:latin typeface="Arial" panose="020B0604020202020204" pitchFamily="34" charset="0"/>
+                  <a:cs typeface="Arial" panose="020B0604020202020204" pitchFamily="34" charset="0"/>
+                </a:rPr>
+                <a:t>Stretching the STN graph</a:t>
+              </a:r>
+            </a:p>
+          </p:txBody>
+        </p:sp>
+      </p:grpSp>
+      <p:grpSp>
+        <p:nvGrpSpPr>
+          <p:cNvPr id="100" name="קבוצה 99">
+            <a:extLst>
+              <a:ext uri="{FF2B5EF4-FFF2-40B4-BE49-F238E27FC236}">
+                <a16:creationId xmlns:a16="http://schemas.microsoft.com/office/drawing/2014/main" id="{9BA80083-9C7D-4EFE-BB71-D5EB5B315639}"/>
+              </a:ext>
+            </a:extLst>
+          </p:cNvPr>
+          <p:cNvGrpSpPr/>
+          <p:nvPr/>
+        </p:nvGrpSpPr>
+        <p:grpSpPr>
+          <a:xfrm>
+            <a:off x="20223206" y="23697993"/>
+            <a:ext cx="9366490" cy="11833888"/>
+            <a:chOff x="10507569" y="25036775"/>
+            <a:chExt cx="9366490" cy="11833888"/>
+          </a:xfrm>
+        </p:grpSpPr>
+        <p:sp>
+          <p:nvSpPr>
+            <p:cNvPr id="101" name="Rounded Rectangle 18">
+              <a:extLst>
+                <a:ext uri="{FF2B5EF4-FFF2-40B4-BE49-F238E27FC236}">
+                  <a16:creationId xmlns:a16="http://schemas.microsoft.com/office/drawing/2014/main" id="{77A7A785-6D90-4BCE-84E5-C75451888CF8}"/>
+                </a:ext>
+              </a:extLst>
+            </p:cNvPr>
+            <p:cNvSpPr/>
+            <p:nvPr/>
+          </p:nvSpPr>
+          <p:spPr>
+            <a:xfrm>
+              <a:off x="10514059" y="25036775"/>
+              <a:ext cx="9360000" cy="1208903"/>
+            </a:xfrm>
+            <a:prstGeom prst="roundRect">
+              <a:avLst>
+                <a:gd name="adj" fmla="val 3718"/>
+              </a:avLst>
+            </a:prstGeom>
+            <a:solidFill>
+              <a:srgbClr val="124872"/>
+            </a:solidFill>
+            <a:ln w="76200" cap="flat" cmpd="sng" algn="ctr">
+              <a:solidFill>
+                <a:srgbClr val="124872"/>
+              </a:solidFill>
+              <a:prstDash val="solid"/>
+            </a:ln>
+            <a:effectLst/>
+          </p:spPr>
+          <p:txBody>
+            <a:bodyPr rtlCol="1" anchor="ctr"/>
+            <a:lstStyle/>
+            <a:p>
+              <a:pPr algn="ctr" defTabSz="854324" fontAlgn="auto">
+                <a:spcBef>
+                  <a:spcPts val="0"/>
+                </a:spcBef>
+                <a:spcAft>
+                  <a:spcPts val="0"/>
+                </a:spcAft>
+                <a:defRPr/>
+              </a:pPr>
+              <a:endParaRPr lang="he-IL" sz="7661" b="0" kern="0" dirty="0">
+                <a:solidFill>
+                  <a:srgbClr val="FFFFFF"/>
+                </a:solidFill>
+                <a:latin typeface="Arial" panose="020B0604020202020204" pitchFamily="34" charset="0"/>
+                <a:cs typeface="Arial" panose="020B0604020202020204" pitchFamily="34" charset="0"/>
+              </a:endParaRPr>
+            </a:p>
+          </p:txBody>
+        </p:sp>
+        <p:sp>
+          <p:nvSpPr>
+            <p:cNvPr id="102" name="Rounded Rectangle 145">
+              <a:extLst>
+                <a:ext uri="{FF2B5EF4-FFF2-40B4-BE49-F238E27FC236}">
+                  <a16:creationId xmlns:a16="http://schemas.microsoft.com/office/drawing/2014/main" id="{43CF63F1-62A0-44F7-9E01-C0A877B71DE9}"/>
+                </a:ext>
+              </a:extLst>
+            </p:cNvPr>
+            <p:cNvSpPr/>
+            <p:nvPr/>
+          </p:nvSpPr>
+          <p:spPr>
+            <a:xfrm>
+              <a:off x="10507569" y="25083076"/>
+              <a:ext cx="9360000" cy="11787587"/>
+            </a:xfrm>
+            <a:prstGeom prst="roundRect">
+              <a:avLst>
+                <a:gd name="adj" fmla="val 3718"/>
+              </a:avLst>
+            </a:prstGeom>
+            <a:noFill/>
+            <a:ln w="76200" cap="flat" cmpd="sng" algn="ctr">
+              <a:solidFill>
+                <a:srgbClr val="124872"/>
+              </a:solidFill>
+              <a:prstDash val="solid"/>
+            </a:ln>
+            <a:effectLst/>
+          </p:spPr>
+          <p:txBody>
+            <a:bodyPr rtlCol="1" anchor="ctr"/>
+            <a:lstStyle/>
+            <a:p>
+              <a:pPr algn="ctr" defTabSz="854324" fontAlgn="auto">
+                <a:spcBef>
+                  <a:spcPts val="0"/>
+                </a:spcBef>
+                <a:spcAft>
+                  <a:spcPts val="0"/>
+                </a:spcAft>
+                <a:defRPr/>
+              </a:pPr>
+              <a:endParaRPr lang="he-IL" sz="7661" b="0" kern="0">
+                <a:solidFill>
+                  <a:srgbClr val="FFFFFF"/>
+                </a:solidFill>
+                <a:latin typeface="Arial" panose="020B0604020202020204" pitchFamily="34" charset="0"/>
+                <a:cs typeface="Arial" panose="020B0604020202020204" pitchFamily="34" charset="0"/>
+              </a:endParaRPr>
+            </a:p>
+          </p:txBody>
+        </p:sp>
+        <p:sp>
+          <p:nvSpPr>
+            <p:cNvPr id="103" name="Rectangle 2">
+              <a:extLst>
+                <a:ext uri="{FF2B5EF4-FFF2-40B4-BE49-F238E27FC236}">
+                  <a16:creationId xmlns:a16="http://schemas.microsoft.com/office/drawing/2014/main" id="{314AE7E2-C886-4C3C-A6EF-8979EA82BC17}"/>
+                </a:ext>
+              </a:extLst>
+            </p:cNvPr>
+            <p:cNvSpPr>
+              <a:spLocks noChangeArrowheads="1"/>
+            </p:cNvSpPr>
+            <p:nvPr/>
+          </p:nvSpPr>
+          <p:spPr bwMode="auto">
+            <a:xfrm>
+              <a:off x="10601114" y="25110640"/>
+              <a:ext cx="8755594" cy="1208903"/>
+            </a:xfrm>
+            <a:prstGeom prst="rect">
+              <a:avLst/>
+            </a:prstGeom>
+            <a:noFill/>
+            <a:ln>
+              <a:noFill/>
+            </a:ln>
+            <a:extLst>
+              <a:ext uri="{909E8E84-426E-40DD-AFC4-6F175D3DCCD1}">
+                <a14:hiddenFill xmlns:a14="http://schemas.microsoft.com/office/drawing/2010/main">
+                  <a:solidFill>
+                    <a:srgbClr val="FFFFFF"/>
+                  </a:solidFill>
+                </a14:hiddenFill>
+              </a:ext>
+              <a:ext uri="{91240B29-F687-4F45-9708-019B960494DF}">
+                <a14:hiddenLine xmlns:a14="http://schemas.microsoft.com/office/drawing/2010/main" w="9525">
+                  <a:solidFill>
+                    <a:srgbClr val="000000"/>
+                  </a:solidFill>
+                  <a:miter lim="800000"/>
+                  <a:headEnd/>
+                  <a:tailEnd/>
+                </a14:hiddenLine>
+              </a:ext>
+            </a:extLst>
+          </p:spPr>
+          <p:txBody>
+            <a:bodyPr anchor="ctr"/>
+            <a:lstStyle/>
+            <a:p>
+              <a:pPr algn="l" defTabSz="3900819" rtl="0"/>
+              <a:r>
+                <a:rPr lang="en-US" sz="5400" dirty="0">
+                  <a:solidFill>
+                    <a:schemeClr val="bg1"/>
+                  </a:solidFill>
+                  <a:latin typeface="Arial" panose="020B0604020202020204" pitchFamily="34" charset="0"/>
+                  <a:cs typeface="Arial" panose="020B0604020202020204" pitchFamily="34" charset="0"/>
+                </a:rPr>
+                <a:t>Replanning of the plan</a:t>
+              </a:r>
+            </a:p>
+          </p:txBody>
+        </p:sp>
+      </p:grpSp>
     </p:spTree>
   </p:cSld>
   <p:clrMapOvr>
